--- a/kbe/doc/server_overview.pptx
+++ b/kbe/doc/server_overview.pptx
@@ -17,6 +17,8 @@
     <p:sldId id="265" r:id="rId11"/>
     <p:sldId id="266" r:id="rId12"/>
     <p:sldId id="267" r:id="rId13"/>
+    <p:sldId id="268" r:id="rId14"/>
+    <p:sldId id="269" r:id="rId15"/>
   </p:sldIdLst>
   <p:sldSz cx="9144000" cy="6858000" type="screen4x3"/>
   <p:notesSz cx="6858000" cy="9144000"/>
@@ -3152,7 +3154,7 @@
     </p:spTree>
     <p:extLst>
       <p:ext uri="{BB962C8B-B14F-4D97-AF65-F5344CB8AC3E}">
-        <p14:creationId xmlns:p14="http://schemas.microsoft.com/office/powerpoint/2010/main" xmlns="" val="2274749693"/>
+        <p14:creationId xmlns="" xmlns:p14="http://schemas.microsoft.com/office/powerpoint/2010/main" val="2274749693"/>
       </p:ext>
     </p:extLst>
   </p:cSld>
@@ -3273,7 +3275,7 @@
     </p:spTree>
     <p:extLst>
       <p:ext uri="{BB962C8B-B14F-4D97-AF65-F5344CB8AC3E}">
-        <p14:creationId xmlns:p14="http://schemas.microsoft.com/office/powerpoint/2010/main" xmlns="" val="2876153112"/>
+        <p14:creationId xmlns="" xmlns:p14="http://schemas.microsoft.com/office/powerpoint/2010/main" val="2876153112"/>
       </p:ext>
     </p:extLst>
   </p:cSld>
@@ -3371,7 +3373,7 @@
     </p:spTree>
     <p:extLst>
       <p:ext uri="{BB962C8B-B14F-4D97-AF65-F5344CB8AC3E}">
-        <p14:creationId xmlns:p14="http://schemas.microsoft.com/office/powerpoint/2010/main" xmlns="" val="1014694900"/>
+        <p14:creationId xmlns="" xmlns:p14="http://schemas.microsoft.com/office/powerpoint/2010/main" val="1014694900"/>
       </p:ext>
     </p:extLst>
   </p:cSld>
@@ -3422,7 +3424,11 @@
           <a:p>
             <a:r>
               <a:rPr lang="zh-CN" altLang="en-US" dirty="0" smtClean="0"/>
-              <a:t>登录协议</a:t>
+              <a:t>获取网关地址</a:t>
+            </a:r>
+            <a:r>
+              <a:rPr lang="zh-CN" altLang="en-US" dirty="0" smtClean="0"/>
+              <a:t>协议</a:t>
             </a:r>
             <a:endParaRPr lang="zh-CN" altLang="en-US" dirty="0"/>
           </a:p>
@@ -3451,34 +3457,128 @@
           <a:lstStyle/>
           <a:p>
             <a:r>
-              <a:rPr lang="zh-CN" altLang="en-US" dirty="0" smtClean="0"/>
+              <a:rPr lang="zh-CN" altLang="en-US" b="1" dirty="0" smtClean="0">
+                <a:solidFill>
+                  <a:srgbClr val="FF0000"/>
+                </a:solidFill>
+              </a:rPr>
               <a:t>向登录进程上报账号密码等信息</a:t>
             </a:r>
-            <a:endParaRPr lang="en-US" altLang="zh-CN" dirty="0" smtClean="0"/>
-          </a:p>
-          <a:p>
-            <a:r>
-              <a:rPr lang="zh-CN" altLang="en-US" dirty="0" smtClean="0"/>
+            <a:r>
+              <a:rPr lang="en-US" altLang="zh-CN" b="1" dirty="0" smtClean="0">
+                <a:solidFill>
+                  <a:srgbClr val="FF0000"/>
+                </a:solidFill>
+              </a:rPr>
+              <a:t>:</a:t>
+            </a:r>
+            <a:r>
+              <a:rPr lang="zh-CN" altLang="en-US" b="1" dirty="0" smtClean="0">
+                <a:solidFill>
+                  <a:srgbClr val="FF0000"/>
+                </a:solidFill>
+              </a:rPr>
               <a:t>协议</a:t>
             </a:r>
             <a:r>
-              <a:rPr lang="en-US" altLang="zh-CN" dirty="0" smtClean="0"/>
+              <a:rPr lang="en-US" altLang="zh-CN" b="1" dirty="0" smtClean="0">
+                <a:solidFill>
+                  <a:srgbClr val="FF0000"/>
+                </a:solidFill>
+              </a:rPr>
               <a:t>ID: 1</a:t>
             </a:r>
-            <a:endParaRPr lang="zh-CN" altLang="en-US" dirty="0"/>
-          </a:p>
-        </p:txBody>
-      </p:sp>
-      <p:sp>
-        <p:nvSpPr>
-          <p:cNvPr id="6" name="TextBox 5"/>
+            <a:endParaRPr lang="zh-CN" altLang="en-US" b="1" dirty="0" smtClean="0">
+              <a:solidFill>
+                <a:srgbClr val="FF0000"/>
+              </a:solidFill>
+            </a:endParaRPr>
+          </a:p>
+          <a:p>
+            <a:endParaRPr lang="en-US" altLang="zh-CN" b="1" dirty="0" smtClean="0">
+              <a:solidFill>
+                <a:srgbClr val="FF0000"/>
+              </a:solidFill>
+            </a:endParaRPr>
+          </a:p>
+        </p:txBody>
+      </p:sp>
+      <p:pic>
+        <p:nvPicPr>
+          <p:cNvPr id="1026" name="Picture 2"/>
+          <p:cNvPicPr>
+            <a:picLocks noChangeAspect="1" noChangeArrowheads="1"/>
+          </p:cNvPicPr>
+          <p:nvPr/>
+        </p:nvPicPr>
+        <p:blipFill>
+          <a:blip r:embed="rId2"/>
+          <a:srcRect/>
+          <a:stretch>
+            <a:fillRect/>
+          </a:stretch>
+        </p:blipFill>
+        <p:spPr bwMode="auto">
+          <a:xfrm>
+            <a:off x="285720" y="5143512"/>
+            <a:ext cx="4777151" cy="1571636"/>
+          </a:xfrm>
+          <a:prstGeom prst="rect">
+            <a:avLst/>
+          </a:prstGeom>
+          <a:noFill/>
+          <a:ln w="9525">
+            <a:noFill/>
+            <a:miter lim="800000"/>
+            <a:headEnd/>
+            <a:tailEnd/>
+          </a:ln>
+          <a:effectLst/>
+        </p:spPr>
+      </p:pic>
+      <p:pic>
+        <p:nvPicPr>
+          <p:cNvPr id="1027" name="Picture 3"/>
+          <p:cNvPicPr>
+            <a:picLocks noChangeAspect="1" noChangeArrowheads="1"/>
+          </p:cNvPicPr>
+          <p:nvPr/>
+        </p:nvPicPr>
+        <p:blipFill>
+          <a:blip r:embed="rId3"/>
+          <a:srcRect/>
+          <a:stretch>
+            <a:fillRect/>
+          </a:stretch>
+        </p:blipFill>
+        <p:spPr bwMode="auto">
+          <a:xfrm>
+            <a:off x="285720" y="2071678"/>
+            <a:ext cx="5503410" cy="2286016"/>
+          </a:xfrm>
+          <a:prstGeom prst="rect">
+            <a:avLst/>
+          </a:prstGeom>
+          <a:noFill/>
+          <a:ln w="9525">
+            <a:noFill/>
+            <a:miter lim="800000"/>
+            <a:headEnd/>
+            <a:tailEnd/>
+          </a:ln>
+          <a:effectLst/>
+        </p:spPr>
+      </p:pic>
+      <p:sp>
+        <p:nvSpPr>
+          <p:cNvPr id="7" name="TextBox 6"/>
           <p:cNvSpPr txBox="1"/>
           <p:nvPr/>
         </p:nvSpPr>
         <p:spPr>
           <a:xfrm>
-            <a:off x="71406" y="2000240"/>
-            <a:ext cx="9072594" cy="1477328"/>
+            <a:off x="214282" y="4643446"/>
+            <a:ext cx="4357718" cy="369332"/>
           </a:xfrm>
           <a:prstGeom prst="rect">
             <a:avLst/>
@@ -3492,93 +3592,554 @@
           <a:lstStyle/>
           <a:p>
             <a:r>
-              <a:rPr lang="en-US" altLang="zh-CN" dirty="0" smtClean="0"/>
-              <a:t>void login(int8                  </a:t>
-            </a:r>
-            <a:r>
-              <a:rPr lang="en-US" altLang="zh-CN" dirty="0" err="1" smtClean="0"/>
-              <a:t>clientType</a:t>
-            </a:r>
-            <a:r>
-              <a:rPr lang="en-US" altLang="zh-CN" dirty="0" smtClean="0"/>
-              <a:t> ,             // 1</a:t>
-            </a:r>
-            <a:r>
-              <a:rPr lang="zh-CN" altLang="en-US" dirty="0" smtClean="0"/>
-              <a:t>为手机前端， </a:t>
-            </a:r>
-            <a:r>
-              <a:rPr lang="en-US" altLang="zh-CN" dirty="0" smtClean="0"/>
-              <a:t>0</a:t>
-            </a:r>
-            <a:r>
-              <a:rPr lang="zh-CN" altLang="en-US" dirty="0" smtClean="0"/>
-              <a:t>为调试前端</a:t>
-            </a:r>
-            <a:r>
-              <a:rPr lang="en-US" altLang="zh-CN" dirty="0" smtClean="0"/>
-              <a:t>,  n…</a:t>
-            </a:r>
-          </a:p>
-          <a:p>
-            <a:r>
-              <a:rPr lang="en-US" altLang="zh-CN" dirty="0" smtClean="0"/>
-              <a:t>                  std::string        </a:t>
-            </a:r>
-            <a:r>
-              <a:rPr lang="en-US" altLang="zh-CN" dirty="0" err="1" smtClean="0"/>
-              <a:t>datas</a:t>
-            </a:r>
-            <a:r>
-              <a:rPr lang="en-US" altLang="zh-CN" dirty="0" smtClean="0"/>
-              <a:t>,                      //</a:t>
-            </a:r>
-            <a:r>
-              <a:rPr lang="zh-CN" altLang="en-US" dirty="0" smtClean="0"/>
-              <a:t>前端附带数据</a:t>
-            </a:r>
-            <a:r>
-              <a:rPr lang="en-US" altLang="zh-CN" dirty="0" smtClean="0"/>
-              <a:t>(</a:t>
-            </a:r>
-            <a:r>
-              <a:rPr lang="zh-CN" altLang="en-US" dirty="0" smtClean="0"/>
-              <a:t>可以是任意的，比如附带手机型号等</a:t>
-            </a:r>
-            <a:r>
-              <a:rPr lang="en-US" altLang="zh-CN" dirty="0" smtClean="0"/>
-              <a:t>)</a:t>
-            </a:r>
-          </a:p>
-          <a:p>
-            <a:r>
-              <a:rPr lang="en-US" altLang="zh-CN" dirty="0" smtClean="0"/>
-              <a:t>                  std::string        </a:t>
-            </a:r>
-            <a:r>
-              <a:rPr lang="en-US" altLang="zh-CN" dirty="0" err="1" smtClean="0"/>
-              <a:t>accountName</a:t>
-            </a:r>
-            <a:r>
-              <a:rPr lang="en-US" altLang="zh-CN" dirty="0" smtClean="0"/>
-              <a:t>,      //</a:t>
-            </a:r>
-            <a:r>
-              <a:rPr lang="zh-CN" altLang="en-US" dirty="0" smtClean="0"/>
-              <a:t>帐号名</a:t>
-            </a:r>
-            <a:endParaRPr lang="en-US" altLang="zh-CN" dirty="0" smtClean="0"/>
-          </a:p>
-          <a:p>
-            <a:r>
-              <a:rPr lang="en-US" altLang="zh-CN" dirty="0" smtClean="0"/>
-              <a:t>                   std::string       password)              //</a:t>
-            </a:r>
-            <a:r>
-              <a:rPr lang="zh-CN" altLang="en-US" dirty="0" smtClean="0"/>
-              <a:t>密码</a:t>
-            </a:r>
-            <a:endParaRPr lang="en-US" altLang="zh-CN" dirty="0" smtClean="0"/>
+              <a:rPr lang="zh-CN" altLang="en-US" b="1" dirty="0" smtClean="0">
+                <a:solidFill>
+                  <a:srgbClr val="FF0000"/>
+                </a:solidFill>
+              </a:rPr>
+              <a:t>登录失败</a:t>
+            </a:r>
+            <a:r>
+              <a:rPr lang="en-US" altLang="zh-CN" b="1" dirty="0" smtClean="0">
+                <a:solidFill>
+                  <a:srgbClr val="FF0000"/>
+                </a:solidFill>
+              </a:rPr>
+              <a:t>:</a:t>
+            </a:r>
+            <a:r>
+              <a:rPr lang="zh-CN" altLang="en-US" b="1" dirty="0" smtClean="0">
+                <a:solidFill>
+                  <a:srgbClr val="FF0000"/>
+                </a:solidFill>
+              </a:rPr>
+              <a:t>协议</a:t>
+            </a:r>
+            <a:r>
+              <a:rPr lang="en-US" altLang="zh-CN" b="1" dirty="0" smtClean="0">
+                <a:solidFill>
+                  <a:srgbClr val="FF0000"/>
+                </a:solidFill>
+              </a:rPr>
+              <a:t>ID: 2</a:t>
+            </a:r>
+            <a:endParaRPr lang="zh-CN" altLang="en-US" b="1" dirty="0" smtClean="0">
+              <a:solidFill>
+                <a:srgbClr val="FF0000"/>
+              </a:solidFill>
+            </a:endParaRPr>
+          </a:p>
+        </p:txBody>
+      </p:sp>
+    </p:spTree>
+  </p:cSld>
+  <p:clrMapOvr>
+    <a:masterClrMapping/>
+  </p:clrMapOvr>
+</p:sld>
+</file>
+
+<file path=ppt/slides/slide13.xml><?xml version="1.0" encoding="utf-8"?>
+<p:sld xmlns:a="http://schemas.openxmlformats.org/drawingml/2006/main" xmlns:r="http://schemas.openxmlformats.org/officeDocument/2006/relationships" xmlns:p="http://schemas.openxmlformats.org/presentationml/2006/main">
+  <p:cSld>
+    <p:spTree>
+      <p:nvGrpSpPr>
+        <p:cNvPr id="1" name=""/>
+        <p:cNvGrpSpPr/>
+        <p:nvPr/>
+      </p:nvGrpSpPr>
+      <p:grpSpPr>
+        <a:xfrm>
+          <a:off x="0" y="0"/>
+          <a:ext cx="0" cy="0"/>
+          <a:chOff x="0" y="0"/>
+          <a:chExt cx="0" cy="0"/>
+        </a:xfrm>
+      </p:grpSpPr>
+      <p:sp>
+        <p:nvSpPr>
+          <p:cNvPr id="2" name="标题 1"/>
+          <p:cNvSpPr>
+            <a:spLocks noGrp="1"/>
+          </p:cNvSpPr>
+          <p:nvPr>
+            <p:ph type="title"/>
+          </p:nvPr>
+        </p:nvSpPr>
+        <p:spPr/>
+        <p:txBody>
+          <a:bodyPr/>
+          <a:lstStyle/>
+          <a:p>
+            <a:r>
+              <a:rPr lang="zh-CN" altLang="en-US" dirty="0" smtClean="0"/>
+              <a:t>获取网关地址协议</a:t>
+            </a:r>
+            <a:endParaRPr lang="zh-CN" altLang="en-US" dirty="0"/>
+          </a:p>
+        </p:txBody>
+      </p:sp>
+      <p:sp>
+        <p:nvSpPr>
+          <p:cNvPr id="4" name="TextBox 3"/>
+          <p:cNvSpPr txBox="1"/>
+          <p:nvPr/>
+        </p:nvSpPr>
+        <p:spPr>
+          <a:xfrm>
+            <a:off x="357158" y="1285860"/>
+            <a:ext cx="4357718" cy="369332"/>
+          </a:xfrm>
+          <a:prstGeom prst="rect">
+            <a:avLst/>
+          </a:prstGeom>
+          <a:noFill/>
+        </p:spPr>
+        <p:txBody>
+          <a:bodyPr wrap="square" rtlCol="0">
+            <a:spAutoFit/>
+          </a:bodyPr>
+          <a:lstStyle/>
+          <a:p>
+            <a:r>
+              <a:rPr lang="zh-CN" altLang="en-US" b="1" dirty="0" smtClean="0">
+                <a:solidFill>
+                  <a:srgbClr val="FF0000"/>
+                </a:solidFill>
+              </a:rPr>
+              <a:t>登录</a:t>
+            </a:r>
+            <a:r>
+              <a:rPr lang="zh-CN" altLang="en-US" b="1" dirty="0" smtClean="0">
+                <a:solidFill>
+                  <a:srgbClr val="FF0000"/>
+                </a:solidFill>
+              </a:rPr>
+              <a:t>成功</a:t>
+            </a:r>
+            <a:r>
+              <a:rPr lang="en-US" altLang="zh-CN" b="1" dirty="0" smtClean="0">
+                <a:solidFill>
+                  <a:srgbClr val="FF0000"/>
+                </a:solidFill>
+              </a:rPr>
+              <a:t>:</a:t>
+            </a:r>
+            <a:r>
+              <a:rPr lang="zh-CN" altLang="en-US" b="1" dirty="0" smtClean="0">
+                <a:solidFill>
+                  <a:srgbClr val="FF0000"/>
+                </a:solidFill>
+              </a:rPr>
+              <a:t>协议</a:t>
+            </a:r>
+            <a:r>
+              <a:rPr lang="en-US" altLang="zh-CN" b="1" dirty="0" smtClean="0">
+                <a:solidFill>
+                  <a:srgbClr val="FF0000"/>
+                </a:solidFill>
+              </a:rPr>
+              <a:t>ID: </a:t>
+            </a:r>
+            <a:r>
+              <a:rPr lang="en-US" altLang="zh-CN" b="1" dirty="0" smtClean="0">
+                <a:solidFill>
+                  <a:srgbClr val="FF0000"/>
+                </a:solidFill>
+              </a:rPr>
+              <a:t>3</a:t>
+            </a:r>
+            <a:endParaRPr lang="zh-CN" altLang="en-US" b="1" dirty="0" smtClean="0">
+              <a:solidFill>
+                <a:srgbClr val="FF0000"/>
+              </a:solidFill>
+            </a:endParaRPr>
+          </a:p>
+        </p:txBody>
+      </p:sp>
+      <p:pic>
+        <p:nvPicPr>
+          <p:cNvPr id="2051" name="Picture 3"/>
+          <p:cNvPicPr>
+            <a:picLocks noChangeAspect="1" noChangeArrowheads="1"/>
+          </p:cNvPicPr>
+          <p:nvPr/>
+        </p:nvPicPr>
+        <p:blipFill>
+          <a:blip r:embed="rId2"/>
+          <a:srcRect/>
+          <a:stretch>
+            <a:fillRect/>
+          </a:stretch>
+        </p:blipFill>
+        <p:spPr bwMode="auto">
+          <a:xfrm>
+            <a:off x="428596" y="1714488"/>
+            <a:ext cx="3743325" cy="790575"/>
+          </a:xfrm>
+          <a:prstGeom prst="rect">
+            <a:avLst/>
+          </a:prstGeom>
+          <a:noFill/>
+          <a:ln w="9525">
+            <a:noFill/>
+            <a:miter lim="800000"/>
+            <a:headEnd/>
+            <a:tailEnd/>
+          </a:ln>
+          <a:effectLst/>
+        </p:spPr>
+      </p:pic>
+    </p:spTree>
+  </p:cSld>
+  <p:clrMapOvr>
+    <a:masterClrMapping/>
+  </p:clrMapOvr>
+</p:sld>
+</file>
+
+<file path=ppt/slides/slide14.xml><?xml version="1.0" encoding="utf-8"?>
+<p:sld xmlns:a="http://schemas.openxmlformats.org/drawingml/2006/main" xmlns:r="http://schemas.openxmlformats.org/officeDocument/2006/relationships" xmlns:p="http://schemas.openxmlformats.org/presentationml/2006/main">
+  <p:cSld>
+    <p:spTree>
+      <p:nvGrpSpPr>
+        <p:cNvPr id="1" name=""/>
+        <p:cNvGrpSpPr/>
+        <p:nvPr/>
+      </p:nvGrpSpPr>
+      <p:grpSpPr>
+        <a:xfrm>
+          <a:off x="0" y="0"/>
+          <a:ext cx="0" cy="0"/>
+          <a:chOff x="0" y="0"/>
+          <a:chExt cx="0" cy="0"/>
+        </a:xfrm>
+      </p:grpSpPr>
+      <p:sp>
+        <p:nvSpPr>
+          <p:cNvPr id="2" name="标题 1"/>
+          <p:cNvSpPr>
+            <a:spLocks noGrp="1"/>
+          </p:cNvSpPr>
+          <p:nvPr>
+            <p:ph type="title"/>
+          </p:nvPr>
+        </p:nvSpPr>
+        <p:spPr/>
+        <p:txBody>
+          <a:bodyPr/>
+          <a:lstStyle/>
+          <a:p>
+            <a:r>
+              <a:rPr lang="zh-CN" altLang="en-US" dirty="0" smtClean="0"/>
+              <a:t>网关登录协议</a:t>
+            </a:r>
+            <a:endParaRPr lang="zh-CN" altLang="en-US" dirty="0"/>
+          </a:p>
+        </p:txBody>
+      </p:sp>
+      <p:sp>
+        <p:nvSpPr>
+          <p:cNvPr id="4" name="TextBox 3"/>
+          <p:cNvSpPr txBox="1"/>
+          <p:nvPr/>
+        </p:nvSpPr>
+        <p:spPr>
+          <a:xfrm>
+            <a:off x="71406" y="1425347"/>
+            <a:ext cx="6572296" cy="646331"/>
+          </a:xfrm>
+          <a:prstGeom prst="rect">
+            <a:avLst/>
+          </a:prstGeom>
+          <a:noFill/>
+        </p:spPr>
+        <p:txBody>
+          <a:bodyPr wrap="square" rtlCol="0">
+            <a:spAutoFit/>
+          </a:bodyPr>
+          <a:lstStyle/>
+          <a:p>
+            <a:r>
+              <a:rPr lang="zh-CN" altLang="en-US" b="1" dirty="0" smtClean="0">
+                <a:solidFill>
+                  <a:srgbClr val="FF0000"/>
+                </a:solidFill>
+              </a:rPr>
+              <a:t>向网关进程</a:t>
+            </a:r>
+            <a:r>
+              <a:rPr lang="zh-CN" altLang="en-US" b="1" dirty="0" smtClean="0">
+                <a:solidFill>
+                  <a:srgbClr val="FF0000"/>
+                </a:solidFill>
+              </a:rPr>
+              <a:t>上报账号</a:t>
+            </a:r>
+            <a:r>
+              <a:rPr lang="zh-CN" altLang="en-US" b="1" dirty="0" smtClean="0">
+                <a:solidFill>
+                  <a:srgbClr val="FF0000"/>
+                </a:solidFill>
+              </a:rPr>
+              <a:t>密码请求登录</a:t>
+            </a:r>
+            <a:r>
+              <a:rPr lang="en-US" altLang="zh-CN" b="1" dirty="0" smtClean="0">
+                <a:solidFill>
+                  <a:srgbClr val="FF0000"/>
+                </a:solidFill>
+              </a:rPr>
+              <a:t>:</a:t>
+            </a:r>
+            <a:r>
+              <a:rPr lang="zh-CN" altLang="en-US" b="1" dirty="0" smtClean="0">
+                <a:solidFill>
+                  <a:srgbClr val="FF0000"/>
+                </a:solidFill>
+              </a:rPr>
+              <a:t>协议</a:t>
+            </a:r>
+            <a:r>
+              <a:rPr lang="en-US" altLang="zh-CN" b="1" dirty="0" smtClean="0">
+                <a:solidFill>
+                  <a:srgbClr val="FF0000"/>
+                </a:solidFill>
+              </a:rPr>
+              <a:t>ID: 1</a:t>
+            </a:r>
+            <a:endParaRPr lang="zh-CN" altLang="en-US" b="1" dirty="0" smtClean="0">
+              <a:solidFill>
+                <a:srgbClr val="FF0000"/>
+              </a:solidFill>
+            </a:endParaRPr>
+          </a:p>
+          <a:p>
+            <a:endParaRPr lang="en-US" altLang="zh-CN" b="1" dirty="0" smtClean="0">
+              <a:solidFill>
+                <a:srgbClr val="FF0000"/>
+              </a:solidFill>
+            </a:endParaRPr>
+          </a:p>
+        </p:txBody>
+      </p:sp>
+      <p:pic>
+        <p:nvPicPr>
+          <p:cNvPr id="3075" name="Picture 3"/>
+          <p:cNvPicPr>
+            <a:picLocks noChangeAspect="1" noChangeArrowheads="1"/>
+          </p:cNvPicPr>
+          <p:nvPr/>
+        </p:nvPicPr>
+        <p:blipFill>
+          <a:blip r:embed="rId2"/>
+          <a:srcRect/>
+          <a:stretch>
+            <a:fillRect/>
+          </a:stretch>
+        </p:blipFill>
+        <p:spPr bwMode="auto">
+          <a:xfrm>
+            <a:off x="142844" y="1785926"/>
+            <a:ext cx="3943350" cy="581025"/>
+          </a:xfrm>
+          <a:prstGeom prst="rect">
+            <a:avLst/>
+          </a:prstGeom>
+          <a:noFill/>
+          <a:ln w="9525">
+            <a:noFill/>
+            <a:miter lim="800000"/>
+            <a:headEnd/>
+            <a:tailEnd/>
+          </a:ln>
+          <a:effectLst/>
+        </p:spPr>
+      </p:pic>
+      <p:sp>
+        <p:nvSpPr>
+          <p:cNvPr id="7" name="TextBox 6"/>
+          <p:cNvSpPr txBox="1"/>
+          <p:nvPr/>
+        </p:nvSpPr>
+        <p:spPr>
+          <a:xfrm>
+            <a:off x="71406" y="2500306"/>
+            <a:ext cx="6572296" cy="646331"/>
+          </a:xfrm>
+          <a:prstGeom prst="rect">
+            <a:avLst/>
+          </a:prstGeom>
+          <a:noFill/>
+        </p:spPr>
+        <p:txBody>
+          <a:bodyPr wrap="square" rtlCol="0">
+            <a:spAutoFit/>
+          </a:bodyPr>
+          <a:lstStyle/>
+          <a:p>
+            <a:r>
+              <a:rPr lang="zh-CN" altLang="en-US" b="1" dirty="0" smtClean="0">
+                <a:solidFill>
+                  <a:srgbClr val="FF0000"/>
+                </a:solidFill>
+              </a:rPr>
+              <a:t>登录失败</a:t>
+            </a:r>
+            <a:r>
+              <a:rPr lang="en-US" altLang="zh-CN" b="1" dirty="0" smtClean="0">
+                <a:solidFill>
+                  <a:srgbClr val="FF0000"/>
+                </a:solidFill>
+              </a:rPr>
+              <a:t>:</a:t>
+            </a:r>
+            <a:r>
+              <a:rPr lang="zh-CN" altLang="en-US" b="1" dirty="0" smtClean="0">
+                <a:solidFill>
+                  <a:srgbClr val="FF0000"/>
+                </a:solidFill>
+              </a:rPr>
+              <a:t>协议</a:t>
+            </a:r>
+            <a:r>
+              <a:rPr lang="en-US" altLang="zh-CN" b="1" dirty="0" smtClean="0">
+                <a:solidFill>
+                  <a:srgbClr val="FF0000"/>
+                </a:solidFill>
+              </a:rPr>
+              <a:t>ID: </a:t>
+            </a:r>
+            <a:r>
+              <a:rPr lang="en-US" altLang="zh-CN" b="1" dirty="0" smtClean="0">
+                <a:solidFill>
+                  <a:srgbClr val="FF0000"/>
+                </a:solidFill>
+              </a:rPr>
+              <a:t>2</a:t>
+            </a:r>
+            <a:endParaRPr lang="zh-CN" altLang="en-US" b="1" dirty="0" smtClean="0">
+              <a:solidFill>
+                <a:srgbClr val="FF0000"/>
+              </a:solidFill>
+            </a:endParaRPr>
+          </a:p>
+          <a:p>
+            <a:endParaRPr lang="en-US" altLang="zh-CN" b="1" dirty="0" smtClean="0">
+              <a:solidFill>
+                <a:srgbClr val="FF0000"/>
+              </a:solidFill>
+            </a:endParaRPr>
+          </a:p>
+        </p:txBody>
+      </p:sp>
+      <p:pic>
+        <p:nvPicPr>
+          <p:cNvPr id="3076" name="Picture 4"/>
+          <p:cNvPicPr>
+            <a:picLocks noChangeAspect="1" noChangeArrowheads="1"/>
+          </p:cNvPicPr>
+          <p:nvPr/>
+        </p:nvPicPr>
+        <p:blipFill>
+          <a:blip r:embed="rId3"/>
+          <a:srcRect/>
+          <a:stretch>
+            <a:fillRect/>
+          </a:stretch>
+        </p:blipFill>
+        <p:spPr bwMode="auto">
+          <a:xfrm>
+            <a:off x="142844" y="2857496"/>
+            <a:ext cx="3457575" cy="800100"/>
+          </a:xfrm>
+          <a:prstGeom prst="rect">
+            <a:avLst/>
+          </a:prstGeom>
+          <a:noFill/>
+          <a:ln w="9525">
+            <a:noFill/>
+            <a:miter lim="800000"/>
+            <a:headEnd/>
+            <a:tailEnd/>
+          </a:ln>
+          <a:effectLst/>
+        </p:spPr>
+      </p:pic>
+      <p:sp>
+        <p:nvSpPr>
+          <p:cNvPr id="9" name="TextBox 8"/>
+          <p:cNvSpPr txBox="1"/>
+          <p:nvPr/>
+        </p:nvSpPr>
+        <p:spPr>
+          <a:xfrm>
+            <a:off x="71406" y="3782801"/>
+            <a:ext cx="6572296" cy="646331"/>
+          </a:xfrm>
+          <a:prstGeom prst="rect">
+            <a:avLst/>
+          </a:prstGeom>
+          <a:noFill/>
+        </p:spPr>
+        <p:txBody>
+          <a:bodyPr wrap="square" rtlCol="0">
+            <a:spAutoFit/>
+          </a:bodyPr>
+          <a:lstStyle/>
+          <a:p>
+            <a:r>
+              <a:rPr lang="zh-CN" altLang="en-US" b="1" dirty="0" smtClean="0">
+                <a:solidFill>
+                  <a:srgbClr val="FF0000"/>
+                </a:solidFill>
+              </a:rPr>
+              <a:t>登录成功</a:t>
+            </a:r>
+            <a:r>
+              <a:rPr lang="en-US" altLang="zh-CN" b="1" dirty="0" smtClean="0">
+                <a:solidFill>
+                  <a:srgbClr val="FF0000"/>
+                </a:solidFill>
+              </a:rPr>
+              <a:t>:</a:t>
+            </a:r>
+            <a:r>
+              <a:rPr lang="zh-CN" altLang="en-US" b="1" dirty="0" smtClean="0">
+                <a:solidFill>
+                  <a:srgbClr val="FF0000"/>
+                </a:solidFill>
+              </a:rPr>
+              <a:t>协议</a:t>
+            </a:r>
+            <a:r>
+              <a:rPr lang="en-US" altLang="zh-CN" b="1" dirty="0" smtClean="0">
+                <a:solidFill>
+                  <a:srgbClr val="FF0000"/>
+                </a:solidFill>
+              </a:rPr>
+              <a:t>ID: </a:t>
+            </a:r>
+            <a:r>
+              <a:rPr lang="en-US" altLang="zh-CN" b="1" dirty="0" smtClean="0">
+                <a:solidFill>
+                  <a:srgbClr val="FF0000"/>
+                </a:solidFill>
+              </a:rPr>
+              <a:t>3</a:t>
+            </a:r>
+            <a:endParaRPr lang="zh-CN" altLang="en-US" b="1" dirty="0" smtClean="0">
+              <a:solidFill>
+                <a:srgbClr val="FF0000"/>
+              </a:solidFill>
+            </a:endParaRPr>
+          </a:p>
+          <a:p>
+            <a:endParaRPr lang="en-US" altLang="zh-CN" b="1" dirty="0" smtClean="0">
+              <a:solidFill>
+                <a:srgbClr val="FF0000"/>
+              </a:solidFill>
+            </a:endParaRPr>
           </a:p>
         </p:txBody>
       </p:sp>
@@ -5054,7 +5615,7 @@
     </p:spTree>
     <p:extLst>
       <p:ext uri="{BB962C8B-B14F-4D97-AF65-F5344CB8AC3E}">
-        <p14:creationId xmlns:p14="http://schemas.microsoft.com/office/powerpoint/2010/main" xmlns="" val="527084161"/>
+        <p14:creationId xmlns="" xmlns:p14="http://schemas.microsoft.com/office/powerpoint/2010/main" val="527084161"/>
       </p:ext>
     </p:extLst>
   </p:cSld>
@@ -5124,7 +5685,7 @@
         <p:spPr/>
         <p:txBody>
           <a:bodyPr>
-            <a:normAutofit fontScale="62500" lnSpcReduction="20000"/>
+            <a:normAutofit fontScale="55000" lnSpcReduction="20000"/>
           </a:bodyPr>
           <a:lstStyle/>
           <a:p>
@@ -5230,23 +5791,51 @@
           <a:p>
             <a:r>
               <a:rPr lang="zh-CN" altLang="en-US" dirty="0"/>
-              <a:t>登陆网关服务器会发送一个账号</a:t>
-            </a:r>
-            <a:r>
-              <a:rPr lang="en-US" altLang="zh-CN" dirty="0" err="1"/>
+              <a:t>登陆网关服务器会发送一个</a:t>
+            </a:r>
+            <a:r>
+              <a:rPr lang="zh-CN" altLang="en-US" dirty="0" smtClean="0"/>
+              <a:t>账号</a:t>
+            </a:r>
+            <a:r>
+              <a:rPr lang="en-US" altLang="zh-CN" dirty="0" smtClean="0"/>
+              <a:t>(</a:t>
+            </a:r>
+            <a:r>
+              <a:rPr lang="en-US" altLang="zh-CN" dirty="0" err="1" smtClean="0"/>
               <a:t>EntityID</a:t>
             </a:r>
             <a:r>
+              <a:rPr lang="zh-CN" altLang="en-US" dirty="0" smtClean="0"/>
+              <a:t>与随机码</a:t>
+            </a:r>
+            <a:r>
+              <a:rPr lang="en-US" altLang="zh-CN" dirty="0" smtClean="0"/>
+              <a:t>X)</a:t>
+            </a:r>
+            <a:r>
+              <a:rPr lang="zh-CN" altLang="en-US" dirty="0" smtClean="0"/>
+              <a:t>和</a:t>
+            </a:r>
+            <a:r>
               <a:rPr lang="zh-CN" altLang="en-US" dirty="0"/>
-              <a:t>和角色列表， 选择角色之后会发送角色</a:t>
-            </a:r>
-            <a:r>
-              <a:rPr lang="en-US" altLang="zh-CN" dirty="0" err="1"/>
+              <a:t>角色列表， 选择角色之后会发送</a:t>
+            </a:r>
+            <a:r>
+              <a:rPr lang="zh-CN" altLang="en-US" dirty="0" smtClean="0"/>
+              <a:t>角色</a:t>
+            </a:r>
+            <a:r>
+              <a:rPr lang="en-US" altLang="zh-CN" dirty="0" err="1" smtClean="0"/>
               <a:t>EntityID</a:t>
             </a:r>
             <a:r>
+              <a:rPr lang="zh-CN" altLang="en-US" dirty="0" smtClean="0"/>
+              <a:t>和</a:t>
+            </a:r>
+            <a:r>
               <a:rPr lang="zh-CN" altLang="en-US" dirty="0"/>
-              <a:t>和角色信息， 前端任何时候只记住一个</a:t>
+              <a:t>角色信息， 前端任何时候只记住一个</a:t>
             </a:r>
             <a:r>
               <a:rPr lang="en-US" altLang="zh-CN" dirty="0" err="1"/>
@@ -5265,20 +5854,33 @@
               <a:t>给服务器确认身份），  长连接还是短连接取决于前端是否</a:t>
             </a:r>
             <a:r>
-              <a:rPr lang="en-US" altLang="zh-CN" dirty="0" err="1"/>
+              <a:rPr lang="en-US" altLang="zh-CN" dirty="0" err="1" smtClean="0"/>
               <a:t>closesocket</a:t>
             </a:r>
             <a:r>
-              <a:rPr lang="zh-CN" altLang="en-US" dirty="0"/>
+              <a:rPr lang="en-US" altLang="zh-CN" dirty="0" smtClean="0"/>
+              <a:t>,  </a:t>
+            </a:r>
+            <a:r>
+              <a:rPr lang="zh-CN" altLang="en-US" dirty="0" smtClean="0"/>
+              <a:t>如果是短连接再次连接服务器需要提供随机码</a:t>
+            </a:r>
+            <a:r>
+              <a:rPr lang="en-US" altLang="zh-CN" dirty="0" smtClean="0"/>
+              <a:t>X </a:t>
+            </a:r>
+            <a:r>
+              <a:rPr lang="zh-CN" altLang="en-US" dirty="0" smtClean="0"/>
               <a:t>。</a:t>
             </a:r>
+            <a:endParaRPr lang="zh-CN" altLang="en-US" dirty="0"/>
           </a:p>
         </p:txBody>
       </p:sp>
     </p:spTree>
     <p:extLst>
       <p:ext uri="{BB962C8B-B14F-4D97-AF65-F5344CB8AC3E}">
-        <p14:creationId xmlns:p14="http://schemas.microsoft.com/office/powerpoint/2010/main" xmlns="" val="1032052829"/>
+        <p14:creationId xmlns="" xmlns:p14="http://schemas.microsoft.com/office/powerpoint/2010/main" val="1032052829"/>
       </p:ext>
     </p:extLst>
   </p:cSld>
@@ -6541,7 +7143,7 @@
     </p:spTree>
     <p:extLst>
       <p:ext uri="{BB962C8B-B14F-4D97-AF65-F5344CB8AC3E}">
-        <p14:creationId xmlns:p14="http://schemas.microsoft.com/office/powerpoint/2010/main" xmlns="" val="1715805136"/>
+        <p14:creationId xmlns="" xmlns:p14="http://schemas.microsoft.com/office/powerpoint/2010/main" val="1715805136"/>
       </p:ext>
     </p:extLst>
   </p:cSld>
@@ -6879,7 +7481,7 @@
     </p:spTree>
     <p:extLst>
       <p:ext uri="{BB962C8B-B14F-4D97-AF65-F5344CB8AC3E}">
-        <p14:creationId xmlns:p14="http://schemas.microsoft.com/office/powerpoint/2010/main" xmlns="" val="4003009976"/>
+        <p14:creationId xmlns="" xmlns:p14="http://schemas.microsoft.com/office/powerpoint/2010/main" val="4003009976"/>
       </p:ext>
     </p:extLst>
   </p:cSld>
@@ -7639,10 +8241,43 @@
           </a:p>
         </p:txBody>
       </p:sp>
+      <p:pic>
+        <p:nvPicPr>
+          <p:cNvPr id="1026" name="Picture 2"/>
+          <p:cNvPicPr>
+            <a:picLocks noChangeAspect="1" noChangeArrowheads="1"/>
+          </p:cNvPicPr>
+          <p:nvPr/>
+        </p:nvPicPr>
+        <p:blipFill>
+          <a:blip r:embed="rId2"/>
+          <a:srcRect/>
+          <a:stretch>
+            <a:fillRect/>
+          </a:stretch>
+        </p:blipFill>
+        <p:spPr bwMode="auto">
+          <a:xfrm>
+            <a:off x="5314033" y="6215082"/>
+            <a:ext cx="3329933" cy="357190"/>
+          </a:xfrm>
+          <a:prstGeom prst="rect">
+            <a:avLst/>
+          </a:prstGeom>
+          <a:noFill/>
+          <a:ln w="9525">
+            <a:noFill/>
+            <a:miter lim="800000"/>
+            <a:headEnd/>
+            <a:tailEnd/>
+          </a:ln>
+          <a:effectLst/>
+        </p:spPr>
+      </p:pic>
     </p:spTree>
     <p:extLst>
       <p:ext uri="{BB962C8B-B14F-4D97-AF65-F5344CB8AC3E}">
-        <p14:creationId xmlns:p14="http://schemas.microsoft.com/office/powerpoint/2010/main" xmlns="" val="1450791034"/>
+        <p14:creationId xmlns="" xmlns:p14="http://schemas.microsoft.com/office/powerpoint/2010/main" val="1450791034"/>
       </p:ext>
     </p:extLst>
   </p:cSld>
@@ -7711,7 +8346,7 @@
           <a:blip r:embed="rId2">
             <a:extLst>
               <a:ext uri="{28A0092B-C50C-407E-A947-70E740481C1C}">
-                <a14:useLocalDpi xmlns:a14="http://schemas.microsoft.com/office/drawing/2010/main" xmlns="" val="0"/>
+                <a14:useLocalDpi xmlns="" xmlns:a14="http://schemas.microsoft.com/office/drawing/2010/main" val="0"/>
               </a:ext>
             </a:extLst>
           </a:blip>
@@ -7735,14 +8370,14 @@
           <a:effectLst/>
           <a:extLst>
             <a:ext uri="{909E8E84-426E-40DD-AFC4-6F175D3DCCD1}">
-              <a14:hiddenFill xmlns:a14="http://schemas.microsoft.com/office/drawing/2010/main" xmlns="">
+              <a14:hiddenFill xmlns="" xmlns:a14="http://schemas.microsoft.com/office/drawing/2010/main">
                 <a:solidFill>
                   <a:schemeClr val="accent1"/>
                 </a:solidFill>
               </a14:hiddenFill>
             </a:ext>
             <a:ext uri="{91240B29-F687-4F45-9708-019B960494DF}">
-              <a14:hiddenLine xmlns:a14="http://schemas.microsoft.com/office/drawing/2010/main" xmlns="" w="9525">
+              <a14:hiddenLine xmlns="" xmlns:a14="http://schemas.microsoft.com/office/drawing/2010/main" w="9525">
                 <a:solidFill>
                   <a:schemeClr val="tx1"/>
                 </a:solidFill>
@@ -7752,7 +8387,7 @@
               </a14:hiddenLine>
             </a:ext>
             <a:ext uri="{AF507438-7753-43E0-B8FC-AC1667EBCBE1}">
-              <a14:hiddenEffects xmlns:a14="http://schemas.microsoft.com/office/drawing/2010/main" xmlns="">
+              <a14:hiddenEffects xmlns="" xmlns:a14="http://schemas.microsoft.com/office/drawing/2010/main">
                 <a:effectLst>
                   <a:outerShdw dist="35921" dir="2700000" algn="ctr" rotWithShape="0">
                     <a:schemeClr val="bg2"/>
@@ -7766,7 +8401,7 @@
     </p:spTree>
     <p:extLst>
       <p:ext uri="{BB962C8B-B14F-4D97-AF65-F5344CB8AC3E}">
-        <p14:creationId xmlns:p14="http://schemas.microsoft.com/office/powerpoint/2010/main" xmlns="" val="1169619344"/>
+        <p14:creationId xmlns="" xmlns:p14="http://schemas.microsoft.com/office/powerpoint/2010/main" val="1169619344"/>
       </p:ext>
     </p:extLst>
   </p:cSld>
@@ -7988,7 +8623,7 @@
     </p:spTree>
     <p:extLst>
       <p:ext uri="{BB962C8B-B14F-4D97-AF65-F5344CB8AC3E}">
-        <p14:creationId xmlns:p14="http://schemas.microsoft.com/office/powerpoint/2010/main" xmlns="" val="3949283333"/>
+        <p14:creationId xmlns="" xmlns:p14="http://schemas.microsoft.com/office/powerpoint/2010/main" val="3949283333"/>
       </p:ext>
     </p:extLst>
   </p:cSld>
@@ -8122,7 +8757,7 @@
     </p:spTree>
     <p:extLst>
       <p:ext uri="{BB962C8B-B14F-4D97-AF65-F5344CB8AC3E}">
-        <p14:creationId xmlns:p14="http://schemas.microsoft.com/office/powerpoint/2010/main" xmlns="" val="3681175402"/>
+        <p14:creationId xmlns="" xmlns:p14="http://schemas.microsoft.com/office/powerpoint/2010/main" val="3681175402"/>
       </p:ext>
     </p:extLst>
   </p:cSld>

--- a/kbe/doc/server_overview.pptx
+++ b/kbe/doc/server_overview.pptx
@@ -302,7 +302,7 @@
             <a:fld id="{530820CF-B880-4189-942D-D702A7CBA730}" type="datetimeFigureOut">
               <a:rPr lang="zh-CN" altLang="en-US" smtClean="0"/>
               <a:pPr/>
-              <a:t>2012-8-2</a:t>
+              <a:t>2012-8-3</a:t>
             </a:fld>
             <a:endParaRPr lang="zh-CN" altLang="en-US"/>
           </a:p>
@@ -469,7 +469,7 @@
             <a:fld id="{530820CF-B880-4189-942D-D702A7CBA730}" type="datetimeFigureOut">
               <a:rPr lang="zh-CN" altLang="en-US" smtClean="0"/>
               <a:pPr/>
-              <a:t>2012-8-2</a:t>
+              <a:t>2012-8-3</a:t>
             </a:fld>
             <a:endParaRPr lang="zh-CN" altLang="en-US"/>
           </a:p>
@@ -646,7 +646,7 @@
             <a:fld id="{530820CF-B880-4189-942D-D702A7CBA730}" type="datetimeFigureOut">
               <a:rPr lang="zh-CN" altLang="en-US" smtClean="0"/>
               <a:pPr/>
-              <a:t>2012-8-2</a:t>
+              <a:t>2012-8-3</a:t>
             </a:fld>
             <a:endParaRPr lang="zh-CN" altLang="en-US"/>
           </a:p>
@@ -813,7 +813,7 @@
             <a:fld id="{530820CF-B880-4189-942D-D702A7CBA730}" type="datetimeFigureOut">
               <a:rPr lang="zh-CN" altLang="en-US" smtClean="0"/>
               <a:pPr/>
-              <a:t>2012-8-2</a:t>
+              <a:t>2012-8-3</a:t>
             </a:fld>
             <a:endParaRPr lang="zh-CN" altLang="en-US"/>
           </a:p>
@@ -1056,7 +1056,7 @@
             <a:fld id="{530820CF-B880-4189-942D-D702A7CBA730}" type="datetimeFigureOut">
               <a:rPr lang="zh-CN" altLang="en-US" smtClean="0"/>
               <a:pPr/>
-              <a:t>2012-8-2</a:t>
+              <a:t>2012-8-3</a:t>
             </a:fld>
             <a:endParaRPr lang="zh-CN" altLang="en-US"/>
           </a:p>
@@ -1341,7 +1341,7 @@
             <a:fld id="{530820CF-B880-4189-942D-D702A7CBA730}" type="datetimeFigureOut">
               <a:rPr lang="zh-CN" altLang="en-US" smtClean="0"/>
               <a:pPr/>
-              <a:t>2012-8-2</a:t>
+              <a:t>2012-8-3</a:t>
             </a:fld>
             <a:endParaRPr lang="zh-CN" altLang="en-US"/>
           </a:p>
@@ -1760,7 +1760,7 @@
             <a:fld id="{530820CF-B880-4189-942D-D702A7CBA730}" type="datetimeFigureOut">
               <a:rPr lang="zh-CN" altLang="en-US" smtClean="0"/>
               <a:pPr/>
-              <a:t>2012-8-2</a:t>
+              <a:t>2012-8-3</a:t>
             </a:fld>
             <a:endParaRPr lang="zh-CN" altLang="en-US"/>
           </a:p>
@@ -1875,7 +1875,7 @@
             <a:fld id="{530820CF-B880-4189-942D-D702A7CBA730}" type="datetimeFigureOut">
               <a:rPr lang="zh-CN" altLang="en-US" smtClean="0"/>
               <a:pPr/>
-              <a:t>2012-8-2</a:t>
+              <a:t>2012-8-3</a:t>
             </a:fld>
             <a:endParaRPr lang="zh-CN" altLang="en-US"/>
           </a:p>
@@ -1967,7 +1967,7 @@
             <a:fld id="{530820CF-B880-4189-942D-D702A7CBA730}" type="datetimeFigureOut">
               <a:rPr lang="zh-CN" altLang="en-US" smtClean="0"/>
               <a:pPr/>
-              <a:t>2012-8-2</a:t>
+              <a:t>2012-8-3</a:t>
             </a:fld>
             <a:endParaRPr lang="zh-CN" altLang="en-US"/>
           </a:p>
@@ -2241,7 +2241,7 @@
             <a:fld id="{530820CF-B880-4189-942D-D702A7CBA730}" type="datetimeFigureOut">
               <a:rPr lang="zh-CN" altLang="en-US" smtClean="0"/>
               <a:pPr/>
-              <a:t>2012-8-2</a:t>
+              <a:t>2012-8-3</a:t>
             </a:fld>
             <a:endParaRPr lang="zh-CN" altLang="en-US"/>
           </a:p>
@@ -2491,7 +2491,7 @@
             <a:fld id="{530820CF-B880-4189-942D-D702A7CBA730}" type="datetimeFigureOut">
               <a:rPr lang="zh-CN" altLang="en-US" smtClean="0"/>
               <a:pPr/>
-              <a:t>2012-8-2</a:t>
+              <a:t>2012-8-3</a:t>
             </a:fld>
             <a:endParaRPr lang="zh-CN" altLang="en-US"/>
           </a:p>
@@ -2701,7 +2701,7 @@
             <a:fld id="{530820CF-B880-4189-942D-D702A7CBA730}" type="datetimeFigureOut">
               <a:rPr lang="zh-CN" altLang="en-US" smtClean="0"/>
               <a:pPr/>
-              <a:t>2012-8-2</a:t>
+              <a:t>2012-8-3</a:t>
             </a:fld>
             <a:endParaRPr lang="zh-CN" altLang="en-US"/>
           </a:p>
@@ -3356,15 +3356,7 @@
           <a:p>
             <a:r>
               <a:rPr lang="zh-CN" altLang="en-US" dirty="0" smtClean="0"/>
-              <a:t>单副本承载能力根据逻辑复杂度来决定， 如果抛弃逻辑则根据系统允许打开的</a:t>
-            </a:r>
-            <a:r>
-              <a:rPr lang="en-US" altLang="zh-CN" dirty="0" smtClean="0"/>
-              <a:t>socket</a:t>
-            </a:r>
-            <a:r>
-              <a:rPr lang="zh-CN" altLang="en-US" dirty="0" smtClean="0"/>
-              <a:t>数量来理论决定（可适当增加一些消耗来计算）</a:t>
+              <a:t>单副本承载能力根据逻辑复杂度来决定。</a:t>
             </a:r>
             <a:endParaRPr lang="zh-CN" altLang="en-US" dirty="0"/>
           </a:p>
@@ -3424,11 +3416,7 @@
           <a:p>
             <a:r>
               <a:rPr lang="zh-CN" altLang="en-US" dirty="0" smtClean="0"/>
-              <a:t>获取网关地址</a:t>
-            </a:r>
-            <a:r>
-              <a:rPr lang="zh-CN" altLang="en-US" dirty="0" smtClean="0"/>
-              <a:t>协议</a:t>
+              <a:t>中间协议耦合</a:t>
             </a:r>
             <a:endParaRPr lang="zh-CN" altLang="en-US" dirty="0"/>
           </a:p>
@@ -3436,76 +3424,72 @@
       </p:sp>
       <p:sp>
         <p:nvSpPr>
-          <p:cNvPr id="5" name="TextBox 4"/>
-          <p:cNvSpPr txBox="1"/>
-          <p:nvPr/>
-        </p:nvSpPr>
-        <p:spPr>
-          <a:xfrm>
-            <a:off x="71406" y="1425347"/>
-            <a:ext cx="6572296" cy="646331"/>
+          <p:cNvPr id="8" name="矩形 7"/>
+          <p:cNvSpPr/>
+          <p:nvPr/>
+        </p:nvSpPr>
+        <p:spPr>
+          <a:xfrm>
+            <a:off x="500034" y="4214818"/>
+            <a:ext cx="8001056" cy="1477328"/>
           </a:xfrm>
           <a:prstGeom prst="rect">
             <a:avLst/>
           </a:prstGeom>
-          <a:noFill/>
-        </p:spPr>
-        <p:txBody>
-          <a:bodyPr wrap="square" rtlCol="0">
+        </p:spPr>
+        <p:txBody>
+          <a:bodyPr wrap="square">
             <a:spAutoFit/>
           </a:bodyPr>
           <a:lstStyle/>
           <a:p>
             <a:r>
-              <a:rPr lang="zh-CN" altLang="en-US" b="1" dirty="0" smtClean="0">
-                <a:solidFill>
-                  <a:srgbClr val="FF0000"/>
-                </a:solidFill>
-              </a:rPr>
-              <a:t>向登录进程上报账号密码等信息</a:t>
-            </a:r>
-            <a:r>
-              <a:rPr lang="en-US" altLang="zh-CN" b="1" dirty="0" smtClean="0">
-                <a:solidFill>
-                  <a:srgbClr val="FF0000"/>
-                </a:solidFill>
-              </a:rPr>
+              <a:rPr lang="zh-CN" altLang="en-US" dirty="0" smtClean="0"/>
+              <a:t>由于底层协议</a:t>
+            </a:r>
+            <a:r>
+              <a:rPr lang="en-US" altLang="zh-CN" dirty="0" smtClean="0"/>
+              <a:t>ID</a:t>
+            </a:r>
+            <a:r>
+              <a:rPr lang="zh-CN" altLang="en-US" dirty="0" smtClean="0"/>
+              <a:t>是自动产生的通过机制与接口绑定， 网络通讯实现接口对接口的操作，通过配置将一些协议</a:t>
+            </a:r>
+            <a:r>
+              <a:rPr lang="en-US" altLang="zh-CN" dirty="0" smtClean="0"/>
+              <a:t>ID</a:t>
+            </a:r>
+            <a:r>
+              <a:rPr lang="zh-CN" altLang="en-US" dirty="0" smtClean="0"/>
+              <a:t>固定下来， 防止代码增删造成的变动，其他</a:t>
+            </a:r>
+            <a:r>
+              <a:rPr lang="zh-CN" altLang="en-US" dirty="0" smtClean="0"/>
+              <a:t>详细请看</a:t>
+            </a:r>
+            <a:r>
+              <a:rPr lang="en-US" altLang="zh-CN" dirty="0" smtClean="0"/>
               <a:t>:</a:t>
             </a:r>
-            <a:r>
-              <a:rPr lang="zh-CN" altLang="en-US" b="1" dirty="0" smtClean="0">
-                <a:solidFill>
-                  <a:srgbClr val="FF0000"/>
-                </a:solidFill>
-              </a:rPr>
-              <a:t>协议</a:t>
-            </a:r>
-            <a:r>
-              <a:rPr lang="en-US" altLang="zh-CN" b="1" dirty="0" smtClean="0">
-                <a:solidFill>
-                  <a:srgbClr val="FF0000"/>
-                </a:solidFill>
-              </a:rPr>
-              <a:t>ID: 1</a:t>
-            </a:r>
-            <a:endParaRPr lang="zh-CN" altLang="en-US" b="1" dirty="0" smtClean="0">
-              <a:solidFill>
-                <a:srgbClr val="FF0000"/>
-              </a:solidFill>
-            </a:endParaRPr>
-          </a:p>
-          <a:p>
-            <a:endParaRPr lang="en-US" altLang="zh-CN" b="1" dirty="0" smtClean="0">
-              <a:solidFill>
-                <a:srgbClr val="FF0000"/>
-              </a:solidFill>
-            </a:endParaRPr>
+          </a:p>
+          <a:p>
+            <a:r>
+              <a:rPr lang="en-US" altLang="zh-CN" dirty="0" smtClean="0"/>
+              <a:t>res\server\fixed_mercury_messages.xml</a:t>
+            </a:r>
+          </a:p>
+          <a:p>
+            <a:r>
+              <a:rPr lang="zh-CN" altLang="en-US" dirty="0" smtClean="0"/>
+              <a:t>中间协议强制约定在此处定义。</a:t>
+            </a:r>
+            <a:endParaRPr lang="zh-CN" altLang="en-US" dirty="0"/>
           </a:p>
         </p:txBody>
       </p:sp>
       <p:pic>
         <p:nvPicPr>
-          <p:cNvPr id="1026" name="Picture 2"/>
+          <p:cNvPr id="3" name="Picture 2"/>
           <p:cNvPicPr>
             <a:picLocks noChangeAspect="1" noChangeArrowheads="1"/>
           </p:cNvPicPr>
@@ -3520,8 +3504,8 @@
         </p:blipFill>
         <p:spPr bwMode="auto">
           <a:xfrm>
-            <a:off x="285720" y="5143512"/>
-            <a:ext cx="4777151" cy="1571636"/>
+            <a:off x="571472" y="1285860"/>
+            <a:ext cx="8201025" cy="2838450"/>
           </a:xfrm>
           <a:prstGeom prst="rect">
             <a:avLst/>
@@ -3536,101 +3520,6 @@
           <a:effectLst/>
         </p:spPr>
       </p:pic>
-      <p:pic>
-        <p:nvPicPr>
-          <p:cNvPr id="1027" name="Picture 3"/>
-          <p:cNvPicPr>
-            <a:picLocks noChangeAspect="1" noChangeArrowheads="1"/>
-          </p:cNvPicPr>
-          <p:nvPr/>
-        </p:nvPicPr>
-        <p:blipFill>
-          <a:blip r:embed="rId3"/>
-          <a:srcRect/>
-          <a:stretch>
-            <a:fillRect/>
-          </a:stretch>
-        </p:blipFill>
-        <p:spPr bwMode="auto">
-          <a:xfrm>
-            <a:off x="285720" y="2071678"/>
-            <a:ext cx="5503410" cy="2286016"/>
-          </a:xfrm>
-          <a:prstGeom prst="rect">
-            <a:avLst/>
-          </a:prstGeom>
-          <a:noFill/>
-          <a:ln w="9525">
-            <a:noFill/>
-            <a:miter lim="800000"/>
-            <a:headEnd/>
-            <a:tailEnd/>
-          </a:ln>
-          <a:effectLst/>
-        </p:spPr>
-      </p:pic>
-      <p:sp>
-        <p:nvSpPr>
-          <p:cNvPr id="7" name="TextBox 6"/>
-          <p:cNvSpPr txBox="1"/>
-          <p:nvPr/>
-        </p:nvSpPr>
-        <p:spPr>
-          <a:xfrm>
-            <a:off x="214282" y="4643446"/>
-            <a:ext cx="4357718" cy="369332"/>
-          </a:xfrm>
-          <a:prstGeom prst="rect">
-            <a:avLst/>
-          </a:prstGeom>
-          <a:noFill/>
-        </p:spPr>
-        <p:txBody>
-          <a:bodyPr wrap="square" rtlCol="0">
-            <a:spAutoFit/>
-          </a:bodyPr>
-          <a:lstStyle/>
-          <a:p>
-            <a:r>
-              <a:rPr lang="zh-CN" altLang="en-US" b="1" dirty="0" smtClean="0">
-                <a:solidFill>
-                  <a:srgbClr val="FF0000"/>
-                </a:solidFill>
-              </a:rPr>
-              <a:t>登录失败</a:t>
-            </a:r>
-            <a:r>
-              <a:rPr lang="en-US" altLang="zh-CN" b="1" dirty="0" smtClean="0">
-                <a:solidFill>
-                  <a:srgbClr val="FF0000"/>
-                </a:solidFill>
-              </a:rPr>
-              <a:t>:</a:t>
-            </a:r>
-            <a:r>
-              <a:rPr lang="zh-CN" altLang="en-US" b="1" dirty="0" smtClean="0">
-                <a:solidFill>
-                  <a:srgbClr val="FF0000"/>
-                </a:solidFill>
-              </a:rPr>
-              <a:t>协议</a:t>
-            </a:r>
-            <a:r>
-              <a:rPr lang="en-US" altLang="zh-CN" b="1" dirty="0" smtClean="0">
-                <a:solidFill>
-                  <a:srgbClr val="FF0000"/>
-                </a:solidFill>
-              </a:rPr>
-              <a:t>ID: 2</a:t>
-            </a:r>
-            <a:endParaRPr lang="zh-CN" altLang="en-US" b="1" dirty="0" smtClean="0">
-              <a:solidFill>
-                <a:srgbClr val="FF0000"/>
-              </a:solidFill>
-            </a:endParaRPr>
-          </a:p>
-        </p:txBody>
-      </p:sp>
     </p:spTree>
   </p:cSld>
   <p:clrMapOvr>
@@ -3707,15 +3596,7 @@
                   <a:srgbClr val="FF0000"/>
                 </a:solidFill>
               </a:rPr>
-              <a:t>登录</a:t>
-            </a:r>
-            <a:r>
-              <a:rPr lang="zh-CN" altLang="en-US" b="1" dirty="0" smtClean="0">
-                <a:solidFill>
-                  <a:srgbClr val="FF0000"/>
-                </a:solidFill>
-              </a:rPr>
-              <a:t>成功</a:t>
+              <a:t>登录成功</a:t>
             </a:r>
             <a:r>
               <a:rPr lang="en-US" altLang="zh-CN" b="1" dirty="0" smtClean="0">
@@ -3739,15 +3620,7 @@
                   <a:srgbClr val="FF0000"/>
                 </a:solidFill>
               </a:rPr>
-              <a:t>ID: </a:t>
-            </a:r>
-            <a:r>
-              <a:rPr lang="en-US" altLang="zh-CN" b="1" dirty="0" smtClean="0">
-                <a:solidFill>
-                  <a:srgbClr val="FF0000"/>
-                </a:solidFill>
-              </a:rPr>
-              <a:t>3</a:t>
+              <a:t>ID: 3</a:t>
             </a:r>
             <a:endParaRPr lang="zh-CN" altLang="en-US" b="1" dirty="0" smtClean="0">
               <a:solidFill>
@@ -3835,311 +3708,6 @@
               <a:t>网关登录协议</a:t>
             </a:r>
             <a:endParaRPr lang="zh-CN" altLang="en-US" dirty="0"/>
-          </a:p>
-        </p:txBody>
-      </p:sp>
-      <p:sp>
-        <p:nvSpPr>
-          <p:cNvPr id="4" name="TextBox 3"/>
-          <p:cNvSpPr txBox="1"/>
-          <p:nvPr/>
-        </p:nvSpPr>
-        <p:spPr>
-          <a:xfrm>
-            <a:off x="71406" y="1425347"/>
-            <a:ext cx="6572296" cy="646331"/>
-          </a:xfrm>
-          <a:prstGeom prst="rect">
-            <a:avLst/>
-          </a:prstGeom>
-          <a:noFill/>
-        </p:spPr>
-        <p:txBody>
-          <a:bodyPr wrap="square" rtlCol="0">
-            <a:spAutoFit/>
-          </a:bodyPr>
-          <a:lstStyle/>
-          <a:p>
-            <a:r>
-              <a:rPr lang="zh-CN" altLang="en-US" b="1" dirty="0" smtClean="0">
-                <a:solidFill>
-                  <a:srgbClr val="FF0000"/>
-                </a:solidFill>
-              </a:rPr>
-              <a:t>向网关进程</a:t>
-            </a:r>
-            <a:r>
-              <a:rPr lang="zh-CN" altLang="en-US" b="1" dirty="0" smtClean="0">
-                <a:solidFill>
-                  <a:srgbClr val="FF0000"/>
-                </a:solidFill>
-              </a:rPr>
-              <a:t>上报账号</a:t>
-            </a:r>
-            <a:r>
-              <a:rPr lang="zh-CN" altLang="en-US" b="1" dirty="0" smtClean="0">
-                <a:solidFill>
-                  <a:srgbClr val="FF0000"/>
-                </a:solidFill>
-              </a:rPr>
-              <a:t>密码请求登录</a:t>
-            </a:r>
-            <a:r>
-              <a:rPr lang="en-US" altLang="zh-CN" b="1" dirty="0" smtClean="0">
-                <a:solidFill>
-                  <a:srgbClr val="FF0000"/>
-                </a:solidFill>
-              </a:rPr>
-              <a:t>:</a:t>
-            </a:r>
-            <a:r>
-              <a:rPr lang="zh-CN" altLang="en-US" b="1" dirty="0" smtClean="0">
-                <a:solidFill>
-                  <a:srgbClr val="FF0000"/>
-                </a:solidFill>
-              </a:rPr>
-              <a:t>协议</a:t>
-            </a:r>
-            <a:r>
-              <a:rPr lang="en-US" altLang="zh-CN" b="1" dirty="0" smtClean="0">
-                <a:solidFill>
-                  <a:srgbClr val="FF0000"/>
-                </a:solidFill>
-              </a:rPr>
-              <a:t>ID: 1</a:t>
-            </a:r>
-            <a:endParaRPr lang="zh-CN" altLang="en-US" b="1" dirty="0" smtClean="0">
-              <a:solidFill>
-                <a:srgbClr val="FF0000"/>
-              </a:solidFill>
-            </a:endParaRPr>
-          </a:p>
-          <a:p>
-            <a:endParaRPr lang="en-US" altLang="zh-CN" b="1" dirty="0" smtClean="0">
-              <a:solidFill>
-                <a:srgbClr val="FF0000"/>
-              </a:solidFill>
-            </a:endParaRPr>
-          </a:p>
-        </p:txBody>
-      </p:sp>
-      <p:pic>
-        <p:nvPicPr>
-          <p:cNvPr id="3075" name="Picture 3"/>
-          <p:cNvPicPr>
-            <a:picLocks noChangeAspect="1" noChangeArrowheads="1"/>
-          </p:cNvPicPr>
-          <p:nvPr/>
-        </p:nvPicPr>
-        <p:blipFill>
-          <a:blip r:embed="rId2"/>
-          <a:srcRect/>
-          <a:stretch>
-            <a:fillRect/>
-          </a:stretch>
-        </p:blipFill>
-        <p:spPr bwMode="auto">
-          <a:xfrm>
-            <a:off x="142844" y="1785926"/>
-            <a:ext cx="3943350" cy="581025"/>
-          </a:xfrm>
-          <a:prstGeom prst="rect">
-            <a:avLst/>
-          </a:prstGeom>
-          <a:noFill/>
-          <a:ln w="9525">
-            <a:noFill/>
-            <a:miter lim="800000"/>
-            <a:headEnd/>
-            <a:tailEnd/>
-          </a:ln>
-          <a:effectLst/>
-        </p:spPr>
-      </p:pic>
-      <p:sp>
-        <p:nvSpPr>
-          <p:cNvPr id="7" name="TextBox 6"/>
-          <p:cNvSpPr txBox="1"/>
-          <p:nvPr/>
-        </p:nvSpPr>
-        <p:spPr>
-          <a:xfrm>
-            <a:off x="71406" y="2500306"/>
-            <a:ext cx="6572296" cy="646331"/>
-          </a:xfrm>
-          <a:prstGeom prst="rect">
-            <a:avLst/>
-          </a:prstGeom>
-          <a:noFill/>
-        </p:spPr>
-        <p:txBody>
-          <a:bodyPr wrap="square" rtlCol="0">
-            <a:spAutoFit/>
-          </a:bodyPr>
-          <a:lstStyle/>
-          <a:p>
-            <a:r>
-              <a:rPr lang="zh-CN" altLang="en-US" b="1" dirty="0" smtClean="0">
-                <a:solidFill>
-                  <a:srgbClr val="FF0000"/>
-                </a:solidFill>
-              </a:rPr>
-              <a:t>登录失败</a:t>
-            </a:r>
-            <a:r>
-              <a:rPr lang="en-US" altLang="zh-CN" b="1" dirty="0" smtClean="0">
-                <a:solidFill>
-                  <a:srgbClr val="FF0000"/>
-                </a:solidFill>
-              </a:rPr>
-              <a:t>:</a:t>
-            </a:r>
-            <a:r>
-              <a:rPr lang="zh-CN" altLang="en-US" b="1" dirty="0" smtClean="0">
-                <a:solidFill>
-                  <a:srgbClr val="FF0000"/>
-                </a:solidFill>
-              </a:rPr>
-              <a:t>协议</a:t>
-            </a:r>
-            <a:r>
-              <a:rPr lang="en-US" altLang="zh-CN" b="1" dirty="0" smtClean="0">
-                <a:solidFill>
-                  <a:srgbClr val="FF0000"/>
-                </a:solidFill>
-              </a:rPr>
-              <a:t>ID: </a:t>
-            </a:r>
-            <a:r>
-              <a:rPr lang="en-US" altLang="zh-CN" b="1" dirty="0" smtClean="0">
-                <a:solidFill>
-                  <a:srgbClr val="FF0000"/>
-                </a:solidFill>
-              </a:rPr>
-              <a:t>2</a:t>
-            </a:r>
-            <a:endParaRPr lang="zh-CN" altLang="en-US" b="1" dirty="0" smtClean="0">
-              <a:solidFill>
-                <a:srgbClr val="FF0000"/>
-              </a:solidFill>
-            </a:endParaRPr>
-          </a:p>
-          <a:p>
-            <a:endParaRPr lang="en-US" altLang="zh-CN" b="1" dirty="0" smtClean="0">
-              <a:solidFill>
-                <a:srgbClr val="FF0000"/>
-              </a:solidFill>
-            </a:endParaRPr>
-          </a:p>
-        </p:txBody>
-      </p:sp>
-      <p:pic>
-        <p:nvPicPr>
-          <p:cNvPr id="3076" name="Picture 4"/>
-          <p:cNvPicPr>
-            <a:picLocks noChangeAspect="1" noChangeArrowheads="1"/>
-          </p:cNvPicPr>
-          <p:nvPr/>
-        </p:nvPicPr>
-        <p:blipFill>
-          <a:blip r:embed="rId3"/>
-          <a:srcRect/>
-          <a:stretch>
-            <a:fillRect/>
-          </a:stretch>
-        </p:blipFill>
-        <p:spPr bwMode="auto">
-          <a:xfrm>
-            <a:off x="142844" y="2857496"/>
-            <a:ext cx="3457575" cy="800100"/>
-          </a:xfrm>
-          <a:prstGeom prst="rect">
-            <a:avLst/>
-          </a:prstGeom>
-          <a:noFill/>
-          <a:ln w="9525">
-            <a:noFill/>
-            <a:miter lim="800000"/>
-            <a:headEnd/>
-            <a:tailEnd/>
-          </a:ln>
-          <a:effectLst/>
-        </p:spPr>
-      </p:pic>
-      <p:sp>
-        <p:nvSpPr>
-          <p:cNvPr id="9" name="TextBox 8"/>
-          <p:cNvSpPr txBox="1"/>
-          <p:nvPr/>
-        </p:nvSpPr>
-        <p:spPr>
-          <a:xfrm>
-            <a:off x="71406" y="3782801"/>
-            <a:ext cx="6572296" cy="646331"/>
-          </a:xfrm>
-          <a:prstGeom prst="rect">
-            <a:avLst/>
-          </a:prstGeom>
-          <a:noFill/>
-        </p:spPr>
-        <p:txBody>
-          <a:bodyPr wrap="square" rtlCol="0">
-            <a:spAutoFit/>
-          </a:bodyPr>
-          <a:lstStyle/>
-          <a:p>
-            <a:r>
-              <a:rPr lang="zh-CN" altLang="en-US" b="1" dirty="0" smtClean="0">
-                <a:solidFill>
-                  <a:srgbClr val="FF0000"/>
-                </a:solidFill>
-              </a:rPr>
-              <a:t>登录成功</a:t>
-            </a:r>
-            <a:r>
-              <a:rPr lang="en-US" altLang="zh-CN" b="1" dirty="0" smtClean="0">
-                <a:solidFill>
-                  <a:srgbClr val="FF0000"/>
-                </a:solidFill>
-              </a:rPr>
-              <a:t>:</a:t>
-            </a:r>
-            <a:r>
-              <a:rPr lang="zh-CN" altLang="en-US" b="1" dirty="0" smtClean="0">
-                <a:solidFill>
-                  <a:srgbClr val="FF0000"/>
-                </a:solidFill>
-              </a:rPr>
-              <a:t>协议</a:t>
-            </a:r>
-            <a:r>
-              <a:rPr lang="en-US" altLang="zh-CN" b="1" dirty="0" smtClean="0">
-                <a:solidFill>
-                  <a:srgbClr val="FF0000"/>
-                </a:solidFill>
-              </a:rPr>
-              <a:t>ID: </a:t>
-            </a:r>
-            <a:r>
-              <a:rPr lang="en-US" altLang="zh-CN" b="1" dirty="0" smtClean="0">
-                <a:solidFill>
-                  <a:srgbClr val="FF0000"/>
-                </a:solidFill>
-              </a:rPr>
-              <a:t>3</a:t>
-            </a:r>
-            <a:endParaRPr lang="zh-CN" altLang="en-US" b="1" dirty="0" smtClean="0">
-              <a:solidFill>
-                <a:srgbClr val="FF0000"/>
-              </a:solidFill>
-            </a:endParaRPr>
-          </a:p>
-          <a:p>
-            <a:endParaRPr lang="en-US" altLang="zh-CN" b="1" dirty="0" smtClean="0">
-              <a:solidFill>
-                <a:srgbClr val="FF0000"/>
-              </a:solidFill>
-            </a:endParaRPr>
           </a:p>
         </p:txBody>
       </p:sp>

--- a/kbe/doc/server_overview.pptx
+++ b/kbe/doc/server_overview.pptx
@@ -17,8 +17,6 @@
     <p:sldId id="265" r:id="rId11"/>
     <p:sldId id="266" r:id="rId12"/>
     <p:sldId id="267" r:id="rId13"/>
-    <p:sldId id="268" r:id="rId14"/>
-    <p:sldId id="269" r:id="rId15"/>
   </p:sldIdLst>
   <p:sldSz cx="9144000" cy="6858000" type="screen4x3"/>
   <p:notesSz cx="6858000" cy="9144000"/>
@@ -302,7 +300,7 @@
             <a:fld id="{530820CF-B880-4189-942D-D702A7CBA730}" type="datetimeFigureOut">
               <a:rPr lang="zh-CN" altLang="en-US" smtClean="0"/>
               <a:pPr/>
-              <a:t>2012-8-3</a:t>
+              <a:t>2012-8-4</a:t>
             </a:fld>
             <a:endParaRPr lang="zh-CN" altLang="en-US"/>
           </a:p>
@@ -469,7 +467,7 @@
             <a:fld id="{530820CF-B880-4189-942D-D702A7CBA730}" type="datetimeFigureOut">
               <a:rPr lang="zh-CN" altLang="en-US" smtClean="0"/>
               <a:pPr/>
-              <a:t>2012-8-3</a:t>
+              <a:t>2012-8-4</a:t>
             </a:fld>
             <a:endParaRPr lang="zh-CN" altLang="en-US"/>
           </a:p>
@@ -646,7 +644,7 @@
             <a:fld id="{530820CF-B880-4189-942D-D702A7CBA730}" type="datetimeFigureOut">
               <a:rPr lang="zh-CN" altLang="en-US" smtClean="0"/>
               <a:pPr/>
-              <a:t>2012-8-3</a:t>
+              <a:t>2012-8-4</a:t>
             </a:fld>
             <a:endParaRPr lang="zh-CN" altLang="en-US"/>
           </a:p>
@@ -813,7 +811,7 @@
             <a:fld id="{530820CF-B880-4189-942D-D702A7CBA730}" type="datetimeFigureOut">
               <a:rPr lang="zh-CN" altLang="en-US" smtClean="0"/>
               <a:pPr/>
-              <a:t>2012-8-3</a:t>
+              <a:t>2012-8-4</a:t>
             </a:fld>
             <a:endParaRPr lang="zh-CN" altLang="en-US"/>
           </a:p>
@@ -1056,7 +1054,7 @@
             <a:fld id="{530820CF-B880-4189-942D-D702A7CBA730}" type="datetimeFigureOut">
               <a:rPr lang="zh-CN" altLang="en-US" smtClean="0"/>
               <a:pPr/>
-              <a:t>2012-8-3</a:t>
+              <a:t>2012-8-4</a:t>
             </a:fld>
             <a:endParaRPr lang="zh-CN" altLang="en-US"/>
           </a:p>
@@ -1341,7 +1339,7 @@
             <a:fld id="{530820CF-B880-4189-942D-D702A7CBA730}" type="datetimeFigureOut">
               <a:rPr lang="zh-CN" altLang="en-US" smtClean="0"/>
               <a:pPr/>
-              <a:t>2012-8-3</a:t>
+              <a:t>2012-8-4</a:t>
             </a:fld>
             <a:endParaRPr lang="zh-CN" altLang="en-US"/>
           </a:p>
@@ -1760,7 +1758,7 @@
             <a:fld id="{530820CF-B880-4189-942D-D702A7CBA730}" type="datetimeFigureOut">
               <a:rPr lang="zh-CN" altLang="en-US" smtClean="0"/>
               <a:pPr/>
-              <a:t>2012-8-3</a:t>
+              <a:t>2012-8-4</a:t>
             </a:fld>
             <a:endParaRPr lang="zh-CN" altLang="en-US"/>
           </a:p>
@@ -1875,7 +1873,7 @@
             <a:fld id="{530820CF-B880-4189-942D-D702A7CBA730}" type="datetimeFigureOut">
               <a:rPr lang="zh-CN" altLang="en-US" smtClean="0"/>
               <a:pPr/>
-              <a:t>2012-8-3</a:t>
+              <a:t>2012-8-4</a:t>
             </a:fld>
             <a:endParaRPr lang="zh-CN" altLang="en-US"/>
           </a:p>
@@ -1967,7 +1965,7 @@
             <a:fld id="{530820CF-B880-4189-942D-D702A7CBA730}" type="datetimeFigureOut">
               <a:rPr lang="zh-CN" altLang="en-US" smtClean="0"/>
               <a:pPr/>
-              <a:t>2012-8-3</a:t>
+              <a:t>2012-8-4</a:t>
             </a:fld>
             <a:endParaRPr lang="zh-CN" altLang="en-US"/>
           </a:p>
@@ -2241,7 +2239,7 @@
             <a:fld id="{530820CF-B880-4189-942D-D702A7CBA730}" type="datetimeFigureOut">
               <a:rPr lang="zh-CN" altLang="en-US" smtClean="0"/>
               <a:pPr/>
-              <a:t>2012-8-3</a:t>
+              <a:t>2012-8-4</a:t>
             </a:fld>
             <a:endParaRPr lang="zh-CN" altLang="en-US"/>
           </a:p>
@@ -2491,7 +2489,7 @@
             <a:fld id="{530820CF-B880-4189-942D-D702A7CBA730}" type="datetimeFigureOut">
               <a:rPr lang="zh-CN" altLang="en-US" smtClean="0"/>
               <a:pPr/>
-              <a:t>2012-8-3</a:t>
+              <a:t>2012-8-4</a:t>
             </a:fld>
             <a:endParaRPr lang="zh-CN" altLang="en-US"/>
           </a:p>
@@ -2701,7 +2699,7 @@
             <a:fld id="{530820CF-B880-4189-942D-D702A7CBA730}" type="datetimeFigureOut">
               <a:rPr lang="zh-CN" altLang="en-US" smtClean="0"/>
               <a:pPr/>
-              <a:t>2012-8-3</a:t>
+              <a:t>2012-8-4</a:t>
             </a:fld>
             <a:endParaRPr lang="zh-CN" altLang="en-US"/>
           </a:p>
@@ -3154,7 +3152,7 @@
     </p:spTree>
     <p:extLst>
       <p:ext uri="{BB962C8B-B14F-4D97-AF65-F5344CB8AC3E}">
-        <p14:creationId xmlns="" xmlns:p14="http://schemas.microsoft.com/office/powerpoint/2010/main" val="2274749693"/>
+        <p14:creationId xmlns:p14="http://schemas.microsoft.com/office/powerpoint/2010/main" xmlns="" val="2274749693"/>
       </p:ext>
     </p:extLst>
   </p:cSld>
@@ -3275,7 +3273,7 @@
     </p:spTree>
     <p:extLst>
       <p:ext uri="{BB962C8B-B14F-4D97-AF65-F5344CB8AC3E}">
-        <p14:creationId xmlns="" xmlns:p14="http://schemas.microsoft.com/office/powerpoint/2010/main" val="2876153112"/>
+        <p14:creationId xmlns:p14="http://schemas.microsoft.com/office/powerpoint/2010/main" xmlns="" val="2876153112"/>
       </p:ext>
     </p:extLst>
   </p:cSld>
@@ -3365,7 +3363,7 @@
     </p:spTree>
     <p:extLst>
       <p:ext uri="{BB962C8B-B14F-4D97-AF65-F5344CB8AC3E}">
-        <p14:creationId xmlns="" xmlns:p14="http://schemas.microsoft.com/office/powerpoint/2010/main" val="1014694900"/>
+        <p14:creationId xmlns:p14="http://schemas.microsoft.com/office/powerpoint/2010/main" xmlns="" val="1014694900"/>
       </p:ext>
     </p:extLst>
   </p:cSld>
@@ -3461,11 +3459,7 @@
             </a:r>
             <a:r>
               <a:rPr lang="zh-CN" altLang="en-US" dirty="0" smtClean="0"/>
-              <a:t>固定下来， 防止代码增删造成的变动，其他</a:t>
-            </a:r>
-            <a:r>
-              <a:rPr lang="zh-CN" altLang="en-US" dirty="0" smtClean="0"/>
-              <a:t>详细请看</a:t>
+              <a:t>固定下来， 防止代码增删造成的变动，其他详细请看</a:t>
             </a:r>
             <a:r>
               <a:rPr lang="en-US" altLang="zh-CN" dirty="0" smtClean="0"/>
@@ -3520,197 +3514,6 @@
           <a:effectLst/>
         </p:spPr>
       </p:pic>
-    </p:spTree>
-  </p:cSld>
-  <p:clrMapOvr>
-    <a:masterClrMapping/>
-  </p:clrMapOvr>
-</p:sld>
-</file>
-
-<file path=ppt/slides/slide13.xml><?xml version="1.0" encoding="utf-8"?>
-<p:sld xmlns:a="http://schemas.openxmlformats.org/drawingml/2006/main" xmlns:r="http://schemas.openxmlformats.org/officeDocument/2006/relationships" xmlns:p="http://schemas.openxmlformats.org/presentationml/2006/main">
-  <p:cSld>
-    <p:spTree>
-      <p:nvGrpSpPr>
-        <p:cNvPr id="1" name=""/>
-        <p:cNvGrpSpPr/>
-        <p:nvPr/>
-      </p:nvGrpSpPr>
-      <p:grpSpPr>
-        <a:xfrm>
-          <a:off x="0" y="0"/>
-          <a:ext cx="0" cy="0"/>
-          <a:chOff x="0" y="0"/>
-          <a:chExt cx="0" cy="0"/>
-        </a:xfrm>
-      </p:grpSpPr>
-      <p:sp>
-        <p:nvSpPr>
-          <p:cNvPr id="2" name="标题 1"/>
-          <p:cNvSpPr>
-            <a:spLocks noGrp="1"/>
-          </p:cNvSpPr>
-          <p:nvPr>
-            <p:ph type="title"/>
-          </p:nvPr>
-        </p:nvSpPr>
-        <p:spPr/>
-        <p:txBody>
-          <a:bodyPr/>
-          <a:lstStyle/>
-          <a:p>
-            <a:r>
-              <a:rPr lang="zh-CN" altLang="en-US" dirty="0" smtClean="0"/>
-              <a:t>获取网关地址协议</a:t>
-            </a:r>
-            <a:endParaRPr lang="zh-CN" altLang="en-US" dirty="0"/>
-          </a:p>
-        </p:txBody>
-      </p:sp>
-      <p:sp>
-        <p:nvSpPr>
-          <p:cNvPr id="4" name="TextBox 3"/>
-          <p:cNvSpPr txBox="1"/>
-          <p:nvPr/>
-        </p:nvSpPr>
-        <p:spPr>
-          <a:xfrm>
-            <a:off x="357158" y="1285860"/>
-            <a:ext cx="4357718" cy="369332"/>
-          </a:xfrm>
-          <a:prstGeom prst="rect">
-            <a:avLst/>
-          </a:prstGeom>
-          <a:noFill/>
-        </p:spPr>
-        <p:txBody>
-          <a:bodyPr wrap="square" rtlCol="0">
-            <a:spAutoFit/>
-          </a:bodyPr>
-          <a:lstStyle/>
-          <a:p>
-            <a:r>
-              <a:rPr lang="zh-CN" altLang="en-US" b="1" dirty="0" smtClean="0">
-                <a:solidFill>
-                  <a:srgbClr val="FF0000"/>
-                </a:solidFill>
-              </a:rPr>
-              <a:t>登录成功</a:t>
-            </a:r>
-            <a:r>
-              <a:rPr lang="en-US" altLang="zh-CN" b="1" dirty="0" smtClean="0">
-                <a:solidFill>
-                  <a:srgbClr val="FF0000"/>
-                </a:solidFill>
-              </a:rPr>
-              <a:t>:</a:t>
-            </a:r>
-            <a:r>
-              <a:rPr lang="zh-CN" altLang="en-US" b="1" dirty="0" smtClean="0">
-                <a:solidFill>
-                  <a:srgbClr val="FF0000"/>
-                </a:solidFill>
-              </a:rPr>
-              <a:t>协议</a:t>
-            </a:r>
-            <a:r>
-              <a:rPr lang="en-US" altLang="zh-CN" b="1" dirty="0" smtClean="0">
-                <a:solidFill>
-                  <a:srgbClr val="FF0000"/>
-                </a:solidFill>
-              </a:rPr>
-              <a:t>ID: 3</a:t>
-            </a:r>
-            <a:endParaRPr lang="zh-CN" altLang="en-US" b="1" dirty="0" smtClean="0">
-              <a:solidFill>
-                <a:srgbClr val="FF0000"/>
-              </a:solidFill>
-            </a:endParaRPr>
-          </a:p>
-        </p:txBody>
-      </p:sp>
-      <p:pic>
-        <p:nvPicPr>
-          <p:cNvPr id="2051" name="Picture 3"/>
-          <p:cNvPicPr>
-            <a:picLocks noChangeAspect="1" noChangeArrowheads="1"/>
-          </p:cNvPicPr>
-          <p:nvPr/>
-        </p:nvPicPr>
-        <p:blipFill>
-          <a:blip r:embed="rId2"/>
-          <a:srcRect/>
-          <a:stretch>
-            <a:fillRect/>
-          </a:stretch>
-        </p:blipFill>
-        <p:spPr bwMode="auto">
-          <a:xfrm>
-            <a:off x="428596" y="1714488"/>
-            <a:ext cx="3743325" cy="790575"/>
-          </a:xfrm>
-          <a:prstGeom prst="rect">
-            <a:avLst/>
-          </a:prstGeom>
-          <a:noFill/>
-          <a:ln w="9525">
-            <a:noFill/>
-            <a:miter lim="800000"/>
-            <a:headEnd/>
-            <a:tailEnd/>
-          </a:ln>
-          <a:effectLst/>
-        </p:spPr>
-      </p:pic>
-    </p:spTree>
-  </p:cSld>
-  <p:clrMapOvr>
-    <a:masterClrMapping/>
-  </p:clrMapOvr>
-</p:sld>
-</file>
-
-<file path=ppt/slides/slide14.xml><?xml version="1.0" encoding="utf-8"?>
-<p:sld xmlns:a="http://schemas.openxmlformats.org/drawingml/2006/main" xmlns:r="http://schemas.openxmlformats.org/officeDocument/2006/relationships" xmlns:p="http://schemas.openxmlformats.org/presentationml/2006/main">
-  <p:cSld>
-    <p:spTree>
-      <p:nvGrpSpPr>
-        <p:cNvPr id="1" name=""/>
-        <p:cNvGrpSpPr/>
-        <p:nvPr/>
-      </p:nvGrpSpPr>
-      <p:grpSpPr>
-        <a:xfrm>
-          <a:off x="0" y="0"/>
-          <a:ext cx="0" cy="0"/>
-          <a:chOff x="0" y="0"/>
-          <a:chExt cx="0" cy="0"/>
-        </a:xfrm>
-      </p:grpSpPr>
-      <p:sp>
-        <p:nvSpPr>
-          <p:cNvPr id="2" name="标题 1"/>
-          <p:cNvSpPr>
-            <a:spLocks noGrp="1"/>
-          </p:cNvSpPr>
-          <p:nvPr>
-            <p:ph type="title"/>
-          </p:nvPr>
-        </p:nvSpPr>
-        <p:spPr/>
-        <p:txBody>
-          <a:bodyPr/>
-          <a:lstStyle/>
-          <a:p>
-            <a:r>
-              <a:rPr lang="zh-CN" altLang="en-US" dirty="0" smtClean="0"/>
-              <a:t>网关登录协议</a:t>
-            </a:r>
-            <a:endParaRPr lang="zh-CN" altLang="en-US" dirty="0"/>
-          </a:p>
-        </p:txBody>
-      </p:sp>
     </p:spTree>
   </p:cSld>
   <p:clrMapOvr>
@@ -5183,7 +4986,7 @@
     </p:spTree>
     <p:extLst>
       <p:ext uri="{BB962C8B-B14F-4D97-AF65-F5344CB8AC3E}">
-        <p14:creationId xmlns="" xmlns:p14="http://schemas.microsoft.com/office/powerpoint/2010/main" val="527084161"/>
+        <p14:creationId xmlns:p14="http://schemas.microsoft.com/office/powerpoint/2010/main" xmlns="" val="527084161"/>
       </p:ext>
     </p:extLst>
   </p:cSld>
@@ -5448,7 +5251,7 @@
     </p:spTree>
     <p:extLst>
       <p:ext uri="{BB962C8B-B14F-4D97-AF65-F5344CB8AC3E}">
-        <p14:creationId xmlns="" xmlns:p14="http://schemas.microsoft.com/office/powerpoint/2010/main" val="1032052829"/>
+        <p14:creationId xmlns:p14="http://schemas.microsoft.com/office/powerpoint/2010/main" xmlns="" val="1032052829"/>
       </p:ext>
     </p:extLst>
   </p:cSld>
@@ -5554,7 +5357,7 @@
             <a:pPr algn="ctr"/>
             <a:r>
               <a:rPr lang="zh-CN" altLang="en-US" dirty="0" smtClean="0"/>
-              <a:t>手机</a:t>
+              <a:t>前端</a:t>
             </a:r>
             <a:endParaRPr lang="zh-CN" altLang="en-US" dirty="0"/>
           </a:p>
@@ -5678,7 +5481,7 @@
             <a:pPr algn="ctr"/>
             <a:r>
               <a:rPr lang="zh-CN" altLang="en-US" dirty="0" smtClean="0"/>
-              <a:t>手机</a:t>
+              <a:t>前端</a:t>
             </a:r>
             <a:endParaRPr lang="zh-CN" altLang="en-US" dirty="0"/>
           </a:p>
@@ -5802,7 +5605,7 @@
             <a:pPr algn="ctr"/>
             <a:r>
               <a:rPr lang="zh-CN" altLang="en-US" dirty="0" smtClean="0"/>
-              <a:t>手机</a:t>
+              <a:t>前端</a:t>
             </a:r>
             <a:endParaRPr lang="zh-CN" altLang="en-US" dirty="0"/>
           </a:p>
@@ -6068,10 +5871,18 @@
           <a:lstStyle/>
           <a:p>
             <a:pPr algn="ctr"/>
-            <a:r>
-              <a:rPr lang="zh-CN" altLang="en-US" dirty="0" smtClean="0"/>
-              <a:t>手机</a:t>
-            </a:r>
+            <a:endParaRPr lang="en-US" altLang="zh-CN" dirty="0" smtClean="0"/>
+          </a:p>
+          <a:p>
+            <a:pPr algn="ctr"/>
+            <a:r>
+              <a:rPr lang="zh-CN" altLang="en-US" dirty="0" smtClean="0"/>
+              <a:t>前端</a:t>
+            </a:r>
+            <a:endParaRPr lang="zh-CN" altLang="en-US" dirty="0" smtClean="0"/>
+          </a:p>
+          <a:p>
+            <a:pPr algn="ctr"/>
             <a:endParaRPr lang="zh-CN" altLang="en-US" dirty="0"/>
           </a:p>
         </p:txBody>
@@ -6245,10 +6056,18 @@
           <a:lstStyle/>
           <a:p>
             <a:pPr algn="ctr"/>
-            <a:r>
-              <a:rPr lang="zh-CN" altLang="en-US" dirty="0" smtClean="0"/>
-              <a:t>手机</a:t>
-            </a:r>
+            <a:endParaRPr lang="en-US" altLang="zh-CN" dirty="0" smtClean="0"/>
+          </a:p>
+          <a:p>
+            <a:pPr algn="ctr"/>
+            <a:r>
+              <a:rPr lang="zh-CN" altLang="en-US" dirty="0" smtClean="0"/>
+              <a:t>前端</a:t>
+            </a:r>
+            <a:endParaRPr lang="zh-CN" altLang="en-US" dirty="0" smtClean="0"/>
+          </a:p>
+          <a:p>
+            <a:pPr algn="ctr"/>
             <a:endParaRPr lang="zh-CN" altLang="en-US" dirty="0"/>
           </a:p>
         </p:txBody>
@@ -6422,9 +6241,9 @@
             <a:pPr algn="ctr"/>
             <a:r>
               <a:rPr lang="zh-CN" altLang="en-US" dirty="0" smtClean="0"/>
-              <a:t>手机</a:t>
-            </a:r>
-            <a:endParaRPr lang="zh-CN" altLang="en-US" dirty="0"/>
+              <a:t>前端</a:t>
+            </a:r>
+            <a:endParaRPr lang="zh-CN" altLang="en-US" dirty="0" smtClean="0"/>
           </a:p>
         </p:txBody>
       </p:sp>
@@ -6592,7 +6411,7 @@
             <a:pPr algn="ctr"/>
             <a:r>
               <a:rPr lang="zh-CN" altLang="en-US" dirty="0" smtClean="0"/>
-              <a:t>手机</a:t>
+              <a:t>前端</a:t>
             </a:r>
             <a:endParaRPr lang="zh-CN" altLang="en-US" dirty="0"/>
           </a:p>
@@ -6711,7 +6530,7 @@
     </p:spTree>
     <p:extLst>
       <p:ext uri="{BB962C8B-B14F-4D97-AF65-F5344CB8AC3E}">
-        <p14:creationId xmlns="" xmlns:p14="http://schemas.microsoft.com/office/powerpoint/2010/main" val="1715805136"/>
+        <p14:creationId xmlns:p14="http://schemas.microsoft.com/office/powerpoint/2010/main" xmlns="" val="1715805136"/>
       </p:ext>
     </p:extLst>
   </p:cSld>
@@ -7049,7 +6868,7 @@
     </p:spTree>
     <p:extLst>
       <p:ext uri="{BB962C8B-B14F-4D97-AF65-F5344CB8AC3E}">
-        <p14:creationId xmlns="" xmlns:p14="http://schemas.microsoft.com/office/powerpoint/2010/main" val="4003009976"/>
+        <p14:creationId xmlns:p14="http://schemas.microsoft.com/office/powerpoint/2010/main" xmlns="" val="4003009976"/>
       </p:ext>
     </p:extLst>
   </p:cSld>
@@ -7845,7 +7664,7 @@
     </p:spTree>
     <p:extLst>
       <p:ext uri="{BB962C8B-B14F-4D97-AF65-F5344CB8AC3E}">
-        <p14:creationId xmlns="" xmlns:p14="http://schemas.microsoft.com/office/powerpoint/2010/main" val="1450791034"/>
+        <p14:creationId xmlns:p14="http://schemas.microsoft.com/office/powerpoint/2010/main" xmlns="" val="1450791034"/>
       </p:ext>
     </p:extLst>
   </p:cSld>
@@ -7914,7 +7733,7 @@
           <a:blip r:embed="rId2">
             <a:extLst>
               <a:ext uri="{28A0092B-C50C-407E-A947-70E740481C1C}">
-                <a14:useLocalDpi xmlns="" xmlns:a14="http://schemas.microsoft.com/office/drawing/2010/main" val="0"/>
+                <a14:useLocalDpi xmlns:a14="http://schemas.microsoft.com/office/drawing/2010/main" xmlns="" val="0"/>
               </a:ext>
             </a:extLst>
           </a:blip>
@@ -7938,14 +7757,14 @@
           <a:effectLst/>
           <a:extLst>
             <a:ext uri="{909E8E84-426E-40DD-AFC4-6F175D3DCCD1}">
-              <a14:hiddenFill xmlns="" xmlns:a14="http://schemas.microsoft.com/office/drawing/2010/main">
+              <a14:hiddenFill xmlns:a14="http://schemas.microsoft.com/office/drawing/2010/main" xmlns="">
                 <a:solidFill>
                   <a:schemeClr val="accent1"/>
                 </a:solidFill>
               </a14:hiddenFill>
             </a:ext>
             <a:ext uri="{91240B29-F687-4F45-9708-019B960494DF}">
-              <a14:hiddenLine xmlns="" xmlns:a14="http://schemas.microsoft.com/office/drawing/2010/main" w="9525">
+              <a14:hiddenLine xmlns:a14="http://schemas.microsoft.com/office/drawing/2010/main" xmlns="" w="9525">
                 <a:solidFill>
                   <a:schemeClr val="tx1"/>
                 </a:solidFill>
@@ -7955,7 +7774,7 @@
               </a14:hiddenLine>
             </a:ext>
             <a:ext uri="{AF507438-7753-43E0-B8FC-AC1667EBCBE1}">
-              <a14:hiddenEffects xmlns="" xmlns:a14="http://schemas.microsoft.com/office/drawing/2010/main">
+              <a14:hiddenEffects xmlns:a14="http://schemas.microsoft.com/office/drawing/2010/main" xmlns="">
                 <a:effectLst>
                   <a:outerShdw dist="35921" dir="2700000" algn="ctr" rotWithShape="0">
                     <a:schemeClr val="bg2"/>
@@ -7969,7 +7788,7 @@
     </p:spTree>
     <p:extLst>
       <p:ext uri="{BB962C8B-B14F-4D97-AF65-F5344CB8AC3E}">
-        <p14:creationId xmlns="" xmlns:p14="http://schemas.microsoft.com/office/powerpoint/2010/main" val="1169619344"/>
+        <p14:creationId xmlns:p14="http://schemas.microsoft.com/office/powerpoint/2010/main" xmlns="" val="1169619344"/>
       </p:ext>
     </p:extLst>
   </p:cSld>
@@ -8191,7 +8010,7 @@
     </p:spTree>
     <p:extLst>
       <p:ext uri="{BB962C8B-B14F-4D97-AF65-F5344CB8AC3E}">
-        <p14:creationId xmlns="" xmlns:p14="http://schemas.microsoft.com/office/powerpoint/2010/main" val="3949283333"/>
+        <p14:creationId xmlns:p14="http://schemas.microsoft.com/office/powerpoint/2010/main" xmlns="" val="3949283333"/>
       </p:ext>
     </p:extLst>
   </p:cSld>
@@ -8325,7 +8144,7 @@
     </p:spTree>
     <p:extLst>
       <p:ext uri="{BB962C8B-B14F-4D97-AF65-F5344CB8AC3E}">
-        <p14:creationId xmlns="" xmlns:p14="http://schemas.microsoft.com/office/powerpoint/2010/main" val="3681175402"/>
+        <p14:creationId xmlns:p14="http://schemas.microsoft.com/office/powerpoint/2010/main" xmlns="" val="3681175402"/>
       </p:ext>
     </p:extLst>
   </p:cSld>

--- a/kbe/doc/server_overview.pptx
+++ b/kbe/doc/server_overview.pptx
@@ -11,12 +11,14 @@
     <p:sldId id="259" r:id="rId5"/>
     <p:sldId id="260" r:id="rId6"/>
     <p:sldId id="261" r:id="rId7"/>
-    <p:sldId id="262" r:id="rId8"/>
-    <p:sldId id="263" r:id="rId9"/>
-    <p:sldId id="264" r:id="rId10"/>
-    <p:sldId id="265" r:id="rId11"/>
-    <p:sldId id="266" r:id="rId12"/>
-    <p:sldId id="267" r:id="rId13"/>
+    <p:sldId id="269" r:id="rId8"/>
+    <p:sldId id="262" r:id="rId9"/>
+    <p:sldId id="263" r:id="rId10"/>
+    <p:sldId id="264" r:id="rId11"/>
+    <p:sldId id="265" r:id="rId12"/>
+    <p:sldId id="266" r:id="rId13"/>
+    <p:sldId id="267" r:id="rId14"/>
+    <p:sldId id="268" r:id="rId15"/>
   </p:sldIdLst>
   <p:sldSz cx="9144000" cy="6858000" type="screen4x3"/>
   <p:notesSz cx="6858000" cy="9144000"/>
@@ -300,7 +302,7 @@
             <a:fld id="{530820CF-B880-4189-942D-D702A7CBA730}" type="datetimeFigureOut">
               <a:rPr lang="zh-CN" altLang="en-US" smtClean="0"/>
               <a:pPr/>
-              <a:t>2012-8-4</a:t>
+              <a:t>2012-8-9</a:t>
             </a:fld>
             <a:endParaRPr lang="zh-CN" altLang="en-US"/>
           </a:p>
@@ -467,7 +469,7 @@
             <a:fld id="{530820CF-B880-4189-942D-D702A7CBA730}" type="datetimeFigureOut">
               <a:rPr lang="zh-CN" altLang="en-US" smtClean="0"/>
               <a:pPr/>
-              <a:t>2012-8-4</a:t>
+              <a:t>2012-8-9</a:t>
             </a:fld>
             <a:endParaRPr lang="zh-CN" altLang="en-US"/>
           </a:p>
@@ -644,7 +646,7 @@
             <a:fld id="{530820CF-B880-4189-942D-D702A7CBA730}" type="datetimeFigureOut">
               <a:rPr lang="zh-CN" altLang="en-US" smtClean="0"/>
               <a:pPr/>
-              <a:t>2012-8-4</a:t>
+              <a:t>2012-8-9</a:t>
             </a:fld>
             <a:endParaRPr lang="zh-CN" altLang="en-US"/>
           </a:p>
@@ -811,7 +813,7 @@
             <a:fld id="{530820CF-B880-4189-942D-D702A7CBA730}" type="datetimeFigureOut">
               <a:rPr lang="zh-CN" altLang="en-US" smtClean="0"/>
               <a:pPr/>
-              <a:t>2012-8-4</a:t>
+              <a:t>2012-8-9</a:t>
             </a:fld>
             <a:endParaRPr lang="zh-CN" altLang="en-US"/>
           </a:p>
@@ -1054,7 +1056,7 @@
             <a:fld id="{530820CF-B880-4189-942D-D702A7CBA730}" type="datetimeFigureOut">
               <a:rPr lang="zh-CN" altLang="en-US" smtClean="0"/>
               <a:pPr/>
-              <a:t>2012-8-4</a:t>
+              <a:t>2012-8-9</a:t>
             </a:fld>
             <a:endParaRPr lang="zh-CN" altLang="en-US"/>
           </a:p>
@@ -1339,7 +1341,7 @@
             <a:fld id="{530820CF-B880-4189-942D-D702A7CBA730}" type="datetimeFigureOut">
               <a:rPr lang="zh-CN" altLang="en-US" smtClean="0"/>
               <a:pPr/>
-              <a:t>2012-8-4</a:t>
+              <a:t>2012-8-9</a:t>
             </a:fld>
             <a:endParaRPr lang="zh-CN" altLang="en-US"/>
           </a:p>
@@ -1758,7 +1760,7 @@
             <a:fld id="{530820CF-B880-4189-942D-D702A7CBA730}" type="datetimeFigureOut">
               <a:rPr lang="zh-CN" altLang="en-US" smtClean="0"/>
               <a:pPr/>
-              <a:t>2012-8-4</a:t>
+              <a:t>2012-8-9</a:t>
             </a:fld>
             <a:endParaRPr lang="zh-CN" altLang="en-US"/>
           </a:p>
@@ -1873,7 +1875,7 @@
             <a:fld id="{530820CF-B880-4189-942D-D702A7CBA730}" type="datetimeFigureOut">
               <a:rPr lang="zh-CN" altLang="en-US" smtClean="0"/>
               <a:pPr/>
-              <a:t>2012-8-4</a:t>
+              <a:t>2012-8-9</a:t>
             </a:fld>
             <a:endParaRPr lang="zh-CN" altLang="en-US"/>
           </a:p>
@@ -1965,7 +1967,7 @@
             <a:fld id="{530820CF-B880-4189-942D-D702A7CBA730}" type="datetimeFigureOut">
               <a:rPr lang="zh-CN" altLang="en-US" smtClean="0"/>
               <a:pPr/>
-              <a:t>2012-8-4</a:t>
+              <a:t>2012-8-9</a:t>
             </a:fld>
             <a:endParaRPr lang="zh-CN" altLang="en-US"/>
           </a:p>
@@ -2239,7 +2241,7 @@
             <a:fld id="{530820CF-B880-4189-942D-D702A7CBA730}" type="datetimeFigureOut">
               <a:rPr lang="zh-CN" altLang="en-US" smtClean="0"/>
               <a:pPr/>
-              <a:t>2012-8-4</a:t>
+              <a:t>2012-8-9</a:t>
             </a:fld>
             <a:endParaRPr lang="zh-CN" altLang="en-US"/>
           </a:p>
@@ -2489,7 +2491,7 @@
             <a:fld id="{530820CF-B880-4189-942D-D702A7CBA730}" type="datetimeFigureOut">
               <a:rPr lang="zh-CN" altLang="en-US" smtClean="0"/>
               <a:pPr/>
-              <a:t>2012-8-4</a:t>
+              <a:t>2012-8-9</a:t>
             </a:fld>
             <a:endParaRPr lang="zh-CN" altLang="en-US"/>
           </a:p>
@@ -2699,7 +2701,7 @@
             <a:fld id="{530820CF-B880-4189-942D-D702A7CBA730}" type="datetimeFigureOut">
               <a:rPr lang="zh-CN" altLang="en-US" smtClean="0"/>
               <a:pPr/>
-              <a:t>2012-8-4</a:t>
+              <a:t>2012-8-9</a:t>
             </a:fld>
             <a:endParaRPr lang="zh-CN" altLang="en-US"/>
           </a:p>
@@ -3152,7 +3154,7 @@
     </p:spTree>
     <p:extLst>
       <p:ext uri="{BB962C8B-B14F-4D97-AF65-F5344CB8AC3E}">
-        <p14:creationId xmlns:p14="http://schemas.microsoft.com/office/powerpoint/2010/main" xmlns="" val="2274749693"/>
+        <p14:creationId xmlns="" xmlns:p14="http://schemas.microsoft.com/office/powerpoint/2010/main" val="2274749693"/>
       </p:ext>
     </p:extLst>
   </p:cSld>
@@ -3202,10 +3204,9 @@
           <a:lstStyle/>
           <a:p>
             <a:r>
-              <a:rPr lang="zh-CN" altLang="en-US" dirty="0" smtClean="0"/>
-              <a:t>新建一个游戏分区</a:t>
-            </a:r>
-            <a:endParaRPr lang="zh-CN" altLang="en-US" dirty="0"/>
+              <a:rPr lang="zh-CN" altLang="en-US" dirty="0"/>
+              <a:t>合服</a:t>
+            </a:r>
           </a:p>
         </p:txBody>
       </p:sp>
@@ -3221,59 +3222,73 @@
         </p:nvSpPr>
         <p:spPr/>
         <p:txBody>
-          <a:bodyPr/>
-          <a:lstStyle/>
-          <a:p>
-            <a:r>
-              <a:rPr lang="zh-CN" altLang="en-US" dirty="0" smtClean="0"/>
-              <a:t>修改分区进程的配置表， 增加一个新区的登陆进程的</a:t>
+          <a:bodyPr>
+            <a:normAutofit lnSpcReduction="10000"/>
+          </a:bodyPr>
+          <a:lstStyle/>
+          <a:p>
+            <a:r>
+              <a:rPr lang="zh-CN" altLang="en-US" dirty="0" smtClean="0"/>
+              <a:t>理论上我们对每个角色绑定一个唯一</a:t>
             </a:r>
             <a:r>
               <a:rPr lang="en-US" altLang="zh-CN" dirty="0" smtClean="0"/>
-              <a:t>IP</a:t>
-            </a:r>
-            <a:r>
-              <a:rPr lang="zh-CN" altLang="en-US" dirty="0" smtClean="0"/>
-              <a:t>地址和端口。</a:t>
+              <a:t>ID</a:t>
+            </a:r>
+            <a:r>
+              <a:rPr lang="zh-CN" altLang="en-US" dirty="0" smtClean="0"/>
+              <a:t>， 某些数据如物品也产生一个</a:t>
+            </a:r>
+            <a:r>
+              <a:rPr lang="en-US" altLang="zh-CN" dirty="0" smtClean="0"/>
+              <a:t>GUID</a:t>
+            </a:r>
+            <a:r>
+              <a:rPr lang="zh-CN" altLang="en-US" dirty="0" smtClean="0"/>
+              <a:t>， 使用</a:t>
+            </a:r>
+            <a:r>
+              <a:rPr lang="en-US" altLang="zh-CN" dirty="0" err="1" smtClean="0"/>
+              <a:t>mysql</a:t>
+            </a:r>
+            <a:r>
+              <a:rPr lang="zh-CN" altLang="en-US" dirty="0" smtClean="0"/>
+              <a:t>语句管理物品和角色唯一</a:t>
+            </a:r>
+            <a:r>
+              <a:rPr lang="en-US" altLang="zh-CN" dirty="0" smtClean="0"/>
+              <a:t>ID</a:t>
+            </a:r>
+            <a:r>
+              <a:rPr lang="zh-CN" altLang="en-US" dirty="0" smtClean="0"/>
+              <a:t>直接向另一个数据库表合并就完成合服过程， 当然用户名等还需要处理。</a:t>
             </a:r>
             <a:endParaRPr lang="en-US" altLang="zh-CN" dirty="0" smtClean="0"/>
           </a:p>
           <a:p>
             <a:r>
               <a:rPr lang="zh-CN" altLang="en-US" dirty="0" smtClean="0"/>
-              <a:t>在相关</a:t>
-            </a:r>
-            <a:r>
-              <a:rPr lang="en-US" altLang="zh-CN" dirty="0" err="1" smtClean="0"/>
-              <a:t>ip</a:t>
-            </a:r>
-            <a:r>
-              <a:rPr lang="zh-CN" altLang="en-US" dirty="0" smtClean="0"/>
-              <a:t>地址的服务器上部署整套后端架构。</a:t>
-            </a:r>
+              <a:t>方式</a:t>
+            </a:r>
+            <a:r>
+              <a:rPr lang="en-US" altLang="zh-CN" dirty="0" smtClean="0"/>
+              <a:t>2</a:t>
+            </a:r>
+            <a:r>
+              <a:rPr lang="zh-CN" altLang="en-US" dirty="0" smtClean="0"/>
+              <a:t>：另写一个合服程序将某个数据库表相关数据合并到另一个数据库表， 完成相关关系处理， 用户名称重名等相关处理即可合服。</a:t>
+            </a:r>
+            <a:endParaRPr lang="en-US" altLang="zh-CN" dirty="0"/>
+          </a:p>
+          <a:p>
             <a:endParaRPr lang="en-US" altLang="zh-CN" dirty="0" smtClean="0"/>
-          </a:p>
-          <a:p>
-            <a:r>
-              <a:rPr lang="zh-CN" altLang="en-US" dirty="0" smtClean="0"/>
-              <a:t>防火墙开放相关</a:t>
-            </a:r>
-            <a:r>
-              <a:rPr lang="en-US" altLang="zh-CN" dirty="0" err="1" smtClean="0"/>
-              <a:t>ip</a:t>
-            </a:r>
-            <a:r>
-              <a:rPr lang="zh-CN" altLang="en-US" dirty="0" smtClean="0"/>
-              <a:t>地址的相关端口对外允许访问。</a:t>
-            </a:r>
-            <a:endParaRPr lang="zh-CN" altLang="en-US" dirty="0"/>
           </a:p>
         </p:txBody>
       </p:sp>
     </p:spTree>
     <p:extLst>
       <p:ext uri="{BB962C8B-B14F-4D97-AF65-F5344CB8AC3E}">
-        <p14:creationId xmlns:p14="http://schemas.microsoft.com/office/powerpoint/2010/main" xmlns="" val="2876153112"/>
+        <p14:creationId xmlns="" xmlns:p14="http://schemas.microsoft.com/office/powerpoint/2010/main" val="3681175402"/>
       </p:ext>
     </p:extLst>
   </p:cSld>
@@ -3324,7 +3339,7 @@
           <a:p>
             <a:r>
               <a:rPr lang="zh-CN" altLang="en-US" dirty="0" smtClean="0"/>
-              <a:t>服务器理论承载</a:t>
+              <a:t>新建一个游戏分区</a:t>
             </a:r>
             <a:endParaRPr lang="zh-CN" altLang="en-US" dirty="0"/>
           </a:p>
@@ -3347,14 +3362,45 @@
           <a:p>
             <a:r>
               <a:rPr lang="zh-CN" altLang="en-US" dirty="0" smtClean="0"/>
-              <a:t>服务器逻辑进程可配置多个的特性， 在采取动态副本的游戏模式下， 承载能力可根据服务器核数和内存大小或者新增整台硬件架构来扩充承载能力。</a:t>
+              <a:t>修改分区进程的配置表， 增加一个新区的登陆进程的</a:t>
+            </a:r>
+            <a:r>
+              <a:rPr lang="en-US" altLang="zh-CN" dirty="0" smtClean="0"/>
+              <a:t>IP</a:t>
+            </a:r>
+            <a:r>
+              <a:rPr lang="zh-CN" altLang="en-US" dirty="0" smtClean="0"/>
+              <a:t>地址和端口。</a:t>
             </a:r>
             <a:endParaRPr lang="en-US" altLang="zh-CN" dirty="0" smtClean="0"/>
           </a:p>
           <a:p>
             <a:r>
               <a:rPr lang="zh-CN" altLang="en-US" dirty="0" smtClean="0"/>
-              <a:t>单副本承载能力根据逻辑复杂度来决定。</a:t>
+              <a:t>在相关</a:t>
+            </a:r>
+            <a:r>
+              <a:rPr lang="en-US" altLang="zh-CN" dirty="0" err="1" smtClean="0"/>
+              <a:t>ip</a:t>
+            </a:r>
+            <a:r>
+              <a:rPr lang="zh-CN" altLang="en-US" dirty="0" smtClean="0"/>
+              <a:t>地址的服务器上部署整套后端架构。</a:t>
+            </a:r>
+            <a:endParaRPr lang="en-US" altLang="zh-CN" dirty="0" smtClean="0"/>
+          </a:p>
+          <a:p>
+            <a:r>
+              <a:rPr lang="zh-CN" altLang="en-US" dirty="0" smtClean="0"/>
+              <a:t>防火墙开放相关</a:t>
+            </a:r>
+            <a:r>
+              <a:rPr lang="en-US" altLang="zh-CN" dirty="0" err="1" smtClean="0"/>
+              <a:t>ip</a:t>
+            </a:r>
+            <a:r>
+              <a:rPr lang="zh-CN" altLang="en-US" dirty="0" smtClean="0"/>
+              <a:t>地址的相关端口对外允许访问。</a:t>
             </a:r>
             <a:endParaRPr lang="zh-CN" altLang="en-US" dirty="0"/>
           </a:p>
@@ -3363,7 +3409,7 @@
     </p:spTree>
     <p:extLst>
       <p:ext uri="{BB962C8B-B14F-4D97-AF65-F5344CB8AC3E}">
-        <p14:creationId xmlns:p14="http://schemas.microsoft.com/office/powerpoint/2010/main" xmlns="" val="1014694900"/>
+        <p14:creationId xmlns="" xmlns:p14="http://schemas.microsoft.com/office/powerpoint/2010/main" val="2876153112"/>
       </p:ext>
     </p:extLst>
   </p:cSld>
@@ -3414,6 +3460,96 @@
           <a:p>
             <a:r>
               <a:rPr lang="zh-CN" altLang="en-US" dirty="0" smtClean="0"/>
+              <a:t>服务器理论承载</a:t>
+            </a:r>
+            <a:endParaRPr lang="zh-CN" altLang="en-US" dirty="0"/>
+          </a:p>
+        </p:txBody>
+      </p:sp>
+      <p:sp>
+        <p:nvSpPr>
+          <p:cNvPr id="3" name="内容占位符 2"/>
+          <p:cNvSpPr>
+            <a:spLocks noGrp="1"/>
+          </p:cNvSpPr>
+          <p:nvPr>
+            <p:ph idx="1"/>
+          </p:nvPr>
+        </p:nvSpPr>
+        <p:spPr/>
+        <p:txBody>
+          <a:bodyPr/>
+          <a:lstStyle/>
+          <a:p>
+            <a:r>
+              <a:rPr lang="zh-CN" altLang="en-US" dirty="0" smtClean="0"/>
+              <a:t>服务器逻辑进程可配置多个的特性， 在采取动态副本的游戏模式下， 承载能力可根据服务器核数和内存大小或者新增整台硬件架构来扩充承载能力。</a:t>
+            </a:r>
+            <a:endParaRPr lang="en-US" altLang="zh-CN" dirty="0" smtClean="0"/>
+          </a:p>
+          <a:p>
+            <a:r>
+              <a:rPr lang="zh-CN" altLang="en-US" dirty="0" smtClean="0"/>
+              <a:t>单副本承载能力根据逻辑复杂度来决定。</a:t>
+            </a:r>
+            <a:endParaRPr lang="zh-CN" altLang="en-US" dirty="0"/>
+          </a:p>
+        </p:txBody>
+      </p:sp>
+    </p:spTree>
+    <p:extLst>
+      <p:ext uri="{BB962C8B-B14F-4D97-AF65-F5344CB8AC3E}">
+        <p14:creationId xmlns="" xmlns:p14="http://schemas.microsoft.com/office/powerpoint/2010/main" val="1014694900"/>
+      </p:ext>
+    </p:extLst>
+  </p:cSld>
+  <p:clrMapOvr>
+    <a:masterClrMapping/>
+  </p:clrMapOvr>
+  <p:timing>
+    <p:tnLst>
+      <p:par>
+        <p:cTn id="1" dur="indefinite" restart="never" nodeType="tmRoot"/>
+      </p:par>
+    </p:tnLst>
+  </p:timing>
+</p:sld>
+</file>
+
+<file path=ppt/slides/slide13.xml><?xml version="1.0" encoding="utf-8"?>
+<p:sld xmlns:a="http://schemas.openxmlformats.org/drawingml/2006/main" xmlns:r="http://schemas.openxmlformats.org/officeDocument/2006/relationships" xmlns:p="http://schemas.openxmlformats.org/presentationml/2006/main">
+  <p:cSld>
+    <p:spTree>
+      <p:nvGrpSpPr>
+        <p:cNvPr id="1" name=""/>
+        <p:cNvGrpSpPr/>
+        <p:nvPr/>
+      </p:nvGrpSpPr>
+      <p:grpSpPr>
+        <a:xfrm>
+          <a:off x="0" y="0"/>
+          <a:ext cx="0" cy="0"/>
+          <a:chOff x="0" y="0"/>
+          <a:chExt cx="0" cy="0"/>
+        </a:xfrm>
+      </p:grpSpPr>
+      <p:sp>
+        <p:nvSpPr>
+          <p:cNvPr id="2" name="标题 1"/>
+          <p:cNvSpPr>
+            <a:spLocks noGrp="1"/>
+          </p:cNvSpPr>
+          <p:nvPr>
+            <p:ph type="title"/>
+          </p:nvPr>
+        </p:nvSpPr>
+        <p:spPr/>
+        <p:txBody>
+          <a:bodyPr/>
+          <a:lstStyle/>
+          <a:p>
+            <a:r>
+              <a:rPr lang="zh-CN" altLang="en-US" dirty="0" smtClean="0"/>
               <a:t>中间协议耦合</a:t>
             </a:r>
             <a:endParaRPr lang="zh-CN" altLang="en-US" dirty="0"/>
@@ -3500,6 +3636,210 @@
           <a:xfrm>
             <a:off x="571472" y="1285860"/>
             <a:ext cx="8201025" cy="2838450"/>
+          </a:xfrm>
+          <a:prstGeom prst="rect">
+            <a:avLst/>
+          </a:prstGeom>
+          <a:noFill/>
+          <a:ln w="9525">
+            <a:noFill/>
+            <a:miter lim="800000"/>
+            <a:headEnd/>
+            <a:tailEnd/>
+          </a:ln>
+          <a:effectLst/>
+        </p:spPr>
+      </p:pic>
+    </p:spTree>
+  </p:cSld>
+  <p:clrMapOvr>
+    <a:masterClrMapping/>
+  </p:clrMapOvr>
+</p:sld>
+</file>
+
+<file path=ppt/slides/slide14.xml><?xml version="1.0" encoding="utf-8"?>
+<p:sld xmlns:a="http://schemas.openxmlformats.org/drawingml/2006/main" xmlns:r="http://schemas.openxmlformats.org/officeDocument/2006/relationships" xmlns:p="http://schemas.openxmlformats.org/presentationml/2006/main">
+  <p:cSld>
+    <p:spTree>
+      <p:nvGrpSpPr>
+        <p:cNvPr id="1" name=""/>
+        <p:cNvGrpSpPr/>
+        <p:nvPr/>
+      </p:nvGrpSpPr>
+      <p:grpSpPr>
+        <a:xfrm>
+          <a:off x="0" y="0"/>
+          <a:ext cx="0" cy="0"/>
+          <a:chOff x="0" y="0"/>
+          <a:chExt cx="0" cy="0"/>
+        </a:xfrm>
+      </p:grpSpPr>
+      <p:sp>
+        <p:nvSpPr>
+          <p:cNvPr id="2" name="标题 1"/>
+          <p:cNvSpPr>
+            <a:spLocks noGrp="1"/>
+          </p:cNvSpPr>
+          <p:nvPr>
+            <p:ph type="title"/>
+          </p:nvPr>
+        </p:nvSpPr>
+        <p:spPr/>
+        <p:txBody>
+          <a:bodyPr/>
+          <a:lstStyle/>
+          <a:p>
+            <a:r>
+              <a:rPr lang="en-US" altLang="zh-CN" dirty="0" err="1" smtClean="0"/>
+              <a:t>Defs</a:t>
+            </a:r>
+            <a:r>
+              <a:rPr lang="zh-CN" altLang="en-US" dirty="0" smtClean="0"/>
+              <a:t>中的网络协议强制关联</a:t>
+            </a:r>
+            <a:endParaRPr lang="zh-CN" altLang="en-US" dirty="0"/>
+          </a:p>
+        </p:txBody>
+      </p:sp>
+      <p:sp>
+        <p:nvSpPr>
+          <p:cNvPr id="4" name="TextBox 3"/>
+          <p:cNvSpPr txBox="1"/>
+          <p:nvPr/>
+        </p:nvSpPr>
+        <p:spPr>
+          <a:xfrm>
+            <a:off x="1142976" y="1571612"/>
+            <a:ext cx="6429420" cy="1200329"/>
+          </a:xfrm>
+          <a:prstGeom prst="rect">
+            <a:avLst/>
+          </a:prstGeom>
+          <a:noFill/>
+        </p:spPr>
+        <p:txBody>
+          <a:bodyPr wrap="square" rtlCol="0">
+            <a:spAutoFit/>
+          </a:bodyPr>
+          <a:lstStyle/>
+          <a:p>
+            <a:r>
+              <a:rPr lang="zh-CN" altLang="en-US" dirty="0" smtClean="0"/>
+              <a:t>由于</a:t>
+            </a:r>
+            <a:r>
+              <a:rPr lang="en-US" altLang="zh-CN" dirty="0" err="1" smtClean="0"/>
+              <a:t>entitydef</a:t>
+            </a:r>
+            <a:r>
+              <a:rPr lang="zh-CN" altLang="en-US" dirty="0" smtClean="0"/>
+              <a:t>整套机制可以自动的绑定网络协议， 如果前端能够实现相同的</a:t>
+            </a:r>
+            <a:r>
+              <a:rPr lang="en-US" altLang="zh-CN" dirty="0" err="1" smtClean="0"/>
+              <a:t>entitydef</a:t>
+            </a:r>
+            <a:r>
+              <a:rPr lang="zh-CN" altLang="en-US" dirty="0" smtClean="0"/>
+              <a:t>就能很好的匹配协议， 但如果不打算实现</a:t>
+            </a:r>
+            <a:r>
+              <a:rPr lang="en-US" altLang="zh-CN" dirty="0" err="1" smtClean="0"/>
+              <a:t>entitydef</a:t>
+            </a:r>
+            <a:r>
+              <a:rPr lang="zh-CN" altLang="en-US" dirty="0" smtClean="0"/>
+              <a:t>就需要通过协议表进行约定， 这里在</a:t>
+            </a:r>
+            <a:r>
+              <a:rPr lang="en-US" altLang="zh-CN" dirty="0" err="1" smtClean="0"/>
+              <a:t>defs</a:t>
+            </a:r>
+            <a:r>
+              <a:rPr lang="zh-CN" altLang="en-US" dirty="0" smtClean="0"/>
+              <a:t>中添加一个标签</a:t>
+            </a:r>
+            <a:r>
+              <a:rPr lang="en-US" altLang="zh-CN" dirty="0" smtClean="0"/>
+              <a:t>&lt;</a:t>
+            </a:r>
+            <a:r>
+              <a:rPr lang="en-US" altLang="zh-CN" dirty="0" err="1" smtClean="0"/>
+              <a:t>Utype</a:t>
+            </a:r>
+            <a:r>
+              <a:rPr lang="en-US" altLang="zh-CN" dirty="0" smtClean="0"/>
+              <a:t>&gt;</a:t>
+            </a:r>
+            <a:r>
+              <a:rPr lang="zh-CN" altLang="en-US" dirty="0" smtClean="0"/>
+              <a:t>来进行约定协议</a:t>
+            </a:r>
+            <a:r>
+              <a:rPr lang="en-US" altLang="zh-CN" dirty="0" smtClean="0"/>
+              <a:t>ID</a:t>
+            </a:r>
+            <a:r>
+              <a:rPr lang="zh-CN" altLang="en-US" dirty="0" smtClean="0"/>
+              <a:t>。</a:t>
+            </a:r>
+            <a:endParaRPr lang="zh-CN" altLang="en-US" dirty="0"/>
+          </a:p>
+        </p:txBody>
+      </p:sp>
+      <p:pic>
+        <p:nvPicPr>
+          <p:cNvPr id="1026" name="Picture 2"/>
+          <p:cNvPicPr>
+            <a:picLocks noChangeAspect="1" noChangeArrowheads="1"/>
+          </p:cNvPicPr>
+          <p:nvPr/>
+        </p:nvPicPr>
+        <p:blipFill>
+          <a:blip r:embed="rId2"/>
+          <a:srcRect/>
+          <a:stretch>
+            <a:fillRect/>
+          </a:stretch>
+        </p:blipFill>
+        <p:spPr bwMode="auto">
+          <a:xfrm>
+            <a:off x="2714612" y="3071810"/>
+            <a:ext cx="2819400" cy="1057275"/>
+          </a:xfrm>
+          <a:prstGeom prst="rect">
+            <a:avLst/>
+          </a:prstGeom>
+          <a:noFill/>
+          <a:ln w="9525">
+            <a:noFill/>
+            <a:miter lim="800000"/>
+            <a:headEnd/>
+            <a:tailEnd/>
+          </a:ln>
+          <a:effectLst/>
+        </p:spPr>
+      </p:pic>
+      <p:pic>
+        <p:nvPicPr>
+          <p:cNvPr id="3" name="Picture 2"/>
+          <p:cNvPicPr>
+            <a:picLocks noChangeAspect="1" noChangeArrowheads="1"/>
+          </p:cNvPicPr>
+          <p:nvPr/>
+        </p:nvPicPr>
+        <p:blipFill>
+          <a:blip r:embed="rId3"/>
+          <a:srcRect/>
+          <a:stretch>
+            <a:fillRect/>
+          </a:stretch>
+        </p:blipFill>
+        <p:spPr bwMode="auto">
+          <a:xfrm>
+            <a:off x="1071538" y="4572008"/>
+            <a:ext cx="7210425" cy="1809750"/>
           </a:xfrm>
           <a:prstGeom prst="rect">
             <a:avLst/>
@@ -4986,7 +5326,7 @@
     </p:spTree>
     <p:extLst>
       <p:ext uri="{BB962C8B-B14F-4D97-AF65-F5344CB8AC3E}">
-        <p14:creationId xmlns:p14="http://schemas.microsoft.com/office/powerpoint/2010/main" xmlns="" val="527084161"/>
+        <p14:creationId xmlns="" xmlns:p14="http://schemas.microsoft.com/office/powerpoint/2010/main" val="527084161"/>
       </p:ext>
     </p:extLst>
   </p:cSld>
@@ -5251,7 +5591,7 @@
     </p:spTree>
     <p:extLst>
       <p:ext uri="{BB962C8B-B14F-4D97-AF65-F5344CB8AC3E}">
-        <p14:creationId xmlns:p14="http://schemas.microsoft.com/office/powerpoint/2010/main" xmlns="" val="1032052829"/>
+        <p14:creationId xmlns="" xmlns:p14="http://schemas.microsoft.com/office/powerpoint/2010/main" val="1032052829"/>
       </p:ext>
     </p:extLst>
   </p:cSld>
@@ -5879,7 +6219,6 @@
               <a:rPr lang="zh-CN" altLang="en-US" dirty="0" smtClean="0"/>
               <a:t>前端</a:t>
             </a:r>
-            <a:endParaRPr lang="zh-CN" altLang="en-US" dirty="0" smtClean="0"/>
           </a:p>
           <a:p>
             <a:pPr algn="ctr"/>
@@ -6064,7 +6403,6 @@
               <a:rPr lang="zh-CN" altLang="en-US" dirty="0" smtClean="0"/>
               <a:t>前端</a:t>
             </a:r>
-            <a:endParaRPr lang="zh-CN" altLang="en-US" dirty="0" smtClean="0"/>
           </a:p>
           <a:p>
             <a:pPr algn="ctr"/>
@@ -6243,7 +6581,6 @@
               <a:rPr lang="zh-CN" altLang="en-US" dirty="0" smtClean="0"/>
               <a:t>前端</a:t>
             </a:r>
-            <a:endParaRPr lang="zh-CN" altLang="en-US" dirty="0" smtClean="0"/>
           </a:p>
         </p:txBody>
       </p:sp>
@@ -6530,7 +6867,7 @@
     </p:spTree>
     <p:extLst>
       <p:ext uri="{BB962C8B-B14F-4D97-AF65-F5344CB8AC3E}">
-        <p14:creationId xmlns:p14="http://schemas.microsoft.com/office/powerpoint/2010/main" xmlns="" val="1715805136"/>
+        <p14:creationId xmlns="" xmlns:p14="http://schemas.microsoft.com/office/powerpoint/2010/main" val="1715805136"/>
       </p:ext>
     </p:extLst>
   </p:cSld>
@@ -6868,7 +7205,7 @@
     </p:spTree>
     <p:extLst>
       <p:ext uri="{BB962C8B-B14F-4D97-AF65-F5344CB8AC3E}">
-        <p14:creationId xmlns:p14="http://schemas.microsoft.com/office/powerpoint/2010/main" xmlns="" val="4003009976"/>
+        <p14:creationId xmlns="" xmlns:p14="http://schemas.microsoft.com/office/powerpoint/2010/main" val="4003009976"/>
       </p:ext>
     </p:extLst>
   </p:cSld>
@@ -7664,7 +8001,7 @@
     </p:spTree>
     <p:extLst>
       <p:ext uri="{BB962C8B-B14F-4D97-AF65-F5344CB8AC3E}">
-        <p14:creationId xmlns:p14="http://schemas.microsoft.com/office/powerpoint/2010/main" xmlns="" val="1450791034"/>
+        <p14:creationId xmlns="" xmlns:p14="http://schemas.microsoft.com/office/powerpoint/2010/main" val="1450791034"/>
       </p:ext>
     </p:extLst>
   </p:cSld>
@@ -7715,7 +8052,41 @@
           <a:p>
             <a:r>
               <a:rPr lang="zh-CN" altLang="en-US" dirty="0" smtClean="0"/>
-              <a:t>数据包序列化格式</a:t>
+              <a:t>不优化消息包开关</a:t>
+            </a:r>
+            <a:endParaRPr lang="zh-CN" altLang="en-US" dirty="0"/>
+          </a:p>
+        </p:txBody>
+      </p:sp>
+      <p:sp>
+        <p:nvSpPr>
+          <p:cNvPr id="4" name="TextBox 3"/>
+          <p:cNvSpPr txBox="1"/>
+          <p:nvPr/>
+        </p:nvSpPr>
+        <p:spPr>
+          <a:xfrm>
+            <a:off x="1000100" y="1643050"/>
+            <a:ext cx="7215238" cy="369332"/>
+          </a:xfrm>
+          <a:prstGeom prst="rect">
+            <a:avLst/>
+          </a:prstGeom>
+          <a:noFill/>
+        </p:spPr>
+        <p:txBody>
+          <a:bodyPr wrap="square" rtlCol="0">
+            <a:spAutoFit/>
+          </a:bodyPr>
+          <a:lstStyle/>
+          <a:p>
+            <a:r>
+              <a:rPr lang="en-US" altLang="zh-CN" dirty="0" err="1" smtClean="0"/>
+              <a:t>kbe</a:t>
+            </a:r>
+            <a:r>
+              <a:rPr lang="en-US" altLang="zh-CN" dirty="0" smtClean="0"/>
+              <a:t>\res\server\kbengine_defs.xml</a:t>
             </a:r>
             <a:endParaRPr lang="zh-CN" altLang="en-US" dirty="0"/>
           </a:p>
@@ -7730,13 +8101,7 @@
           <p:nvPr/>
         </p:nvPicPr>
         <p:blipFill>
-          <a:blip r:embed="rId2">
-            <a:extLst>
-              <a:ext uri="{28A0092B-C50C-407E-A947-70E740481C1C}">
-                <a14:useLocalDpi xmlns:a14="http://schemas.microsoft.com/office/drawing/2010/main" xmlns="" val="0"/>
-              </a:ext>
-            </a:extLst>
-          </a:blip>
+          <a:blip r:embed="rId2"/>
           <a:srcRect/>
           <a:stretch>
             <a:fillRect/>
@@ -7744,64 +8109,27 @@
         </p:blipFill>
         <p:spPr bwMode="auto">
           <a:xfrm>
-            <a:off x="108520" y="1196752"/>
-            <a:ext cx="8927976" cy="4464496"/>
+            <a:off x="1071538" y="2143116"/>
+            <a:ext cx="6724650" cy="790575"/>
           </a:xfrm>
           <a:prstGeom prst="rect">
             <a:avLst/>
           </a:prstGeom>
           <a:noFill/>
-          <a:ln>
+          <a:ln w="9525">
             <a:noFill/>
+            <a:miter lim="800000"/>
+            <a:headEnd/>
+            <a:tailEnd/>
           </a:ln>
           <a:effectLst/>
-          <a:extLst>
-            <a:ext uri="{909E8E84-426E-40DD-AFC4-6F175D3DCCD1}">
-              <a14:hiddenFill xmlns:a14="http://schemas.microsoft.com/office/drawing/2010/main" xmlns="">
-                <a:solidFill>
-                  <a:schemeClr val="accent1"/>
-                </a:solidFill>
-              </a14:hiddenFill>
-            </a:ext>
-            <a:ext uri="{91240B29-F687-4F45-9708-019B960494DF}">
-              <a14:hiddenLine xmlns:a14="http://schemas.microsoft.com/office/drawing/2010/main" xmlns="" w="9525">
-                <a:solidFill>
-                  <a:schemeClr val="tx1"/>
-                </a:solidFill>
-                <a:miter lim="800000"/>
-                <a:headEnd/>
-                <a:tailEnd/>
-              </a14:hiddenLine>
-            </a:ext>
-            <a:ext uri="{AF507438-7753-43E0-B8FC-AC1667EBCBE1}">
-              <a14:hiddenEffects xmlns:a14="http://schemas.microsoft.com/office/drawing/2010/main" xmlns="">
-                <a:effectLst>
-                  <a:outerShdw dist="35921" dir="2700000" algn="ctr" rotWithShape="0">
-                    <a:schemeClr val="bg2"/>
-                  </a:outerShdw>
-                </a:effectLst>
-              </a14:hiddenEffects>
-            </a:ext>
-          </a:extLst>
         </p:spPr>
       </p:pic>
     </p:spTree>
-    <p:extLst>
-      <p:ext uri="{BB962C8B-B14F-4D97-AF65-F5344CB8AC3E}">
-        <p14:creationId xmlns:p14="http://schemas.microsoft.com/office/powerpoint/2010/main" xmlns="" val="1169619344"/>
-      </p:ext>
-    </p:extLst>
   </p:cSld>
   <p:clrMapOvr>
     <a:masterClrMapping/>
   </p:clrMapOvr>
-  <p:timing>
-    <p:tnLst>
-      <p:par>
-        <p:cTn id="1" dur="indefinite" restart="never" nodeType="tmRoot"/>
-      </p:par>
-    </p:tnLst>
-  </p:timing>
 </p:sld>
 </file>
 
@@ -7839,178 +8167,80 @@
           <a:p>
             <a:r>
               <a:rPr lang="zh-CN" altLang="en-US" dirty="0" smtClean="0"/>
-              <a:t>数据库</a:t>
+              <a:t>数据包序列化格式</a:t>
             </a:r>
             <a:endParaRPr lang="zh-CN" altLang="en-US" dirty="0"/>
           </a:p>
         </p:txBody>
       </p:sp>
-      <p:sp>
-        <p:nvSpPr>
-          <p:cNvPr id="4" name="矩形 3"/>
-          <p:cNvSpPr/>
-          <p:nvPr/>
-        </p:nvSpPr>
-        <p:spPr>
-          <a:xfrm>
-            <a:off x="4017640" y="2586608"/>
-            <a:ext cx="914400" cy="914400"/>
+      <p:pic>
+        <p:nvPicPr>
+          <p:cNvPr id="1027" name="Picture 3"/>
+          <p:cNvPicPr>
+            <a:picLocks noChangeAspect="1" noChangeArrowheads="1"/>
+          </p:cNvPicPr>
+          <p:nvPr/>
+        </p:nvPicPr>
+        <p:blipFill>
+          <a:blip r:embed="rId2">
+            <a:extLst>
+              <a:ext uri="{28A0092B-C50C-407E-A947-70E740481C1C}">
+                <a14:useLocalDpi xmlns="" xmlns:a14="http://schemas.microsoft.com/office/drawing/2010/main" val="0"/>
+              </a:ext>
+            </a:extLst>
+          </a:blip>
+          <a:srcRect/>
+          <a:stretch>
+            <a:fillRect/>
+          </a:stretch>
+        </p:blipFill>
+        <p:spPr bwMode="auto">
+          <a:xfrm>
+            <a:off x="108520" y="1196752"/>
+            <a:ext cx="8927976" cy="4464496"/>
           </a:xfrm>
           <a:prstGeom prst="rect">
             <a:avLst/>
           </a:prstGeom>
-        </p:spPr>
-        <p:style>
-          <a:lnRef idx="2">
-            <a:schemeClr val="accent1">
-              <a:shade val="50000"/>
-            </a:schemeClr>
-          </a:lnRef>
-          <a:fillRef idx="1">
-            <a:schemeClr val="accent1"/>
-          </a:fillRef>
-          <a:effectRef idx="0">
-            <a:schemeClr val="accent1"/>
-          </a:effectRef>
-          <a:fontRef idx="minor">
-            <a:schemeClr val="lt1"/>
-          </a:fontRef>
-        </p:style>
-        <p:txBody>
-          <a:bodyPr rtlCol="0" anchor="ctr"/>
-          <a:lstStyle/>
-          <a:p>
-            <a:pPr algn="ctr"/>
-            <a:r>
-              <a:rPr lang="en-US" altLang="zh-CN" dirty="0" err="1" smtClean="0"/>
-              <a:t>mysql</a:t>
-            </a:r>
-            <a:endParaRPr lang="zh-CN" altLang="en-US" dirty="0"/>
-          </a:p>
-        </p:txBody>
-      </p:sp>
-      <p:sp>
-        <p:nvSpPr>
-          <p:cNvPr id="5" name="矩形 4"/>
-          <p:cNvSpPr/>
-          <p:nvPr/>
-        </p:nvSpPr>
-        <p:spPr>
-          <a:xfrm>
-            <a:off x="4017640" y="1362472"/>
-            <a:ext cx="914400" cy="914400"/>
-          </a:xfrm>
-          <a:prstGeom prst="rect">
-            <a:avLst/>
-          </a:prstGeom>
-        </p:spPr>
-        <p:style>
-          <a:lnRef idx="2">
-            <a:schemeClr val="accent1">
-              <a:shade val="50000"/>
-            </a:schemeClr>
-          </a:lnRef>
-          <a:fillRef idx="1">
-            <a:schemeClr val="accent1"/>
-          </a:fillRef>
-          <a:effectRef idx="0">
-            <a:schemeClr val="accent1"/>
-          </a:effectRef>
-          <a:fontRef idx="minor">
-            <a:schemeClr val="lt1"/>
-          </a:fontRef>
-        </p:style>
-        <p:txBody>
-          <a:bodyPr rtlCol="0" anchor="ctr"/>
-          <a:lstStyle/>
-          <a:p>
-            <a:pPr algn="ctr"/>
-            <a:r>
-              <a:rPr lang="zh-CN" altLang="en-US" dirty="0" smtClean="0"/>
-              <a:t>数据库管理进程</a:t>
-            </a:r>
-            <a:endParaRPr lang="zh-CN" altLang="en-US" dirty="0"/>
-          </a:p>
-        </p:txBody>
-      </p:sp>
-      <p:cxnSp>
-        <p:nvCxnSpPr>
-          <p:cNvPr id="6" name="直接连接符 5"/>
-          <p:cNvCxnSpPr>
-            <a:stCxn id="5" idx="2"/>
-            <a:endCxn id="4" idx="0"/>
-          </p:cNvCxnSpPr>
-          <p:nvPr/>
-        </p:nvCxnSpPr>
-        <p:spPr>
-          <a:xfrm>
-            <a:off x="4474840" y="2276872"/>
-            <a:ext cx="0" cy="309736"/>
-          </a:xfrm>
-          <a:prstGeom prst="line">
-            <a:avLst/>
-          </a:prstGeom>
-        </p:spPr>
-        <p:style>
-          <a:lnRef idx="1">
-            <a:schemeClr val="accent1"/>
-          </a:lnRef>
-          <a:fillRef idx="0">
-            <a:schemeClr val="accent1"/>
-          </a:fillRef>
-          <a:effectRef idx="0">
-            <a:schemeClr val="accent1"/>
-          </a:effectRef>
-          <a:fontRef idx="minor">
-            <a:schemeClr val="tx1"/>
-          </a:fontRef>
-        </p:style>
-      </p:cxnSp>
-      <p:sp>
-        <p:nvSpPr>
-          <p:cNvPr id="9" name="TextBox 8"/>
-          <p:cNvSpPr txBox="1"/>
-          <p:nvPr/>
-        </p:nvSpPr>
-        <p:spPr>
-          <a:xfrm>
-            <a:off x="1115616" y="4149080"/>
-            <a:ext cx="7848872" cy="646331"/>
-          </a:xfrm>
-          <a:prstGeom prst="rect">
-            <a:avLst/>
-          </a:prstGeom>
           <a:noFill/>
-        </p:spPr>
-        <p:txBody>
-          <a:bodyPr wrap="square" rtlCol="0">
-            <a:spAutoFit/>
-          </a:bodyPr>
-          <a:lstStyle/>
-          <a:p>
-            <a:r>
-              <a:rPr lang="zh-CN" altLang="en-US" dirty="0" smtClean="0"/>
-              <a:t>所有的数据均由数据库管理进程写入</a:t>
-            </a:r>
-            <a:r>
-              <a:rPr lang="en-US" altLang="zh-CN" dirty="0" err="1" smtClean="0"/>
-              <a:t>mysql</a:t>
-            </a:r>
-            <a:r>
-              <a:rPr lang="zh-CN" altLang="en-US" dirty="0" smtClean="0"/>
-              <a:t>和读取。 </a:t>
-            </a:r>
-            <a:endParaRPr lang="en-US" altLang="zh-CN" dirty="0" smtClean="0"/>
-          </a:p>
-          <a:p>
-            <a:endParaRPr lang="zh-CN" altLang="en-US" dirty="0"/>
-          </a:p>
-        </p:txBody>
-      </p:sp>
+          <a:ln>
+            <a:noFill/>
+          </a:ln>
+          <a:effectLst/>
+          <a:extLst>
+            <a:ext uri="{909E8E84-426E-40DD-AFC4-6F175D3DCCD1}">
+              <a14:hiddenFill xmlns="" xmlns:a14="http://schemas.microsoft.com/office/drawing/2010/main">
+                <a:solidFill>
+                  <a:schemeClr val="accent1"/>
+                </a:solidFill>
+              </a14:hiddenFill>
+            </a:ext>
+            <a:ext uri="{91240B29-F687-4F45-9708-019B960494DF}">
+              <a14:hiddenLine xmlns="" xmlns:a14="http://schemas.microsoft.com/office/drawing/2010/main" w="9525">
+                <a:solidFill>
+                  <a:schemeClr val="tx1"/>
+                </a:solidFill>
+                <a:miter lim="800000"/>
+                <a:headEnd/>
+                <a:tailEnd/>
+              </a14:hiddenLine>
+            </a:ext>
+            <a:ext uri="{AF507438-7753-43E0-B8FC-AC1667EBCBE1}">
+              <a14:hiddenEffects xmlns="" xmlns:a14="http://schemas.microsoft.com/office/drawing/2010/main">
+                <a:effectLst>
+                  <a:outerShdw dist="35921" dir="2700000" algn="ctr" rotWithShape="0">
+                    <a:schemeClr val="bg2"/>
+                  </a:outerShdw>
+                </a:effectLst>
+              </a14:hiddenEffects>
+            </a:ext>
+          </a:extLst>
+        </p:spPr>
+      </p:pic>
     </p:spTree>
     <p:extLst>
       <p:ext uri="{BB962C8B-B14F-4D97-AF65-F5344CB8AC3E}">
-        <p14:creationId xmlns:p14="http://schemas.microsoft.com/office/powerpoint/2010/main" xmlns="" val="3949283333"/>
+        <p14:creationId xmlns="" xmlns:p14="http://schemas.microsoft.com/office/powerpoint/2010/main" val="1169619344"/>
       </p:ext>
     </p:extLst>
   </p:cSld>
@@ -8060,91 +8290,179 @@
           <a:lstStyle/>
           <a:p>
             <a:r>
-              <a:rPr lang="zh-CN" altLang="en-US" dirty="0"/>
-              <a:t>合服</a:t>
-            </a:r>
-          </a:p>
-        </p:txBody>
-      </p:sp>
-      <p:sp>
-        <p:nvSpPr>
-          <p:cNvPr id="3" name="内容占位符 2"/>
-          <p:cNvSpPr>
-            <a:spLocks noGrp="1"/>
-          </p:cNvSpPr>
-          <p:nvPr>
-            <p:ph idx="1"/>
-          </p:nvPr>
-        </p:nvSpPr>
-        <p:spPr/>
-        <p:txBody>
-          <a:bodyPr>
-            <a:normAutofit lnSpcReduction="10000"/>
-          </a:bodyPr>
-          <a:lstStyle/>
-          <a:p>
-            <a:r>
-              <a:rPr lang="zh-CN" altLang="en-US" dirty="0" smtClean="0"/>
-              <a:t>理论上我们对每个角色绑定一个唯一</a:t>
-            </a:r>
-            <a:r>
-              <a:rPr lang="en-US" altLang="zh-CN" dirty="0" smtClean="0"/>
-              <a:t>ID</a:t>
-            </a:r>
-            <a:r>
-              <a:rPr lang="zh-CN" altLang="en-US" dirty="0" smtClean="0"/>
-              <a:t>， 某些数据如物品也产生一个</a:t>
-            </a:r>
-            <a:r>
-              <a:rPr lang="en-US" altLang="zh-CN" dirty="0" smtClean="0"/>
-              <a:t>GUID</a:t>
-            </a:r>
-            <a:r>
-              <a:rPr lang="zh-CN" altLang="en-US" dirty="0" smtClean="0"/>
-              <a:t>， 使用</a:t>
-            </a:r>
+              <a:rPr lang="zh-CN" altLang="en-US" dirty="0" smtClean="0"/>
+              <a:t>数据库</a:t>
+            </a:r>
+            <a:endParaRPr lang="zh-CN" altLang="en-US" dirty="0"/>
+          </a:p>
+        </p:txBody>
+      </p:sp>
+      <p:sp>
+        <p:nvSpPr>
+          <p:cNvPr id="4" name="矩形 3"/>
+          <p:cNvSpPr/>
+          <p:nvPr/>
+        </p:nvSpPr>
+        <p:spPr>
+          <a:xfrm>
+            <a:off x="4017640" y="2586608"/>
+            <a:ext cx="914400" cy="914400"/>
+          </a:xfrm>
+          <a:prstGeom prst="rect">
+            <a:avLst/>
+          </a:prstGeom>
+        </p:spPr>
+        <p:style>
+          <a:lnRef idx="2">
+            <a:schemeClr val="accent1">
+              <a:shade val="50000"/>
+            </a:schemeClr>
+          </a:lnRef>
+          <a:fillRef idx="1">
+            <a:schemeClr val="accent1"/>
+          </a:fillRef>
+          <a:effectRef idx="0">
+            <a:schemeClr val="accent1"/>
+          </a:effectRef>
+          <a:fontRef idx="minor">
+            <a:schemeClr val="lt1"/>
+          </a:fontRef>
+        </p:style>
+        <p:txBody>
+          <a:bodyPr rtlCol="0" anchor="ctr"/>
+          <a:lstStyle/>
+          <a:p>
+            <a:pPr algn="ctr"/>
             <a:r>
               <a:rPr lang="en-US" altLang="zh-CN" dirty="0" err="1" smtClean="0"/>
               <a:t>mysql</a:t>
             </a:r>
-            <a:r>
-              <a:rPr lang="zh-CN" altLang="en-US" dirty="0" smtClean="0"/>
-              <a:t>语句管理物品和角色唯一</a:t>
-            </a:r>
-            <a:r>
-              <a:rPr lang="en-US" altLang="zh-CN" dirty="0" smtClean="0"/>
-              <a:t>ID</a:t>
-            </a:r>
-            <a:r>
-              <a:rPr lang="zh-CN" altLang="en-US" dirty="0" smtClean="0"/>
-              <a:t>直接向另一个数据库表合并就完成合服过程， 当然用户名等还需要处理。</a:t>
+            <a:endParaRPr lang="zh-CN" altLang="en-US" dirty="0"/>
+          </a:p>
+        </p:txBody>
+      </p:sp>
+      <p:sp>
+        <p:nvSpPr>
+          <p:cNvPr id="5" name="矩形 4"/>
+          <p:cNvSpPr/>
+          <p:nvPr/>
+        </p:nvSpPr>
+        <p:spPr>
+          <a:xfrm>
+            <a:off x="4017640" y="1362472"/>
+            <a:ext cx="914400" cy="914400"/>
+          </a:xfrm>
+          <a:prstGeom prst="rect">
+            <a:avLst/>
+          </a:prstGeom>
+        </p:spPr>
+        <p:style>
+          <a:lnRef idx="2">
+            <a:schemeClr val="accent1">
+              <a:shade val="50000"/>
+            </a:schemeClr>
+          </a:lnRef>
+          <a:fillRef idx="1">
+            <a:schemeClr val="accent1"/>
+          </a:fillRef>
+          <a:effectRef idx="0">
+            <a:schemeClr val="accent1"/>
+          </a:effectRef>
+          <a:fontRef idx="minor">
+            <a:schemeClr val="lt1"/>
+          </a:fontRef>
+        </p:style>
+        <p:txBody>
+          <a:bodyPr rtlCol="0" anchor="ctr"/>
+          <a:lstStyle/>
+          <a:p>
+            <a:pPr algn="ctr"/>
+            <a:r>
+              <a:rPr lang="zh-CN" altLang="en-US" dirty="0" smtClean="0"/>
+              <a:t>数据库管理进程</a:t>
+            </a:r>
+            <a:endParaRPr lang="zh-CN" altLang="en-US" dirty="0"/>
+          </a:p>
+        </p:txBody>
+      </p:sp>
+      <p:cxnSp>
+        <p:nvCxnSpPr>
+          <p:cNvPr id="6" name="直接连接符 5"/>
+          <p:cNvCxnSpPr>
+            <a:stCxn id="5" idx="2"/>
+            <a:endCxn id="4" idx="0"/>
+          </p:cNvCxnSpPr>
+          <p:nvPr/>
+        </p:nvCxnSpPr>
+        <p:spPr>
+          <a:xfrm>
+            <a:off x="4474840" y="2276872"/>
+            <a:ext cx="0" cy="309736"/>
+          </a:xfrm>
+          <a:prstGeom prst="line">
+            <a:avLst/>
+          </a:prstGeom>
+        </p:spPr>
+        <p:style>
+          <a:lnRef idx="1">
+            <a:schemeClr val="accent1"/>
+          </a:lnRef>
+          <a:fillRef idx="0">
+            <a:schemeClr val="accent1"/>
+          </a:fillRef>
+          <a:effectRef idx="0">
+            <a:schemeClr val="accent1"/>
+          </a:effectRef>
+          <a:fontRef idx="minor">
+            <a:schemeClr val="tx1"/>
+          </a:fontRef>
+        </p:style>
+      </p:cxnSp>
+      <p:sp>
+        <p:nvSpPr>
+          <p:cNvPr id="9" name="TextBox 8"/>
+          <p:cNvSpPr txBox="1"/>
+          <p:nvPr/>
+        </p:nvSpPr>
+        <p:spPr>
+          <a:xfrm>
+            <a:off x="1115616" y="4149080"/>
+            <a:ext cx="7848872" cy="646331"/>
+          </a:xfrm>
+          <a:prstGeom prst="rect">
+            <a:avLst/>
+          </a:prstGeom>
+          <a:noFill/>
+        </p:spPr>
+        <p:txBody>
+          <a:bodyPr wrap="square" rtlCol="0">
+            <a:spAutoFit/>
+          </a:bodyPr>
+          <a:lstStyle/>
+          <a:p>
+            <a:r>
+              <a:rPr lang="zh-CN" altLang="en-US" dirty="0" smtClean="0"/>
+              <a:t>所有的数据均由数据库管理进程写入</a:t>
+            </a:r>
+            <a:r>
+              <a:rPr lang="en-US" altLang="zh-CN" dirty="0" err="1" smtClean="0"/>
+              <a:t>mysql</a:t>
+            </a:r>
+            <a:r>
+              <a:rPr lang="zh-CN" altLang="en-US" dirty="0" smtClean="0"/>
+              <a:t>和读取。 </a:t>
             </a:r>
             <a:endParaRPr lang="en-US" altLang="zh-CN" dirty="0" smtClean="0"/>
           </a:p>
           <a:p>
-            <a:r>
-              <a:rPr lang="zh-CN" altLang="en-US" dirty="0" smtClean="0"/>
-              <a:t>方式</a:t>
-            </a:r>
-            <a:r>
-              <a:rPr lang="en-US" altLang="zh-CN" dirty="0" smtClean="0"/>
-              <a:t>2</a:t>
-            </a:r>
-            <a:r>
-              <a:rPr lang="zh-CN" altLang="en-US" dirty="0" smtClean="0"/>
-              <a:t>：另写一个合服程序将某个数据库表相关数据合并到另一个数据库表， 完成相关关系处理， 用户名称重名等相关处理即可合服。</a:t>
-            </a:r>
-            <a:endParaRPr lang="en-US" altLang="zh-CN" dirty="0"/>
-          </a:p>
-          <a:p>
-            <a:endParaRPr lang="en-US" altLang="zh-CN" dirty="0" smtClean="0"/>
+            <a:endParaRPr lang="zh-CN" altLang="en-US" dirty="0"/>
           </a:p>
         </p:txBody>
       </p:sp>
     </p:spTree>
     <p:extLst>
       <p:ext uri="{BB962C8B-B14F-4D97-AF65-F5344CB8AC3E}">
-        <p14:creationId xmlns:p14="http://schemas.microsoft.com/office/powerpoint/2010/main" xmlns="" val="3681175402"/>
+        <p14:creationId xmlns="" xmlns:p14="http://schemas.microsoft.com/office/powerpoint/2010/main" val="3949283333"/>
       </p:ext>
     </p:extLst>
   </p:cSld>

--- a/kbe/doc/server_overview.pptx
+++ b/kbe/doc/server_overview.pptx
@@ -19,6 +19,7 @@
     <p:sldId id="266" r:id="rId13"/>
     <p:sldId id="267" r:id="rId14"/>
     <p:sldId id="268" r:id="rId15"/>
+    <p:sldId id="270" r:id="rId16"/>
   </p:sldIdLst>
   <p:sldSz cx="9144000" cy="6858000" type="screen4x3"/>
   <p:notesSz cx="6858000" cy="9144000"/>
@@ -302,7 +303,7 @@
             <a:fld id="{530820CF-B880-4189-942D-D702A7CBA730}" type="datetimeFigureOut">
               <a:rPr lang="zh-CN" altLang="en-US" smtClean="0"/>
               <a:pPr/>
-              <a:t>2012-8-9</a:t>
+              <a:t>2012-8-13</a:t>
             </a:fld>
             <a:endParaRPr lang="zh-CN" altLang="en-US"/>
           </a:p>
@@ -469,7 +470,7 @@
             <a:fld id="{530820CF-B880-4189-942D-D702A7CBA730}" type="datetimeFigureOut">
               <a:rPr lang="zh-CN" altLang="en-US" smtClean="0"/>
               <a:pPr/>
-              <a:t>2012-8-9</a:t>
+              <a:t>2012-8-13</a:t>
             </a:fld>
             <a:endParaRPr lang="zh-CN" altLang="en-US"/>
           </a:p>
@@ -646,7 +647,7 @@
             <a:fld id="{530820CF-B880-4189-942D-D702A7CBA730}" type="datetimeFigureOut">
               <a:rPr lang="zh-CN" altLang="en-US" smtClean="0"/>
               <a:pPr/>
-              <a:t>2012-8-9</a:t>
+              <a:t>2012-8-13</a:t>
             </a:fld>
             <a:endParaRPr lang="zh-CN" altLang="en-US"/>
           </a:p>
@@ -813,7 +814,7 @@
             <a:fld id="{530820CF-B880-4189-942D-D702A7CBA730}" type="datetimeFigureOut">
               <a:rPr lang="zh-CN" altLang="en-US" smtClean="0"/>
               <a:pPr/>
-              <a:t>2012-8-9</a:t>
+              <a:t>2012-8-13</a:t>
             </a:fld>
             <a:endParaRPr lang="zh-CN" altLang="en-US"/>
           </a:p>
@@ -1056,7 +1057,7 @@
             <a:fld id="{530820CF-B880-4189-942D-D702A7CBA730}" type="datetimeFigureOut">
               <a:rPr lang="zh-CN" altLang="en-US" smtClean="0"/>
               <a:pPr/>
-              <a:t>2012-8-9</a:t>
+              <a:t>2012-8-13</a:t>
             </a:fld>
             <a:endParaRPr lang="zh-CN" altLang="en-US"/>
           </a:p>
@@ -1341,7 +1342,7 @@
             <a:fld id="{530820CF-B880-4189-942D-D702A7CBA730}" type="datetimeFigureOut">
               <a:rPr lang="zh-CN" altLang="en-US" smtClean="0"/>
               <a:pPr/>
-              <a:t>2012-8-9</a:t>
+              <a:t>2012-8-13</a:t>
             </a:fld>
             <a:endParaRPr lang="zh-CN" altLang="en-US"/>
           </a:p>
@@ -1760,7 +1761,7 @@
             <a:fld id="{530820CF-B880-4189-942D-D702A7CBA730}" type="datetimeFigureOut">
               <a:rPr lang="zh-CN" altLang="en-US" smtClean="0"/>
               <a:pPr/>
-              <a:t>2012-8-9</a:t>
+              <a:t>2012-8-13</a:t>
             </a:fld>
             <a:endParaRPr lang="zh-CN" altLang="en-US"/>
           </a:p>
@@ -1875,7 +1876,7 @@
             <a:fld id="{530820CF-B880-4189-942D-D702A7CBA730}" type="datetimeFigureOut">
               <a:rPr lang="zh-CN" altLang="en-US" smtClean="0"/>
               <a:pPr/>
-              <a:t>2012-8-9</a:t>
+              <a:t>2012-8-13</a:t>
             </a:fld>
             <a:endParaRPr lang="zh-CN" altLang="en-US"/>
           </a:p>
@@ -1967,7 +1968,7 @@
             <a:fld id="{530820CF-B880-4189-942D-D702A7CBA730}" type="datetimeFigureOut">
               <a:rPr lang="zh-CN" altLang="en-US" smtClean="0"/>
               <a:pPr/>
-              <a:t>2012-8-9</a:t>
+              <a:t>2012-8-13</a:t>
             </a:fld>
             <a:endParaRPr lang="zh-CN" altLang="en-US"/>
           </a:p>
@@ -2241,7 +2242,7 @@
             <a:fld id="{530820CF-B880-4189-942D-D702A7CBA730}" type="datetimeFigureOut">
               <a:rPr lang="zh-CN" altLang="en-US" smtClean="0"/>
               <a:pPr/>
-              <a:t>2012-8-9</a:t>
+              <a:t>2012-8-13</a:t>
             </a:fld>
             <a:endParaRPr lang="zh-CN" altLang="en-US"/>
           </a:p>
@@ -2491,7 +2492,7 @@
             <a:fld id="{530820CF-B880-4189-942D-D702A7CBA730}" type="datetimeFigureOut">
               <a:rPr lang="zh-CN" altLang="en-US" smtClean="0"/>
               <a:pPr/>
-              <a:t>2012-8-9</a:t>
+              <a:t>2012-8-13</a:t>
             </a:fld>
             <a:endParaRPr lang="zh-CN" altLang="en-US"/>
           </a:p>
@@ -2701,7 +2702,7 @@
             <a:fld id="{530820CF-B880-4189-942D-D702A7CBA730}" type="datetimeFigureOut">
               <a:rPr lang="zh-CN" altLang="en-US" smtClean="0"/>
               <a:pPr/>
-              <a:t>2012-8-9</a:t>
+              <a:t>2012-8-13</a:t>
             </a:fld>
             <a:endParaRPr lang="zh-CN" altLang="en-US"/>
           </a:p>
@@ -3154,7 +3155,7 @@
     </p:spTree>
     <p:extLst>
       <p:ext uri="{BB962C8B-B14F-4D97-AF65-F5344CB8AC3E}">
-        <p14:creationId xmlns="" xmlns:p14="http://schemas.microsoft.com/office/powerpoint/2010/main" val="2274749693"/>
+        <p14:creationId xmlns:p14="http://schemas.microsoft.com/office/powerpoint/2010/main" xmlns="" val="2274749693"/>
       </p:ext>
     </p:extLst>
   </p:cSld>
@@ -3288,7 +3289,7 @@
     </p:spTree>
     <p:extLst>
       <p:ext uri="{BB962C8B-B14F-4D97-AF65-F5344CB8AC3E}">
-        <p14:creationId xmlns="" xmlns:p14="http://schemas.microsoft.com/office/powerpoint/2010/main" val="3681175402"/>
+        <p14:creationId xmlns:p14="http://schemas.microsoft.com/office/powerpoint/2010/main" xmlns="" val="3681175402"/>
       </p:ext>
     </p:extLst>
   </p:cSld>
@@ -3409,7 +3410,7 @@
     </p:spTree>
     <p:extLst>
       <p:ext uri="{BB962C8B-B14F-4D97-AF65-F5344CB8AC3E}">
-        <p14:creationId xmlns="" xmlns:p14="http://schemas.microsoft.com/office/powerpoint/2010/main" val="2876153112"/>
+        <p14:creationId xmlns:p14="http://schemas.microsoft.com/office/powerpoint/2010/main" xmlns="" val="2876153112"/>
       </p:ext>
     </p:extLst>
   </p:cSld>
@@ -3499,7 +3500,7 @@
     </p:spTree>
     <p:extLst>
       <p:ext uri="{BB962C8B-B14F-4D97-AF65-F5344CB8AC3E}">
-        <p14:creationId xmlns="" xmlns:p14="http://schemas.microsoft.com/office/powerpoint/2010/main" val="1014694900"/>
+        <p14:creationId xmlns:p14="http://schemas.microsoft.com/office/powerpoint/2010/main" xmlns="" val="1014694900"/>
       </p:ext>
     </p:extLst>
   </p:cSld>
@@ -3862,6 +3863,307 @@
 </p:sld>
 </file>
 
+<file path=ppt/slides/slide15.xml><?xml version="1.0" encoding="utf-8"?>
+<p:sld xmlns:a="http://schemas.openxmlformats.org/drawingml/2006/main" xmlns:r="http://schemas.openxmlformats.org/officeDocument/2006/relationships" xmlns:p="http://schemas.openxmlformats.org/presentationml/2006/main">
+  <p:cSld>
+    <p:spTree>
+      <p:nvGrpSpPr>
+        <p:cNvPr id="1" name=""/>
+        <p:cNvGrpSpPr/>
+        <p:nvPr/>
+      </p:nvGrpSpPr>
+      <p:grpSpPr>
+        <a:xfrm>
+          <a:off x="0" y="0"/>
+          <a:ext cx="0" cy="0"/>
+          <a:chOff x="0" y="0"/>
+          <a:chExt cx="0" cy="0"/>
+        </a:xfrm>
+      </p:grpSpPr>
+      <p:sp>
+        <p:nvSpPr>
+          <p:cNvPr id="2" name="标题 1"/>
+          <p:cNvSpPr>
+            <a:spLocks noGrp="1"/>
+          </p:cNvSpPr>
+          <p:nvPr>
+            <p:ph type="title"/>
+          </p:nvPr>
+        </p:nvSpPr>
+        <p:spPr/>
+        <p:txBody>
+          <a:bodyPr/>
+          <a:lstStyle/>
+          <a:p>
+            <a:r>
+              <a:rPr lang="zh-CN" altLang="en-US" dirty="0" smtClean="0"/>
+              <a:t>配置环境变量</a:t>
+            </a:r>
+            <a:endParaRPr lang="zh-CN" altLang="en-US" dirty="0"/>
+          </a:p>
+        </p:txBody>
+      </p:sp>
+      <p:sp>
+        <p:nvSpPr>
+          <p:cNvPr id="4" name="TextBox 3"/>
+          <p:cNvSpPr txBox="1"/>
+          <p:nvPr/>
+        </p:nvSpPr>
+        <p:spPr>
+          <a:xfrm>
+            <a:off x="0" y="1643050"/>
+            <a:ext cx="9001156" cy="1754326"/>
+          </a:xfrm>
+          <a:prstGeom prst="rect">
+            <a:avLst/>
+          </a:prstGeom>
+          <a:noFill/>
+        </p:spPr>
+        <p:txBody>
+          <a:bodyPr wrap="square" rtlCol="0">
+            <a:spAutoFit/>
+          </a:bodyPr>
+          <a:lstStyle/>
+          <a:p>
+            <a:r>
+              <a:rPr lang="en-US" altLang="zh-CN" dirty="0" err="1" smtClean="0"/>
+              <a:t>ulimit</a:t>
+            </a:r>
+            <a:r>
+              <a:rPr lang="en-US" altLang="zh-CN" dirty="0" smtClean="0"/>
+              <a:t> -c </a:t>
+            </a:r>
+            <a:r>
+              <a:rPr lang="en-US" altLang="zh-CN" dirty="0" smtClean="0"/>
+              <a:t>unlimited</a:t>
+            </a:r>
+          </a:p>
+          <a:p>
+            <a:endParaRPr lang="en-US" altLang="zh-CN" dirty="0" smtClean="0"/>
+          </a:p>
+          <a:p>
+            <a:r>
+              <a:rPr lang="en-US" altLang="zh-CN" dirty="0" smtClean="0"/>
+              <a:t>export KBE_ROOT=/root/</a:t>
+            </a:r>
+            <a:r>
+              <a:rPr lang="en-US" altLang="zh-CN" dirty="0" err="1" smtClean="0"/>
+              <a:t>kbengine</a:t>
+            </a:r>
+            <a:r>
+              <a:rPr lang="en-US" altLang="zh-CN" dirty="0" smtClean="0"/>
+              <a:t>/</a:t>
+            </a:r>
+          </a:p>
+          <a:p>
+            <a:r>
+              <a:rPr lang="en-US" altLang="zh-CN" dirty="0" smtClean="0"/>
+              <a:t>export KBE_RES_PATH='/root/</a:t>
+            </a:r>
+            <a:r>
+              <a:rPr lang="en-US" altLang="zh-CN" dirty="0" err="1" smtClean="0"/>
+              <a:t>kbengine</a:t>
+            </a:r>
+            <a:r>
+              <a:rPr lang="en-US" altLang="zh-CN" dirty="0" smtClean="0"/>
+              <a:t>/</a:t>
+            </a:r>
+            <a:r>
+              <a:rPr lang="en-US" altLang="zh-CN" dirty="0" err="1" smtClean="0"/>
+              <a:t>kbe</a:t>
+            </a:r>
+            <a:r>
+              <a:rPr lang="en-US" altLang="zh-CN" dirty="0" smtClean="0"/>
+              <a:t>/res/;/root/</a:t>
+            </a:r>
+            <a:r>
+              <a:rPr lang="en-US" altLang="zh-CN" dirty="0" err="1" smtClean="0"/>
+              <a:t>kbengine</a:t>
+            </a:r>
+            <a:r>
+              <a:rPr lang="en-US" altLang="zh-CN" dirty="0" smtClean="0"/>
+              <a:t>/demo/;/root/</a:t>
+            </a:r>
+            <a:r>
+              <a:rPr lang="en-US" altLang="zh-CN" dirty="0" err="1" smtClean="0"/>
+              <a:t>kbengine</a:t>
+            </a:r>
+            <a:r>
+              <a:rPr lang="en-US" altLang="zh-CN" dirty="0" smtClean="0"/>
+              <a:t>/demo/res/'</a:t>
+            </a:r>
+          </a:p>
+          <a:p>
+            <a:r>
+              <a:rPr lang="en-US" altLang="zh-CN" dirty="0" smtClean="0"/>
+              <a:t>export KBE_HYBRID_PATH=/root/</a:t>
+            </a:r>
+            <a:r>
+              <a:rPr lang="en-US" altLang="zh-CN" dirty="0" err="1" smtClean="0"/>
+              <a:t>kbengine</a:t>
+            </a:r>
+            <a:r>
+              <a:rPr lang="en-US" altLang="zh-CN" dirty="0" smtClean="0"/>
+              <a:t>/</a:t>
+            </a:r>
+            <a:r>
+              <a:rPr lang="en-US" altLang="zh-CN" dirty="0" err="1" smtClean="0"/>
+              <a:t>kbe</a:t>
+            </a:r>
+            <a:r>
+              <a:rPr lang="en-US" altLang="zh-CN" dirty="0" smtClean="0"/>
+              <a:t>/bin/Hybrid64/</a:t>
+            </a:r>
+            <a:endParaRPr lang="zh-CN" altLang="en-US" dirty="0"/>
+          </a:p>
+        </p:txBody>
+      </p:sp>
+      <p:sp>
+        <p:nvSpPr>
+          <p:cNvPr id="5" name="TextBox 4"/>
+          <p:cNvSpPr txBox="1"/>
+          <p:nvPr/>
+        </p:nvSpPr>
+        <p:spPr>
+          <a:xfrm>
+            <a:off x="0" y="4214819"/>
+            <a:ext cx="8429652" cy="2585323"/>
+          </a:xfrm>
+          <a:prstGeom prst="rect">
+            <a:avLst/>
+          </a:prstGeom>
+          <a:noFill/>
+        </p:spPr>
+        <p:txBody>
+          <a:bodyPr wrap="square" rtlCol="0">
+            <a:spAutoFit/>
+          </a:bodyPr>
+          <a:lstStyle/>
+          <a:p>
+            <a:r>
+              <a:rPr lang="en-US" altLang="zh-CN" dirty="0" smtClean="0"/>
+              <a:t>KBE_ROOT:  </a:t>
+            </a:r>
+            <a:r>
+              <a:rPr lang="zh-CN" altLang="en-US" dirty="0" smtClean="0"/>
+              <a:t>既引擎根目录</a:t>
+            </a:r>
+            <a:endParaRPr lang="en-US" altLang="zh-CN" dirty="0" smtClean="0"/>
+          </a:p>
+          <a:p>
+            <a:endParaRPr lang="en-US" altLang="zh-CN" dirty="0" smtClean="0"/>
+          </a:p>
+          <a:p>
+            <a:r>
+              <a:rPr lang="en-US" altLang="zh-CN" dirty="0" smtClean="0"/>
+              <a:t>KBE_RES_PATH: </a:t>
+            </a:r>
+            <a:r>
+              <a:rPr lang="zh-CN" altLang="en-US" dirty="0" smtClean="0">
+                <a:solidFill>
+                  <a:srgbClr val="FF0000"/>
+                </a:solidFill>
+              </a:rPr>
+              <a:t>第一个</a:t>
+            </a:r>
+            <a:r>
+              <a:rPr lang="en-US" altLang="zh-CN" dirty="0" smtClean="0">
+                <a:solidFill>
+                  <a:srgbClr val="FF0000"/>
+                </a:solidFill>
+              </a:rPr>
+              <a:t>path</a:t>
+            </a:r>
+            <a:r>
+              <a:rPr lang="zh-CN" altLang="en-US" dirty="0" smtClean="0">
+                <a:solidFill>
+                  <a:srgbClr val="FF0000"/>
+                </a:solidFill>
+              </a:rPr>
+              <a:t>必须是引擎核心脚本资源地址， 第二个必须是用户游戏逻辑工程的根目录</a:t>
+            </a:r>
+            <a:r>
+              <a:rPr lang="zh-CN" altLang="en-US" dirty="0" smtClean="0"/>
+              <a:t>， 后面的路径随意但必须是</a:t>
+            </a:r>
+            <a:r>
+              <a:rPr lang="en-US" altLang="zh-CN" dirty="0" smtClean="0"/>
+              <a:t>KBE_ROOT</a:t>
+            </a:r>
+            <a:r>
+              <a:rPr lang="zh-CN" altLang="en-US" dirty="0" smtClean="0"/>
+              <a:t>目录下面的。</a:t>
+            </a:r>
+            <a:endParaRPr lang="en-US" altLang="zh-CN" dirty="0" smtClean="0"/>
+          </a:p>
+          <a:p>
+            <a:endParaRPr lang="en-US" altLang="zh-CN" dirty="0" smtClean="0"/>
+          </a:p>
+          <a:p>
+            <a:r>
+              <a:rPr lang="en-US" altLang="zh-CN" dirty="0" smtClean="0"/>
+              <a:t>KBE_HYBRID_PATH: </a:t>
+            </a:r>
+            <a:r>
+              <a:rPr lang="zh-CN" altLang="en-US" dirty="0" smtClean="0"/>
+              <a:t>既引擎二进制文件地址</a:t>
+            </a:r>
+            <a:endParaRPr lang="en-US" altLang="zh-CN" dirty="0" smtClean="0"/>
+          </a:p>
+          <a:p>
+            <a:endParaRPr lang="en-US" altLang="zh-CN" dirty="0" smtClean="0"/>
+          </a:p>
+          <a:p>
+            <a:r>
+              <a:rPr lang="en-US" altLang="zh-CN" dirty="0" err="1" smtClean="0"/>
+              <a:t>ulimit</a:t>
+            </a:r>
+            <a:r>
+              <a:rPr lang="en-US" altLang="zh-CN" dirty="0" smtClean="0"/>
+              <a:t> -c </a:t>
+            </a:r>
+            <a:r>
+              <a:rPr lang="en-US" altLang="zh-CN" dirty="0" smtClean="0"/>
+              <a:t>unlimited (</a:t>
+            </a:r>
+            <a:r>
+              <a:rPr lang="zh-CN" altLang="en-US" dirty="0" smtClean="0"/>
+              <a:t>可选项： </a:t>
+            </a:r>
+            <a:r>
+              <a:rPr lang="en-US" altLang="zh-CN" dirty="0" err="1" smtClean="0"/>
+              <a:t>linux</a:t>
+            </a:r>
+            <a:r>
+              <a:rPr lang="zh-CN" altLang="en-US" dirty="0" smtClean="0"/>
+              <a:t>下允许</a:t>
+            </a:r>
+            <a:r>
+              <a:rPr lang="en-US" altLang="zh-CN" dirty="0" smtClean="0"/>
+              <a:t>core</a:t>
+            </a:r>
+            <a:r>
+              <a:rPr lang="zh-CN" altLang="en-US" dirty="0" smtClean="0"/>
+              <a:t>文件的产生</a:t>
+            </a:r>
+            <a:r>
+              <a:rPr lang="en-US" altLang="zh-CN" dirty="0" smtClean="0"/>
+              <a:t>)</a:t>
+            </a:r>
+          </a:p>
+          <a:p>
+            <a:endParaRPr lang="en-US" altLang="zh-CN" dirty="0" smtClean="0"/>
+          </a:p>
+        </p:txBody>
+      </p:sp>
+    </p:spTree>
+  </p:cSld>
+  <p:clrMapOvr>
+    <a:masterClrMapping/>
+  </p:clrMapOvr>
+</p:sld>
+</file>
+
 <file path=ppt/slides/slide2.xml><?xml version="1.0" encoding="utf-8"?>
 <p:sld xmlns:a="http://schemas.openxmlformats.org/drawingml/2006/main" xmlns:r="http://schemas.openxmlformats.org/officeDocument/2006/relationships" xmlns:p="http://schemas.openxmlformats.org/presentationml/2006/main">
   <p:cSld>
@@ -5326,7 +5628,7 @@
     </p:spTree>
     <p:extLst>
       <p:ext uri="{BB962C8B-B14F-4D97-AF65-F5344CB8AC3E}">
-        <p14:creationId xmlns="" xmlns:p14="http://schemas.microsoft.com/office/powerpoint/2010/main" val="527084161"/>
+        <p14:creationId xmlns:p14="http://schemas.microsoft.com/office/powerpoint/2010/main" xmlns="" val="527084161"/>
       </p:ext>
     </p:extLst>
   </p:cSld>
@@ -5591,7 +5893,7 @@
     </p:spTree>
     <p:extLst>
       <p:ext uri="{BB962C8B-B14F-4D97-AF65-F5344CB8AC3E}">
-        <p14:creationId xmlns="" xmlns:p14="http://schemas.microsoft.com/office/powerpoint/2010/main" val="1032052829"/>
+        <p14:creationId xmlns:p14="http://schemas.microsoft.com/office/powerpoint/2010/main" xmlns="" val="1032052829"/>
       </p:ext>
     </p:extLst>
   </p:cSld>
@@ -6867,7 +7169,7 @@
     </p:spTree>
     <p:extLst>
       <p:ext uri="{BB962C8B-B14F-4D97-AF65-F5344CB8AC3E}">
-        <p14:creationId xmlns="" xmlns:p14="http://schemas.microsoft.com/office/powerpoint/2010/main" val="1715805136"/>
+        <p14:creationId xmlns:p14="http://schemas.microsoft.com/office/powerpoint/2010/main" xmlns="" val="1715805136"/>
       </p:ext>
     </p:extLst>
   </p:cSld>
@@ -7205,7 +7507,7 @@
     </p:spTree>
     <p:extLst>
       <p:ext uri="{BB962C8B-B14F-4D97-AF65-F5344CB8AC3E}">
-        <p14:creationId xmlns="" xmlns:p14="http://schemas.microsoft.com/office/powerpoint/2010/main" val="4003009976"/>
+        <p14:creationId xmlns:p14="http://schemas.microsoft.com/office/powerpoint/2010/main" xmlns="" val="4003009976"/>
       </p:ext>
     </p:extLst>
   </p:cSld>
@@ -8001,7 +8303,7 @@
     </p:spTree>
     <p:extLst>
       <p:ext uri="{BB962C8B-B14F-4D97-AF65-F5344CB8AC3E}">
-        <p14:creationId xmlns="" xmlns:p14="http://schemas.microsoft.com/office/powerpoint/2010/main" val="1450791034"/>
+        <p14:creationId xmlns:p14="http://schemas.microsoft.com/office/powerpoint/2010/main" xmlns="" val="1450791034"/>
       </p:ext>
     </p:extLst>
   </p:cSld>
@@ -8185,7 +8487,7 @@
           <a:blip r:embed="rId2">
             <a:extLst>
               <a:ext uri="{28A0092B-C50C-407E-A947-70E740481C1C}">
-                <a14:useLocalDpi xmlns="" xmlns:a14="http://schemas.microsoft.com/office/drawing/2010/main" val="0"/>
+                <a14:useLocalDpi xmlns:a14="http://schemas.microsoft.com/office/drawing/2010/main" xmlns="" val="0"/>
               </a:ext>
             </a:extLst>
           </a:blip>
@@ -8209,14 +8511,14 @@
           <a:effectLst/>
           <a:extLst>
             <a:ext uri="{909E8E84-426E-40DD-AFC4-6F175D3DCCD1}">
-              <a14:hiddenFill xmlns="" xmlns:a14="http://schemas.microsoft.com/office/drawing/2010/main">
+              <a14:hiddenFill xmlns:a14="http://schemas.microsoft.com/office/drawing/2010/main" xmlns="">
                 <a:solidFill>
                   <a:schemeClr val="accent1"/>
                 </a:solidFill>
               </a14:hiddenFill>
             </a:ext>
             <a:ext uri="{91240B29-F687-4F45-9708-019B960494DF}">
-              <a14:hiddenLine xmlns="" xmlns:a14="http://schemas.microsoft.com/office/drawing/2010/main" w="9525">
+              <a14:hiddenLine xmlns:a14="http://schemas.microsoft.com/office/drawing/2010/main" xmlns="" w="9525">
                 <a:solidFill>
                   <a:schemeClr val="tx1"/>
                 </a:solidFill>
@@ -8226,7 +8528,7 @@
               </a14:hiddenLine>
             </a:ext>
             <a:ext uri="{AF507438-7753-43E0-B8FC-AC1667EBCBE1}">
-              <a14:hiddenEffects xmlns="" xmlns:a14="http://schemas.microsoft.com/office/drawing/2010/main">
+              <a14:hiddenEffects xmlns:a14="http://schemas.microsoft.com/office/drawing/2010/main" xmlns="">
                 <a:effectLst>
                   <a:outerShdw dist="35921" dir="2700000" algn="ctr" rotWithShape="0">
                     <a:schemeClr val="bg2"/>
@@ -8240,7 +8542,7 @@
     </p:spTree>
     <p:extLst>
       <p:ext uri="{BB962C8B-B14F-4D97-AF65-F5344CB8AC3E}">
-        <p14:creationId xmlns="" xmlns:p14="http://schemas.microsoft.com/office/powerpoint/2010/main" val="1169619344"/>
+        <p14:creationId xmlns:p14="http://schemas.microsoft.com/office/powerpoint/2010/main" xmlns="" val="1169619344"/>
       </p:ext>
     </p:extLst>
   </p:cSld>
@@ -8462,7 +8764,7 @@
     </p:spTree>
     <p:extLst>
       <p:ext uri="{BB962C8B-B14F-4D97-AF65-F5344CB8AC3E}">
-        <p14:creationId xmlns="" xmlns:p14="http://schemas.microsoft.com/office/powerpoint/2010/main" val="3949283333"/>
+        <p14:creationId xmlns:p14="http://schemas.microsoft.com/office/powerpoint/2010/main" xmlns="" val="3949283333"/>
       </p:ext>
     </p:extLst>
   </p:cSld>

--- a/kbe/doc/server_overview.pptx
+++ b/kbe/doc/server_overview.pptx
@@ -20,6 +20,8 @@
     <p:sldId id="267" r:id="rId14"/>
     <p:sldId id="268" r:id="rId15"/>
     <p:sldId id="270" r:id="rId16"/>
+    <p:sldId id="271" r:id="rId17"/>
+    <p:sldId id="272" r:id="rId18"/>
   </p:sldIdLst>
   <p:sldSz cx="9144000" cy="6858000" type="screen4x3"/>
   <p:notesSz cx="6858000" cy="9144000"/>
@@ -303,7 +305,7 @@
             <a:fld id="{530820CF-B880-4189-942D-D702A7CBA730}" type="datetimeFigureOut">
               <a:rPr lang="zh-CN" altLang="en-US" smtClean="0"/>
               <a:pPr/>
-              <a:t>2012-8-13</a:t>
+              <a:t>2012-8-17</a:t>
             </a:fld>
             <a:endParaRPr lang="zh-CN" altLang="en-US"/>
           </a:p>
@@ -470,7 +472,7 @@
             <a:fld id="{530820CF-B880-4189-942D-D702A7CBA730}" type="datetimeFigureOut">
               <a:rPr lang="zh-CN" altLang="en-US" smtClean="0"/>
               <a:pPr/>
-              <a:t>2012-8-13</a:t>
+              <a:t>2012-8-17</a:t>
             </a:fld>
             <a:endParaRPr lang="zh-CN" altLang="en-US"/>
           </a:p>
@@ -647,7 +649,7 @@
             <a:fld id="{530820CF-B880-4189-942D-D702A7CBA730}" type="datetimeFigureOut">
               <a:rPr lang="zh-CN" altLang="en-US" smtClean="0"/>
               <a:pPr/>
-              <a:t>2012-8-13</a:t>
+              <a:t>2012-8-17</a:t>
             </a:fld>
             <a:endParaRPr lang="zh-CN" altLang="en-US"/>
           </a:p>
@@ -814,7 +816,7 @@
             <a:fld id="{530820CF-B880-4189-942D-D702A7CBA730}" type="datetimeFigureOut">
               <a:rPr lang="zh-CN" altLang="en-US" smtClean="0"/>
               <a:pPr/>
-              <a:t>2012-8-13</a:t>
+              <a:t>2012-8-17</a:t>
             </a:fld>
             <a:endParaRPr lang="zh-CN" altLang="en-US"/>
           </a:p>
@@ -1057,7 +1059,7 @@
             <a:fld id="{530820CF-B880-4189-942D-D702A7CBA730}" type="datetimeFigureOut">
               <a:rPr lang="zh-CN" altLang="en-US" smtClean="0"/>
               <a:pPr/>
-              <a:t>2012-8-13</a:t>
+              <a:t>2012-8-17</a:t>
             </a:fld>
             <a:endParaRPr lang="zh-CN" altLang="en-US"/>
           </a:p>
@@ -1342,7 +1344,7 @@
             <a:fld id="{530820CF-B880-4189-942D-D702A7CBA730}" type="datetimeFigureOut">
               <a:rPr lang="zh-CN" altLang="en-US" smtClean="0"/>
               <a:pPr/>
-              <a:t>2012-8-13</a:t>
+              <a:t>2012-8-17</a:t>
             </a:fld>
             <a:endParaRPr lang="zh-CN" altLang="en-US"/>
           </a:p>
@@ -1761,7 +1763,7 @@
             <a:fld id="{530820CF-B880-4189-942D-D702A7CBA730}" type="datetimeFigureOut">
               <a:rPr lang="zh-CN" altLang="en-US" smtClean="0"/>
               <a:pPr/>
-              <a:t>2012-8-13</a:t>
+              <a:t>2012-8-17</a:t>
             </a:fld>
             <a:endParaRPr lang="zh-CN" altLang="en-US"/>
           </a:p>
@@ -1876,7 +1878,7 @@
             <a:fld id="{530820CF-B880-4189-942D-D702A7CBA730}" type="datetimeFigureOut">
               <a:rPr lang="zh-CN" altLang="en-US" smtClean="0"/>
               <a:pPr/>
-              <a:t>2012-8-13</a:t>
+              <a:t>2012-8-17</a:t>
             </a:fld>
             <a:endParaRPr lang="zh-CN" altLang="en-US"/>
           </a:p>
@@ -1968,7 +1970,7 @@
             <a:fld id="{530820CF-B880-4189-942D-D702A7CBA730}" type="datetimeFigureOut">
               <a:rPr lang="zh-CN" altLang="en-US" smtClean="0"/>
               <a:pPr/>
-              <a:t>2012-8-13</a:t>
+              <a:t>2012-8-17</a:t>
             </a:fld>
             <a:endParaRPr lang="zh-CN" altLang="en-US"/>
           </a:p>
@@ -2242,7 +2244,7 @@
             <a:fld id="{530820CF-B880-4189-942D-D702A7CBA730}" type="datetimeFigureOut">
               <a:rPr lang="zh-CN" altLang="en-US" smtClean="0"/>
               <a:pPr/>
-              <a:t>2012-8-13</a:t>
+              <a:t>2012-8-17</a:t>
             </a:fld>
             <a:endParaRPr lang="zh-CN" altLang="en-US"/>
           </a:p>
@@ -2492,7 +2494,7 @@
             <a:fld id="{530820CF-B880-4189-942D-D702A7CBA730}" type="datetimeFigureOut">
               <a:rPr lang="zh-CN" altLang="en-US" smtClean="0"/>
               <a:pPr/>
-              <a:t>2012-8-13</a:t>
+              <a:t>2012-8-17</a:t>
             </a:fld>
             <a:endParaRPr lang="zh-CN" altLang="en-US"/>
           </a:p>
@@ -2702,7 +2704,7 @@
             <a:fld id="{530820CF-B880-4189-942D-D702A7CBA730}" type="datetimeFigureOut">
               <a:rPr lang="zh-CN" altLang="en-US" smtClean="0"/>
               <a:pPr/>
-              <a:t>2012-8-13</a:t>
+              <a:t>2012-8-17</a:t>
             </a:fld>
             <a:endParaRPr lang="zh-CN" altLang="en-US"/>
           </a:p>
@@ -3155,7 +3157,7 @@
     </p:spTree>
     <p:extLst>
       <p:ext uri="{BB962C8B-B14F-4D97-AF65-F5344CB8AC3E}">
-        <p14:creationId xmlns:p14="http://schemas.microsoft.com/office/powerpoint/2010/main" xmlns="" val="2274749693"/>
+        <p14:creationId xmlns="" xmlns:p14="http://schemas.microsoft.com/office/powerpoint/2010/main" val="2274749693"/>
       </p:ext>
     </p:extLst>
   </p:cSld>
@@ -3289,7 +3291,7 @@
     </p:spTree>
     <p:extLst>
       <p:ext uri="{BB962C8B-B14F-4D97-AF65-F5344CB8AC3E}">
-        <p14:creationId xmlns:p14="http://schemas.microsoft.com/office/powerpoint/2010/main" xmlns="" val="3681175402"/>
+        <p14:creationId xmlns="" xmlns:p14="http://schemas.microsoft.com/office/powerpoint/2010/main" val="3681175402"/>
       </p:ext>
     </p:extLst>
   </p:cSld>
@@ -3410,7 +3412,7 @@
     </p:spTree>
     <p:extLst>
       <p:ext uri="{BB962C8B-B14F-4D97-AF65-F5344CB8AC3E}">
-        <p14:creationId xmlns:p14="http://schemas.microsoft.com/office/powerpoint/2010/main" xmlns="" val="2876153112"/>
+        <p14:creationId xmlns="" xmlns:p14="http://schemas.microsoft.com/office/powerpoint/2010/main" val="2876153112"/>
       </p:ext>
     </p:extLst>
   </p:cSld>
@@ -3500,7 +3502,7 @@
     </p:spTree>
     <p:extLst>
       <p:ext uri="{BB962C8B-B14F-4D97-AF65-F5344CB8AC3E}">
-        <p14:creationId xmlns:p14="http://schemas.microsoft.com/office/powerpoint/2010/main" xmlns="" val="1014694900"/>
+        <p14:creationId xmlns="" xmlns:p14="http://schemas.microsoft.com/office/powerpoint/2010/main" val="1014694900"/>
       </p:ext>
     </p:extLst>
   </p:cSld>
@@ -3931,11 +3933,7 @@
             </a:r>
             <a:r>
               <a:rPr lang="en-US" altLang="zh-CN" dirty="0" smtClean="0"/>
-              <a:t> -c </a:t>
-            </a:r>
-            <a:r>
-              <a:rPr lang="en-US" altLang="zh-CN" dirty="0" smtClean="0"/>
-              <a:t>unlimited</a:t>
+              <a:t> -c unlimited</a:t>
             </a:r>
           </a:p>
           <a:p>
@@ -4120,11 +4118,7 @@
             </a:r>
             <a:r>
               <a:rPr lang="en-US" altLang="zh-CN" dirty="0" smtClean="0"/>
-              <a:t> -c </a:t>
-            </a:r>
-            <a:r>
-              <a:rPr lang="en-US" altLang="zh-CN" dirty="0" smtClean="0"/>
-              <a:t>unlimited (</a:t>
+              <a:t> -c unlimited (</a:t>
             </a:r>
             <a:r>
               <a:rPr lang="zh-CN" altLang="en-US" dirty="0" smtClean="0"/>
@@ -4153,6 +4147,367 @@
           </a:p>
           <a:p>
             <a:endParaRPr lang="en-US" altLang="zh-CN" dirty="0" smtClean="0"/>
+          </a:p>
+        </p:txBody>
+      </p:sp>
+    </p:spTree>
+  </p:cSld>
+  <p:clrMapOvr>
+    <a:masterClrMapping/>
+  </p:clrMapOvr>
+</p:sld>
+</file>
+
+<file path=ppt/slides/slide16.xml><?xml version="1.0" encoding="utf-8"?>
+<p:sld xmlns:a="http://schemas.openxmlformats.org/drawingml/2006/main" xmlns:r="http://schemas.openxmlformats.org/officeDocument/2006/relationships" xmlns:p="http://schemas.openxmlformats.org/presentationml/2006/main">
+  <p:cSld>
+    <p:spTree>
+      <p:nvGrpSpPr>
+        <p:cNvPr id="1" name=""/>
+        <p:cNvGrpSpPr/>
+        <p:nvPr/>
+      </p:nvGrpSpPr>
+      <p:grpSpPr>
+        <a:xfrm>
+          <a:off x="0" y="0"/>
+          <a:ext cx="0" cy="0"/>
+          <a:chOff x="0" y="0"/>
+          <a:chExt cx="0" cy="0"/>
+        </a:xfrm>
+      </p:grpSpPr>
+      <p:sp>
+        <p:nvSpPr>
+          <p:cNvPr id="2" name="标题 1"/>
+          <p:cNvSpPr>
+            <a:spLocks noGrp="1"/>
+          </p:cNvSpPr>
+          <p:nvPr>
+            <p:ph type="title"/>
+          </p:nvPr>
+        </p:nvSpPr>
+        <p:spPr/>
+        <p:txBody>
+          <a:bodyPr/>
+          <a:lstStyle/>
+          <a:p>
+            <a:r>
+              <a:rPr lang="zh-CN" altLang="en-US" dirty="0" smtClean="0"/>
+              <a:t>定义脚本入口模块</a:t>
+            </a:r>
+            <a:endParaRPr lang="zh-CN" altLang="en-US" dirty="0"/>
+          </a:p>
+        </p:txBody>
+      </p:sp>
+      <p:sp>
+        <p:nvSpPr>
+          <p:cNvPr id="3" name="内容占位符 2"/>
+          <p:cNvSpPr>
+            <a:spLocks noGrp="1"/>
+          </p:cNvSpPr>
+          <p:nvPr>
+            <p:ph idx="1"/>
+          </p:nvPr>
+        </p:nvSpPr>
+        <p:spPr>
+          <a:xfrm>
+            <a:off x="457200" y="1600201"/>
+            <a:ext cx="8229600" cy="614354"/>
+          </a:xfrm>
+        </p:spPr>
+        <p:txBody>
+          <a:bodyPr/>
+          <a:lstStyle/>
+          <a:p>
+            <a:r>
+              <a:rPr lang="en-US" altLang="zh-CN" dirty="0" smtClean="0"/>
+              <a:t>res\server\kbengine_defs.xml</a:t>
+            </a:r>
+            <a:endParaRPr lang="zh-CN" altLang="en-US" dirty="0"/>
+          </a:p>
+        </p:txBody>
+      </p:sp>
+      <p:pic>
+        <p:nvPicPr>
+          <p:cNvPr id="1026" name="Picture 2"/>
+          <p:cNvPicPr>
+            <a:picLocks noChangeAspect="1" noChangeArrowheads="1"/>
+          </p:cNvPicPr>
+          <p:nvPr/>
+        </p:nvPicPr>
+        <p:blipFill>
+          <a:blip r:embed="rId2"/>
+          <a:srcRect/>
+          <a:stretch>
+            <a:fillRect/>
+          </a:stretch>
+        </p:blipFill>
+        <p:spPr bwMode="auto">
+          <a:xfrm>
+            <a:off x="571472" y="2357430"/>
+            <a:ext cx="6924675" cy="561975"/>
+          </a:xfrm>
+          <a:prstGeom prst="rect">
+            <a:avLst/>
+          </a:prstGeom>
+          <a:noFill/>
+          <a:ln w="9525">
+            <a:noFill/>
+            <a:miter lim="800000"/>
+            <a:headEnd/>
+            <a:tailEnd/>
+          </a:ln>
+          <a:effectLst/>
+        </p:spPr>
+      </p:pic>
+      <p:pic>
+        <p:nvPicPr>
+          <p:cNvPr id="1027" name="Picture 3"/>
+          <p:cNvPicPr>
+            <a:picLocks noChangeAspect="1" noChangeArrowheads="1"/>
+          </p:cNvPicPr>
+          <p:nvPr/>
+        </p:nvPicPr>
+        <p:blipFill>
+          <a:blip r:embed="rId3"/>
+          <a:srcRect/>
+          <a:stretch>
+            <a:fillRect/>
+          </a:stretch>
+        </p:blipFill>
+        <p:spPr bwMode="auto">
+          <a:xfrm>
+            <a:off x="571472" y="3143248"/>
+            <a:ext cx="7124700" cy="600075"/>
+          </a:xfrm>
+          <a:prstGeom prst="rect">
+            <a:avLst/>
+          </a:prstGeom>
+          <a:noFill/>
+          <a:ln w="9525">
+            <a:noFill/>
+            <a:miter lim="800000"/>
+            <a:headEnd/>
+            <a:tailEnd/>
+          </a:ln>
+          <a:effectLst/>
+        </p:spPr>
+      </p:pic>
+      <p:sp>
+        <p:nvSpPr>
+          <p:cNvPr id="7" name="TextBox 6"/>
+          <p:cNvSpPr txBox="1"/>
+          <p:nvPr/>
+        </p:nvSpPr>
+        <p:spPr>
+          <a:xfrm>
+            <a:off x="571472" y="4286256"/>
+            <a:ext cx="8358246" cy="369332"/>
+          </a:xfrm>
+          <a:prstGeom prst="rect">
+            <a:avLst/>
+          </a:prstGeom>
+          <a:noFill/>
+        </p:spPr>
+        <p:txBody>
+          <a:bodyPr wrap="square" rtlCol="0">
+            <a:spAutoFit/>
+          </a:bodyPr>
+          <a:lstStyle/>
+          <a:p>
+            <a:r>
+              <a:rPr lang="zh-CN" altLang="en-US" dirty="0" smtClean="0"/>
+              <a:t>在</a:t>
+            </a:r>
+            <a:r>
+              <a:rPr lang="en-US" altLang="zh-CN" dirty="0" smtClean="0"/>
+              <a:t>demo</a:t>
+            </a:r>
+            <a:r>
+              <a:rPr lang="zh-CN" altLang="en-US" dirty="0" smtClean="0"/>
+              <a:t>对应的</a:t>
+            </a:r>
+            <a:r>
+              <a:rPr lang="en-US" altLang="zh-CN" dirty="0" smtClean="0"/>
+              <a:t>res\scripts\cell </a:t>
+            </a:r>
+            <a:r>
+              <a:rPr lang="zh-CN" altLang="en-US" dirty="0" smtClean="0"/>
+              <a:t>与</a:t>
+            </a:r>
+            <a:r>
+              <a:rPr lang="en-US" altLang="zh-CN" dirty="0" smtClean="0"/>
+              <a:t>base</a:t>
+            </a:r>
+            <a:r>
+              <a:rPr lang="zh-CN" altLang="en-US" dirty="0" smtClean="0"/>
+              <a:t>目录下可以看到这</a:t>
+            </a:r>
+            <a:r>
+              <a:rPr lang="en-US" altLang="zh-CN" dirty="0" smtClean="0"/>
+              <a:t>2</a:t>
+            </a:r>
+            <a:r>
+              <a:rPr lang="zh-CN" altLang="en-US" dirty="0" smtClean="0"/>
+              <a:t>个模块</a:t>
+            </a:r>
+            <a:endParaRPr lang="zh-CN" altLang="en-US" dirty="0"/>
+          </a:p>
+        </p:txBody>
+      </p:sp>
+      <p:sp>
+        <p:nvSpPr>
+          <p:cNvPr id="8" name="TextBox 7"/>
+          <p:cNvSpPr txBox="1"/>
+          <p:nvPr/>
+        </p:nvSpPr>
+        <p:spPr>
+          <a:xfrm>
+            <a:off x="571472" y="5214950"/>
+            <a:ext cx="7286676" cy="1200329"/>
+          </a:xfrm>
+          <a:prstGeom prst="rect">
+            <a:avLst/>
+          </a:prstGeom>
+          <a:noFill/>
+        </p:spPr>
+        <p:txBody>
+          <a:bodyPr wrap="square" rtlCol="0">
+            <a:spAutoFit/>
+          </a:bodyPr>
+          <a:lstStyle/>
+          <a:p>
+            <a:r>
+              <a:rPr lang="en-US" altLang="zh-CN" dirty="0" smtClean="0"/>
+              <a:t>1:  </a:t>
+            </a:r>
+            <a:r>
+              <a:rPr lang="zh-CN" altLang="en-US" dirty="0" smtClean="0"/>
+              <a:t>对于</a:t>
+            </a:r>
+            <a:r>
+              <a:rPr lang="en-US" altLang="zh-CN" dirty="0" err="1" smtClean="0"/>
+              <a:t>cellapp</a:t>
+            </a:r>
+            <a:r>
+              <a:rPr lang="zh-CN" altLang="en-US" dirty="0" smtClean="0"/>
+              <a:t>的入口模块中的入口是 </a:t>
+            </a:r>
+            <a:r>
+              <a:rPr lang="en-US" altLang="zh-CN" dirty="0" err="1" smtClean="0"/>
+              <a:t>onInit</a:t>
+            </a:r>
+            <a:r>
+              <a:rPr lang="zh-CN" altLang="en-US" dirty="0" smtClean="0"/>
+              <a:t>， 引擎启动后就会通告这个接口</a:t>
+            </a:r>
+            <a:endParaRPr lang="en-US" altLang="zh-CN" dirty="0" smtClean="0"/>
+          </a:p>
+          <a:p>
+            <a:r>
+              <a:rPr lang="en-US" altLang="zh-CN" dirty="0" smtClean="0"/>
+              <a:t>2:  </a:t>
+            </a:r>
+            <a:r>
+              <a:rPr lang="zh-CN" altLang="en-US" dirty="0" smtClean="0"/>
+              <a:t>对于</a:t>
+            </a:r>
+            <a:r>
+              <a:rPr lang="en-US" altLang="zh-CN" dirty="0" err="1" smtClean="0"/>
+              <a:t>baseapp</a:t>
+            </a:r>
+            <a:r>
+              <a:rPr lang="zh-CN" altLang="en-US" dirty="0" smtClean="0"/>
+              <a:t>入口模块中的入口则是</a:t>
+            </a:r>
+            <a:r>
+              <a:rPr lang="en-US" altLang="zh-CN" dirty="0" err="1" smtClean="0"/>
+              <a:t>onBaseAppReady</a:t>
+            </a:r>
+            <a:r>
+              <a:rPr lang="en-US" altLang="zh-CN" dirty="0" smtClean="0"/>
+              <a:t>(</a:t>
+            </a:r>
+            <a:r>
+              <a:rPr lang="en-US" altLang="zh-CN" dirty="0" err="1" smtClean="0"/>
+              <a:t>bootstrapIdx</a:t>
+            </a:r>
+            <a:r>
+              <a:rPr lang="en-US" altLang="zh-CN" dirty="0" smtClean="0"/>
+              <a:t>), </a:t>
+            </a:r>
+            <a:r>
+              <a:rPr lang="en-US" altLang="zh-CN" dirty="0" err="1" smtClean="0"/>
+              <a:t>bootstrapIdx</a:t>
+            </a:r>
+            <a:r>
+              <a:rPr lang="zh-CN" altLang="en-US" dirty="0" smtClean="0"/>
+              <a:t>表示这个组件的启动顺序</a:t>
+            </a:r>
+            <a:r>
+              <a:rPr lang="en-US" altLang="zh-CN" dirty="0" smtClean="0"/>
+              <a:t>(</a:t>
+            </a:r>
+            <a:r>
+              <a:rPr lang="zh-CN" altLang="en-US" dirty="0" smtClean="0"/>
+              <a:t>假如有多个</a:t>
+            </a:r>
+            <a:r>
+              <a:rPr lang="en-US" altLang="zh-CN" dirty="0" err="1" smtClean="0"/>
+              <a:t>baseapp</a:t>
+            </a:r>
+            <a:r>
+              <a:rPr lang="en-US" altLang="zh-CN" dirty="0" smtClean="0"/>
+              <a:t>)</a:t>
+            </a:r>
+            <a:endParaRPr lang="zh-CN" altLang="en-US" dirty="0"/>
+          </a:p>
+        </p:txBody>
+      </p:sp>
+    </p:spTree>
+  </p:cSld>
+  <p:clrMapOvr>
+    <a:masterClrMapping/>
+  </p:clrMapOvr>
+</p:sld>
+</file>
+
+<file path=ppt/slides/slide17.xml><?xml version="1.0" encoding="utf-8"?>
+<p:sld xmlns:a="http://schemas.openxmlformats.org/drawingml/2006/main" xmlns:r="http://schemas.openxmlformats.org/officeDocument/2006/relationships" xmlns:p="http://schemas.openxmlformats.org/presentationml/2006/main">
+  <p:cSld>
+    <p:spTree>
+      <p:nvGrpSpPr>
+        <p:cNvPr id="1" name=""/>
+        <p:cNvGrpSpPr/>
+        <p:nvPr/>
+      </p:nvGrpSpPr>
+      <p:grpSpPr>
+        <a:xfrm>
+          <a:off x="0" y="0"/>
+          <a:ext cx="0" cy="0"/>
+          <a:chOff x="0" y="0"/>
+          <a:chExt cx="0" cy="0"/>
+        </a:xfrm>
+      </p:grpSpPr>
+      <p:sp>
+        <p:nvSpPr>
+          <p:cNvPr id="2" name="标题 1"/>
+          <p:cNvSpPr>
+            <a:spLocks noGrp="1"/>
+          </p:cNvSpPr>
+          <p:nvPr>
+            <p:ph type="title"/>
+          </p:nvPr>
+        </p:nvSpPr>
+        <p:spPr/>
+        <p:txBody>
+          <a:bodyPr/>
+          <a:lstStyle/>
+          <a:p>
+            <a:r>
+              <a:rPr lang="zh-CN" altLang="en-US" dirty="0" smtClean="0"/>
+              <a:t>入口模块可以做什么</a:t>
+            </a:r>
+            <a:endParaRPr lang="zh-CN" altLang="en-US" dirty="0"/>
           </a:p>
         </p:txBody>
       </p:sp>
@@ -5628,7 +5983,7 @@
     </p:spTree>
     <p:extLst>
       <p:ext uri="{BB962C8B-B14F-4D97-AF65-F5344CB8AC3E}">
-        <p14:creationId xmlns:p14="http://schemas.microsoft.com/office/powerpoint/2010/main" xmlns="" val="527084161"/>
+        <p14:creationId xmlns="" xmlns:p14="http://schemas.microsoft.com/office/powerpoint/2010/main" val="527084161"/>
       </p:ext>
     </p:extLst>
   </p:cSld>
@@ -5893,7 +6248,7 @@
     </p:spTree>
     <p:extLst>
       <p:ext uri="{BB962C8B-B14F-4D97-AF65-F5344CB8AC3E}">
-        <p14:creationId xmlns:p14="http://schemas.microsoft.com/office/powerpoint/2010/main" xmlns="" val="1032052829"/>
+        <p14:creationId xmlns="" xmlns:p14="http://schemas.microsoft.com/office/powerpoint/2010/main" val="1032052829"/>
       </p:ext>
     </p:extLst>
   </p:cSld>
@@ -7169,7 +7524,7 @@
     </p:spTree>
     <p:extLst>
       <p:ext uri="{BB962C8B-B14F-4D97-AF65-F5344CB8AC3E}">
-        <p14:creationId xmlns:p14="http://schemas.microsoft.com/office/powerpoint/2010/main" xmlns="" val="1715805136"/>
+        <p14:creationId xmlns="" xmlns:p14="http://schemas.microsoft.com/office/powerpoint/2010/main" val="1715805136"/>
       </p:ext>
     </p:extLst>
   </p:cSld>
@@ -7507,7 +7862,7 @@
     </p:spTree>
     <p:extLst>
       <p:ext uri="{BB962C8B-B14F-4D97-AF65-F5344CB8AC3E}">
-        <p14:creationId xmlns:p14="http://schemas.microsoft.com/office/powerpoint/2010/main" xmlns="" val="4003009976"/>
+        <p14:creationId xmlns="" xmlns:p14="http://schemas.microsoft.com/office/powerpoint/2010/main" val="4003009976"/>
       </p:ext>
     </p:extLst>
   </p:cSld>
@@ -8303,7 +8658,7 @@
     </p:spTree>
     <p:extLst>
       <p:ext uri="{BB962C8B-B14F-4D97-AF65-F5344CB8AC3E}">
-        <p14:creationId xmlns:p14="http://schemas.microsoft.com/office/powerpoint/2010/main" xmlns="" val="1450791034"/>
+        <p14:creationId xmlns="" xmlns:p14="http://schemas.microsoft.com/office/powerpoint/2010/main" val="1450791034"/>
       </p:ext>
     </p:extLst>
   </p:cSld>
@@ -8487,7 +8842,7 @@
           <a:blip r:embed="rId2">
             <a:extLst>
               <a:ext uri="{28A0092B-C50C-407E-A947-70E740481C1C}">
-                <a14:useLocalDpi xmlns:a14="http://schemas.microsoft.com/office/drawing/2010/main" xmlns="" val="0"/>
+                <a14:useLocalDpi xmlns="" xmlns:a14="http://schemas.microsoft.com/office/drawing/2010/main" val="0"/>
               </a:ext>
             </a:extLst>
           </a:blip>
@@ -8511,14 +8866,14 @@
           <a:effectLst/>
           <a:extLst>
             <a:ext uri="{909E8E84-426E-40DD-AFC4-6F175D3DCCD1}">
-              <a14:hiddenFill xmlns:a14="http://schemas.microsoft.com/office/drawing/2010/main" xmlns="">
+              <a14:hiddenFill xmlns="" xmlns:a14="http://schemas.microsoft.com/office/drawing/2010/main">
                 <a:solidFill>
                   <a:schemeClr val="accent1"/>
                 </a:solidFill>
               </a14:hiddenFill>
             </a:ext>
             <a:ext uri="{91240B29-F687-4F45-9708-019B960494DF}">
-              <a14:hiddenLine xmlns:a14="http://schemas.microsoft.com/office/drawing/2010/main" xmlns="" w="9525">
+              <a14:hiddenLine xmlns="" xmlns:a14="http://schemas.microsoft.com/office/drawing/2010/main" w="9525">
                 <a:solidFill>
                   <a:schemeClr val="tx1"/>
                 </a:solidFill>
@@ -8528,7 +8883,7 @@
               </a14:hiddenLine>
             </a:ext>
             <a:ext uri="{AF507438-7753-43E0-B8FC-AC1667EBCBE1}">
-              <a14:hiddenEffects xmlns:a14="http://schemas.microsoft.com/office/drawing/2010/main" xmlns="">
+              <a14:hiddenEffects xmlns="" xmlns:a14="http://schemas.microsoft.com/office/drawing/2010/main">
                 <a:effectLst>
                   <a:outerShdw dist="35921" dir="2700000" algn="ctr" rotWithShape="0">
                     <a:schemeClr val="bg2"/>
@@ -8542,7 +8897,7 @@
     </p:spTree>
     <p:extLst>
       <p:ext uri="{BB962C8B-B14F-4D97-AF65-F5344CB8AC3E}">
-        <p14:creationId xmlns:p14="http://schemas.microsoft.com/office/powerpoint/2010/main" xmlns="" val="1169619344"/>
+        <p14:creationId xmlns="" xmlns:p14="http://schemas.microsoft.com/office/powerpoint/2010/main" val="1169619344"/>
       </p:ext>
     </p:extLst>
   </p:cSld>
@@ -8764,7 +9119,7 @@
     </p:spTree>
     <p:extLst>
       <p:ext uri="{BB962C8B-B14F-4D97-AF65-F5344CB8AC3E}">
-        <p14:creationId xmlns:p14="http://schemas.microsoft.com/office/powerpoint/2010/main" xmlns="" val="3949283333"/>
+        <p14:creationId xmlns="" xmlns:p14="http://schemas.microsoft.com/office/powerpoint/2010/main" val="3949283333"/>
       </p:ext>
     </p:extLst>
   </p:cSld>

--- a/kbe/doc/server_overview.pptx
+++ b/kbe/doc/server_overview.pptx
@@ -20,8 +20,9 @@
     <p:sldId id="267" r:id="rId14"/>
     <p:sldId id="268" r:id="rId15"/>
     <p:sldId id="270" r:id="rId16"/>
-    <p:sldId id="271" r:id="rId17"/>
-    <p:sldId id="272" r:id="rId18"/>
+    <p:sldId id="273" r:id="rId17"/>
+    <p:sldId id="271" r:id="rId18"/>
+    <p:sldId id="272" r:id="rId19"/>
   </p:sldIdLst>
   <p:sldSz cx="9144000" cy="6858000" type="screen4x3"/>
   <p:notesSz cx="6858000" cy="9144000"/>
@@ -305,7 +306,7 @@
             <a:fld id="{530820CF-B880-4189-942D-D702A7CBA730}" type="datetimeFigureOut">
               <a:rPr lang="zh-CN" altLang="en-US" smtClean="0"/>
               <a:pPr/>
-              <a:t>2012-8-17</a:t>
+              <a:t>2012-8-20</a:t>
             </a:fld>
             <a:endParaRPr lang="zh-CN" altLang="en-US"/>
           </a:p>
@@ -472,7 +473,7 @@
             <a:fld id="{530820CF-B880-4189-942D-D702A7CBA730}" type="datetimeFigureOut">
               <a:rPr lang="zh-CN" altLang="en-US" smtClean="0"/>
               <a:pPr/>
-              <a:t>2012-8-17</a:t>
+              <a:t>2012-8-20</a:t>
             </a:fld>
             <a:endParaRPr lang="zh-CN" altLang="en-US"/>
           </a:p>
@@ -649,7 +650,7 @@
             <a:fld id="{530820CF-B880-4189-942D-D702A7CBA730}" type="datetimeFigureOut">
               <a:rPr lang="zh-CN" altLang="en-US" smtClean="0"/>
               <a:pPr/>
-              <a:t>2012-8-17</a:t>
+              <a:t>2012-8-20</a:t>
             </a:fld>
             <a:endParaRPr lang="zh-CN" altLang="en-US"/>
           </a:p>
@@ -816,7 +817,7 @@
             <a:fld id="{530820CF-B880-4189-942D-D702A7CBA730}" type="datetimeFigureOut">
               <a:rPr lang="zh-CN" altLang="en-US" smtClean="0"/>
               <a:pPr/>
-              <a:t>2012-8-17</a:t>
+              <a:t>2012-8-20</a:t>
             </a:fld>
             <a:endParaRPr lang="zh-CN" altLang="en-US"/>
           </a:p>
@@ -1059,7 +1060,7 @@
             <a:fld id="{530820CF-B880-4189-942D-D702A7CBA730}" type="datetimeFigureOut">
               <a:rPr lang="zh-CN" altLang="en-US" smtClean="0"/>
               <a:pPr/>
-              <a:t>2012-8-17</a:t>
+              <a:t>2012-8-20</a:t>
             </a:fld>
             <a:endParaRPr lang="zh-CN" altLang="en-US"/>
           </a:p>
@@ -1344,7 +1345,7 @@
             <a:fld id="{530820CF-B880-4189-942D-D702A7CBA730}" type="datetimeFigureOut">
               <a:rPr lang="zh-CN" altLang="en-US" smtClean="0"/>
               <a:pPr/>
-              <a:t>2012-8-17</a:t>
+              <a:t>2012-8-20</a:t>
             </a:fld>
             <a:endParaRPr lang="zh-CN" altLang="en-US"/>
           </a:p>
@@ -1763,7 +1764,7 @@
             <a:fld id="{530820CF-B880-4189-942D-D702A7CBA730}" type="datetimeFigureOut">
               <a:rPr lang="zh-CN" altLang="en-US" smtClean="0"/>
               <a:pPr/>
-              <a:t>2012-8-17</a:t>
+              <a:t>2012-8-20</a:t>
             </a:fld>
             <a:endParaRPr lang="zh-CN" altLang="en-US"/>
           </a:p>
@@ -1878,7 +1879,7 @@
             <a:fld id="{530820CF-B880-4189-942D-D702A7CBA730}" type="datetimeFigureOut">
               <a:rPr lang="zh-CN" altLang="en-US" smtClean="0"/>
               <a:pPr/>
-              <a:t>2012-8-17</a:t>
+              <a:t>2012-8-20</a:t>
             </a:fld>
             <a:endParaRPr lang="zh-CN" altLang="en-US"/>
           </a:p>
@@ -1970,7 +1971,7 @@
             <a:fld id="{530820CF-B880-4189-942D-D702A7CBA730}" type="datetimeFigureOut">
               <a:rPr lang="zh-CN" altLang="en-US" smtClean="0"/>
               <a:pPr/>
-              <a:t>2012-8-17</a:t>
+              <a:t>2012-8-20</a:t>
             </a:fld>
             <a:endParaRPr lang="zh-CN" altLang="en-US"/>
           </a:p>
@@ -2244,7 +2245,7 @@
             <a:fld id="{530820CF-B880-4189-942D-D702A7CBA730}" type="datetimeFigureOut">
               <a:rPr lang="zh-CN" altLang="en-US" smtClean="0"/>
               <a:pPr/>
-              <a:t>2012-8-17</a:t>
+              <a:t>2012-8-20</a:t>
             </a:fld>
             <a:endParaRPr lang="zh-CN" altLang="en-US"/>
           </a:p>
@@ -2494,7 +2495,7 @@
             <a:fld id="{530820CF-B880-4189-942D-D702A7CBA730}" type="datetimeFigureOut">
               <a:rPr lang="zh-CN" altLang="en-US" smtClean="0"/>
               <a:pPr/>
-              <a:t>2012-8-17</a:t>
+              <a:t>2012-8-20</a:t>
             </a:fld>
             <a:endParaRPr lang="zh-CN" altLang="en-US"/>
           </a:p>
@@ -2704,7 +2705,7 @@
             <a:fld id="{530820CF-B880-4189-942D-D702A7CBA730}" type="datetimeFigureOut">
               <a:rPr lang="zh-CN" altLang="en-US" smtClean="0"/>
               <a:pPr/>
-              <a:t>2012-8-17</a:t>
+              <a:t>2012-8-20</a:t>
             </a:fld>
             <a:endParaRPr lang="zh-CN" altLang="en-US"/>
           </a:p>
@@ -3157,7 +3158,7 @@
     </p:spTree>
     <p:extLst>
       <p:ext uri="{BB962C8B-B14F-4D97-AF65-F5344CB8AC3E}">
-        <p14:creationId xmlns="" xmlns:p14="http://schemas.microsoft.com/office/powerpoint/2010/main" val="2274749693"/>
+        <p14:creationId xmlns:p14="http://schemas.microsoft.com/office/powerpoint/2010/main" xmlns="" val="2274749693"/>
       </p:ext>
     </p:extLst>
   </p:cSld>
@@ -3291,7 +3292,7 @@
     </p:spTree>
     <p:extLst>
       <p:ext uri="{BB962C8B-B14F-4D97-AF65-F5344CB8AC3E}">
-        <p14:creationId xmlns="" xmlns:p14="http://schemas.microsoft.com/office/powerpoint/2010/main" val="3681175402"/>
+        <p14:creationId xmlns:p14="http://schemas.microsoft.com/office/powerpoint/2010/main" xmlns="" val="3681175402"/>
       </p:ext>
     </p:extLst>
   </p:cSld>
@@ -3412,7 +3413,7 @@
     </p:spTree>
     <p:extLst>
       <p:ext uri="{BB962C8B-B14F-4D97-AF65-F5344CB8AC3E}">
-        <p14:creationId xmlns="" xmlns:p14="http://schemas.microsoft.com/office/powerpoint/2010/main" val="2876153112"/>
+        <p14:creationId xmlns:p14="http://schemas.microsoft.com/office/powerpoint/2010/main" xmlns="" val="2876153112"/>
       </p:ext>
     </p:extLst>
   </p:cSld>
@@ -3502,7 +3503,7 @@
     </p:spTree>
     <p:extLst>
       <p:ext uri="{BB962C8B-B14F-4D97-AF65-F5344CB8AC3E}">
-        <p14:creationId xmlns="" xmlns:p14="http://schemas.microsoft.com/office/powerpoint/2010/main" val="1014694900"/>
+        <p14:creationId xmlns:p14="http://schemas.microsoft.com/office/powerpoint/2010/main" xmlns="" val="1014694900"/>
       </p:ext>
     </p:extLst>
   </p:cSld>
@@ -4192,7 +4193,11 @@
           <a:p>
             <a:r>
               <a:rPr lang="zh-CN" altLang="en-US" dirty="0" smtClean="0"/>
-              <a:t>定义脚本入口模块</a:t>
+              <a:t>配置</a:t>
+            </a:r>
+            <a:r>
+              <a:rPr lang="en-US" altLang="zh-CN" dirty="0" err="1" smtClean="0"/>
+              <a:t>mysql</a:t>
             </a:r>
             <a:endParaRPr lang="zh-CN" altLang="en-US" dirty="0"/>
           </a:p>
@@ -4211,7 +4216,7 @@
         <p:spPr>
           <a:xfrm>
             <a:off x="457200" y="1600201"/>
-            <a:ext cx="8229600" cy="614354"/>
+            <a:ext cx="8229600" cy="1685924"/>
           </a:xfrm>
         </p:spPr>
         <p:txBody>
@@ -4219,89 +4224,45 @@
           <a:lstStyle/>
           <a:p>
             <a:r>
-              <a:rPr lang="en-US" altLang="zh-CN" dirty="0" smtClean="0"/>
-              <a:t>res\server\kbengine_defs.xml</a:t>
-            </a:r>
+              <a:rPr lang="zh-CN" altLang="en-US" dirty="0" smtClean="0"/>
+              <a:t>请对</a:t>
+            </a:r>
+            <a:r>
+              <a:rPr lang="en-US" altLang="zh-CN" dirty="0" smtClean="0"/>
+              <a:t>kbengine_defs.xml</a:t>
+            </a:r>
+            <a:r>
+              <a:rPr lang="zh-CN" altLang="en-US" dirty="0" smtClean="0"/>
+              <a:t>中</a:t>
+            </a:r>
+            <a:r>
+              <a:rPr lang="en-US" altLang="zh-CN" dirty="0" err="1" smtClean="0"/>
+              <a:t>dbmgr</a:t>
+            </a:r>
+            <a:r>
+              <a:rPr lang="zh-CN" altLang="en-US" dirty="0" smtClean="0"/>
+              <a:t>一节中的数据库相关参数进行配置。</a:t>
+            </a:r>
+            <a:endParaRPr lang="en-US" altLang="zh-CN" dirty="0" smtClean="0"/>
+          </a:p>
+          <a:p>
+            <a:pPr>
+              <a:buNone/>
+            </a:pPr>
             <a:endParaRPr lang="zh-CN" altLang="en-US" dirty="0"/>
           </a:p>
         </p:txBody>
       </p:sp>
-      <p:pic>
-        <p:nvPicPr>
-          <p:cNvPr id="1026" name="Picture 2"/>
-          <p:cNvPicPr>
-            <a:picLocks noChangeAspect="1" noChangeArrowheads="1"/>
-          </p:cNvPicPr>
-          <p:nvPr/>
-        </p:nvPicPr>
-        <p:blipFill>
-          <a:blip r:embed="rId2"/>
-          <a:srcRect/>
-          <a:stretch>
-            <a:fillRect/>
-          </a:stretch>
-        </p:blipFill>
-        <p:spPr bwMode="auto">
-          <a:xfrm>
-            <a:off x="571472" y="2357430"/>
-            <a:ext cx="6924675" cy="561975"/>
-          </a:xfrm>
-          <a:prstGeom prst="rect">
-            <a:avLst/>
-          </a:prstGeom>
-          <a:noFill/>
-          <a:ln w="9525">
-            <a:noFill/>
-            <a:miter lim="800000"/>
-            <a:headEnd/>
-            <a:tailEnd/>
-          </a:ln>
-          <a:effectLst/>
-        </p:spPr>
-      </p:pic>
-      <p:pic>
-        <p:nvPicPr>
-          <p:cNvPr id="1027" name="Picture 3"/>
-          <p:cNvPicPr>
-            <a:picLocks noChangeAspect="1" noChangeArrowheads="1"/>
-          </p:cNvPicPr>
-          <p:nvPr/>
-        </p:nvPicPr>
-        <p:blipFill>
-          <a:blip r:embed="rId3"/>
-          <a:srcRect/>
-          <a:stretch>
-            <a:fillRect/>
-          </a:stretch>
-        </p:blipFill>
-        <p:spPr bwMode="auto">
-          <a:xfrm>
-            <a:off x="571472" y="3143248"/>
-            <a:ext cx="7124700" cy="600075"/>
-          </a:xfrm>
-          <a:prstGeom prst="rect">
-            <a:avLst/>
-          </a:prstGeom>
-          <a:noFill/>
-          <a:ln w="9525">
-            <a:noFill/>
-            <a:miter lim="800000"/>
-            <a:headEnd/>
-            <a:tailEnd/>
-          </a:ln>
-          <a:effectLst/>
-        </p:spPr>
-      </p:pic>
-      <p:sp>
-        <p:nvSpPr>
-          <p:cNvPr id="7" name="TextBox 6"/>
+      <p:sp>
+        <p:nvSpPr>
+          <p:cNvPr id="4" name="TextBox 3"/>
           <p:cNvSpPr txBox="1"/>
           <p:nvPr/>
         </p:nvSpPr>
         <p:spPr>
           <a:xfrm>
-            <a:off x="571472" y="4286256"/>
-            <a:ext cx="8358246" cy="369332"/>
+            <a:off x="714348" y="3500438"/>
+            <a:ext cx="7786742" cy="923330"/>
           </a:xfrm>
           <a:prstGeom prst="rect">
             <a:avLst/>
@@ -4316,39 +4277,33 @@
           <a:p>
             <a:r>
               <a:rPr lang="zh-CN" altLang="en-US" dirty="0" smtClean="0"/>
-              <a:t>在</a:t>
-            </a:r>
-            <a:r>
-              <a:rPr lang="en-US" altLang="zh-CN" dirty="0" smtClean="0"/>
-              <a:t>demo</a:t>
-            </a:r>
-            <a:r>
-              <a:rPr lang="zh-CN" altLang="en-US" dirty="0" smtClean="0"/>
-              <a:t>对应的</a:t>
-            </a:r>
-            <a:r>
-              <a:rPr lang="en-US" altLang="zh-CN" dirty="0" smtClean="0"/>
-              <a:t>res\scripts\cell </a:t>
-            </a:r>
-            <a:r>
-              <a:rPr lang="zh-CN" altLang="en-US" dirty="0" smtClean="0"/>
-              <a:t>与</a:t>
-            </a:r>
-            <a:r>
-              <a:rPr lang="en-US" altLang="zh-CN" dirty="0" smtClean="0"/>
-              <a:t>base</a:t>
-            </a:r>
-            <a:r>
-              <a:rPr lang="zh-CN" altLang="en-US" dirty="0" smtClean="0"/>
-              <a:t>目录下可以看到这</a:t>
-            </a:r>
-            <a:r>
-              <a:rPr lang="en-US" altLang="zh-CN" dirty="0" smtClean="0"/>
-              <a:t>2</a:t>
-            </a:r>
-            <a:r>
-              <a:rPr lang="zh-CN" altLang="en-US" dirty="0" smtClean="0"/>
-              <a:t>个模块</a:t>
+              <a:t>建立一个数据库账户</a:t>
+            </a:r>
+            <a:r>
+              <a:rPr lang="en-US" altLang="zh-CN" dirty="0" smtClean="0"/>
+              <a:t>:</a:t>
+            </a:r>
+          </a:p>
+          <a:p>
+            <a:r>
+              <a:rPr lang="en-US" altLang="zh-CN" dirty="0" smtClean="0"/>
+              <a:t>GRANT ALL PRIVILEGES ON *.* TO </a:t>
+            </a:r>
+            <a:r>
+              <a:rPr lang="en-US" altLang="zh-CN" dirty="0" err="1" smtClean="0"/>
+              <a:t>kbe@localhost</a:t>
+            </a:r>
+            <a:r>
+              <a:rPr lang="en-US" altLang="zh-CN" dirty="0" smtClean="0"/>
+              <a:t> IDENTIFIED BY '</a:t>
+            </a:r>
+            <a:r>
+              <a:rPr lang="en-US" altLang="zh-CN" dirty="0" err="1" smtClean="0"/>
+              <a:t>kbe</a:t>
+            </a:r>
+            <a:r>
+              <a:rPr lang="en-US" altLang="zh-CN" dirty="0" smtClean="0"/>
+              <a:t>' WITH GRANT OPTION;</a:t>
             </a:r>
             <a:endParaRPr lang="zh-CN" altLang="en-US" dirty="0"/>
           </a:p>
@@ -4356,14 +4311,14 @@
       </p:sp>
       <p:sp>
         <p:nvSpPr>
-          <p:cNvPr id="8" name="TextBox 7"/>
+          <p:cNvPr id="5" name="TextBox 4"/>
           <p:cNvSpPr txBox="1"/>
           <p:nvPr/>
         </p:nvSpPr>
         <p:spPr>
           <a:xfrm>
-            <a:off x="571472" y="5214950"/>
-            <a:ext cx="7286676" cy="1200329"/>
+            <a:off x="714348" y="4925809"/>
+            <a:ext cx="7643866" cy="646331"/>
           </a:xfrm>
           <a:prstGeom prst="rect">
             <a:avLst/>
@@ -4377,87 +4332,26 @@
           <a:lstStyle/>
           <a:p>
             <a:r>
-              <a:rPr lang="en-US" altLang="zh-CN" dirty="0" smtClean="0"/>
-              <a:t>1:  </a:t>
-            </a:r>
-            <a:r>
-              <a:rPr lang="zh-CN" altLang="en-US" dirty="0" smtClean="0"/>
-              <a:t>对于</a:t>
+              <a:rPr lang="zh-CN" altLang="en-US" dirty="0" smtClean="0"/>
+              <a:t>创建一个数据库</a:t>
+            </a:r>
+            <a:r>
+              <a:rPr lang="en-US" altLang="zh-CN" dirty="0" smtClean="0"/>
+              <a:t>:</a:t>
+            </a:r>
+          </a:p>
+          <a:p>
+            <a:r>
+              <a:rPr lang="en-US" altLang="zh-CN" dirty="0" smtClean="0"/>
+              <a:t>Create database </a:t>
             </a:r>
             <a:r>
               <a:rPr lang="en-US" altLang="zh-CN" dirty="0" err="1" smtClean="0"/>
-              <a:t>cellapp</a:t>
-            </a:r>
-            <a:r>
-              <a:rPr lang="zh-CN" altLang="en-US" dirty="0" smtClean="0"/>
-              <a:t>的入口模块中的入口是 </a:t>
-            </a:r>
-            <a:r>
-              <a:rPr lang="en-US" altLang="zh-CN" dirty="0" err="1" smtClean="0"/>
-              <a:t>onInit</a:t>
-            </a:r>
-            <a:r>
-              <a:rPr lang="zh-CN" altLang="en-US" dirty="0" smtClean="0"/>
-              <a:t>， 引擎启动后就会通告这个接口</a:t>
-            </a:r>
-            <a:endParaRPr lang="en-US" altLang="zh-CN" dirty="0" smtClean="0"/>
-          </a:p>
-          <a:p>
-            <a:r>
-              <a:rPr lang="en-US" altLang="zh-CN" dirty="0" smtClean="0"/>
-              <a:t>2:  </a:t>
-            </a:r>
-            <a:r>
-              <a:rPr lang="zh-CN" altLang="en-US" dirty="0" smtClean="0"/>
-              <a:t>对于</a:t>
-            </a:r>
-            <a:r>
-              <a:rPr lang="en-US" altLang="zh-CN" dirty="0" err="1" smtClean="0"/>
-              <a:t>baseapp</a:t>
-            </a:r>
-            <a:r>
-              <a:rPr lang="zh-CN" altLang="en-US" dirty="0" smtClean="0"/>
-              <a:t>入口模块中的入口则是</a:t>
-            </a:r>
-            <a:r>
-              <a:rPr lang="en-US" altLang="zh-CN" dirty="0" err="1" smtClean="0"/>
-              <a:t>onBaseAppReady</a:t>
-            </a:r>
-            <a:r>
-              <a:rPr lang="en-US" altLang="zh-CN" dirty="0" smtClean="0"/>
-              <a:t>(</a:t>
-            </a:r>
-            <a:r>
-              <a:rPr lang="en-US" altLang="zh-CN" dirty="0" err="1" smtClean="0"/>
-              <a:t>bootstrapIdx</a:t>
-            </a:r>
-            <a:r>
-              <a:rPr lang="en-US" altLang="zh-CN" dirty="0" smtClean="0"/>
-              <a:t>), </a:t>
-            </a:r>
-            <a:r>
-              <a:rPr lang="en-US" altLang="zh-CN" dirty="0" err="1" smtClean="0"/>
-              <a:t>bootstrapIdx</a:t>
-            </a:r>
-            <a:r>
-              <a:rPr lang="zh-CN" altLang="en-US" dirty="0" smtClean="0"/>
-              <a:t>表示这个组件的启动顺序</a:t>
-            </a:r>
-            <a:r>
-              <a:rPr lang="en-US" altLang="zh-CN" dirty="0" smtClean="0"/>
-              <a:t>(</a:t>
-            </a:r>
-            <a:r>
-              <a:rPr lang="zh-CN" altLang="en-US" dirty="0" smtClean="0"/>
-              <a:t>假如有多个</a:t>
-            </a:r>
-            <a:r>
-              <a:rPr lang="en-US" altLang="zh-CN" dirty="0" err="1" smtClean="0"/>
-              <a:t>baseapp</a:t>
-            </a:r>
-            <a:r>
-              <a:rPr lang="en-US" altLang="zh-CN" dirty="0" smtClean="0"/>
-              <a:t>)</a:t>
+              <a:t>kbe</a:t>
+            </a:r>
+            <a:r>
+              <a:rPr lang="en-US" altLang="zh-CN" dirty="0" smtClean="0"/>
+              <a:t>;</a:t>
             </a:r>
             <a:endParaRPr lang="zh-CN" altLang="en-US" dirty="0"/>
           </a:p>
@@ -4505,6 +4399,319 @@
           <a:p>
             <a:r>
               <a:rPr lang="zh-CN" altLang="en-US" dirty="0" smtClean="0"/>
+              <a:t>定义脚本入口模块</a:t>
+            </a:r>
+            <a:endParaRPr lang="zh-CN" altLang="en-US" dirty="0"/>
+          </a:p>
+        </p:txBody>
+      </p:sp>
+      <p:sp>
+        <p:nvSpPr>
+          <p:cNvPr id="3" name="内容占位符 2"/>
+          <p:cNvSpPr>
+            <a:spLocks noGrp="1"/>
+          </p:cNvSpPr>
+          <p:nvPr>
+            <p:ph idx="1"/>
+          </p:nvPr>
+        </p:nvSpPr>
+        <p:spPr>
+          <a:xfrm>
+            <a:off x="457200" y="1600201"/>
+            <a:ext cx="8229600" cy="614354"/>
+          </a:xfrm>
+        </p:spPr>
+        <p:txBody>
+          <a:bodyPr/>
+          <a:lstStyle/>
+          <a:p>
+            <a:r>
+              <a:rPr lang="en-US" altLang="zh-CN" dirty="0" smtClean="0"/>
+              <a:t>res\server\kbengine_defs.xml</a:t>
+            </a:r>
+            <a:endParaRPr lang="zh-CN" altLang="en-US" dirty="0"/>
+          </a:p>
+        </p:txBody>
+      </p:sp>
+      <p:pic>
+        <p:nvPicPr>
+          <p:cNvPr id="1026" name="Picture 2"/>
+          <p:cNvPicPr>
+            <a:picLocks noChangeAspect="1" noChangeArrowheads="1"/>
+          </p:cNvPicPr>
+          <p:nvPr/>
+        </p:nvPicPr>
+        <p:blipFill>
+          <a:blip r:embed="rId2"/>
+          <a:srcRect/>
+          <a:stretch>
+            <a:fillRect/>
+          </a:stretch>
+        </p:blipFill>
+        <p:spPr bwMode="auto">
+          <a:xfrm>
+            <a:off x="571472" y="2357430"/>
+            <a:ext cx="6924675" cy="561975"/>
+          </a:xfrm>
+          <a:prstGeom prst="rect">
+            <a:avLst/>
+          </a:prstGeom>
+          <a:noFill/>
+          <a:ln w="9525">
+            <a:noFill/>
+            <a:miter lim="800000"/>
+            <a:headEnd/>
+            <a:tailEnd/>
+          </a:ln>
+          <a:effectLst/>
+        </p:spPr>
+      </p:pic>
+      <p:pic>
+        <p:nvPicPr>
+          <p:cNvPr id="1027" name="Picture 3"/>
+          <p:cNvPicPr>
+            <a:picLocks noChangeAspect="1" noChangeArrowheads="1"/>
+          </p:cNvPicPr>
+          <p:nvPr/>
+        </p:nvPicPr>
+        <p:blipFill>
+          <a:blip r:embed="rId3"/>
+          <a:srcRect/>
+          <a:stretch>
+            <a:fillRect/>
+          </a:stretch>
+        </p:blipFill>
+        <p:spPr bwMode="auto">
+          <a:xfrm>
+            <a:off x="571472" y="3143248"/>
+            <a:ext cx="7124700" cy="600075"/>
+          </a:xfrm>
+          <a:prstGeom prst="rect">
+            <a:avLst/>
+          </a:prstGeom>
+          <a:noFill/>
+          <a:ln w="9525">
+            <a:noFill/>
+            <a:miter lim="800000"/>
+            <a:headEnd/>
+            <a:tailEnd/>
+          </a:ln>
+          <a:effectLst/>
+        </p:spPr>
+      </p:pic>
+      <p:sp>
+        <p:nvSpPr>
+          <p:cNvPr id="7" name="TextBox 6"/>
+          <p:cNvSpPr txBox="1"/>
+          <p:nvPr/>
+        </p:nvSpPr>
+        <p:spPr>
+          <a:xfrm>
+            <a:off x="571472" y="4286256"/>
+            <a:ext cx="8358246" cy="369332"/>
+          </a:xfrm>
+          <a:prstGeom prst="rect">
+            <a:avLst/>
+          </a:prstGeom>
+          <a:noFill/>
+        </p:spPr>
+        <p:txBody>
+          <a:bodyPr wrap="square" rtlCol="0">
+            <a:spAutoFit/>
+          </a:bodyPr>
+          <a:lstStyle/>
+          <a:p>
+            <a:r>
+              <a:rPr lang="zh-CN" altLang="en-US" dirty="0" smtClean="0"/>
+              <a:t>在</a:t>
+            </a:r>
+            <a:r>
+              <a:rPr lang="en-US" altLang="zh-CN" dirty="0" smtClean="0"/>
+              <a:t>demo</a:t>
+            </a:r>
+            <a:r>
+              <a:rPr lang="zh-CN" altLang="en-US" dirty="0" smtClean="0"/>
+              <a:t>对应的</a:t>
+            </a:r>
+            <a:r>
+              <a:rPr lang="en-US" altLang="zh-CN" dirty="0" smtClean="0"/>
+              <a:t>res\scripts\cell </a:t>
+            </a:r>
+            <a:r>
+              <a:rPr lang="zh-CN" altLang="en-US" dirty="0" smtClean="0"/>
+              <a:t>与</a:t>
+            </a:r>
+            <a:r>
+              <a:rPr lang="en-US" altLang="zh-CN" dirty="0" smtClean="0"/>
+              <a:t>base</a:t>
+            </a:r>
+            <a:r>
+              <a:rPr lang="zh-CN" altLang="en-US" dirty="0" smtClean="0"/>
+              <a:t>目录下可以看到这</a:t>
+            </a:r>
+            <a:r>
+              <a:rPr lang="en-US" altLang="zh-CN" dirty="0" smtClean="0"/>
+              <a:t>2</a:t>
+            </a:r>
+            <a:r>
+              <a:rPr lang="zh-CN" altLang="en-US" dirty="0" smtClean="0"/>
+              <a:t>个模块</a:t>
+            </a:r>
+            <a:endParaRPr lang="zh-CN" altLang="en-US" dirty="0"/>
+          </a:p>
+        </p:txBody>
+      </p:sp>
+      <p:sp>
+        <p:nvSpPr>
+          <p:cNvPr id="8" name="TextBox 7"/>
+          <p:cNvSpPr txBox="1"/>
+          <p:nvPr/>
+        </p:nvSpPr>
+        <p:spPr>
+          <a:xfrm>
+            <a:off x="571472" y="5214950"/>
+            <a:ext cx="7286676" cy="1200329"/>
+          </a:xfrm>
+          <a:prstGeom prst="rect">
+            <a:avLst/>
+          </a:prstGeom>
+          <a:noFill/>
+        </p:spPr>
+        <p:txBody>
+          <a:bodyPr wrap="square" rtlCol="0">
+            <a:spAutoFit/>
+          </a:bodyPr>
+          <a:lstStyle/>
+          <a:p>
+            <a:r>
+              <a:rPr lang="en-US" altLang="zh-CN" dirty="0" smtClean="0"/>
+              <a:t>1:  </a:t>
+            </a:r>
+            <a:r>
+              <a:rPr lang="zh-CN" altLang="en-US" dirty="0" smtClean="0"/>
+              <a:t>对于</a:t>
+            </a:r>
+            <a:r>
+              <a:rPr lang="en-US" altLang="zh-CN" dirty="0" err="1" smtClean="0"/>
+              <a:t>cellapp</a:t>
+            </a:r>
+            <a:r>
+              <a:rPr lang="zh-CN" altLang="en-US" dirty="0" smtClean="0"/>
+              <a:t>的入口模块中的入口是 </a:t>
+            </a:r>
+            <a:r>
+              <a:rPr lang="en-US" altLang="zh-CN" dirty="0" err="1" smtClean="0"/>
+              <a:t>onInit</a:t>
+            </a:r>
+            <a:r>
+              <a:rPr lang="zh-CN" altLang="en-US" dirty="0" smtClean="0"/>
+              <a:t>， 引擎启动后就会通告这个接口</a:t>
+            </a:r>
+            <a:endParaRPr lang="en-US" altLang="zh-CN" dirty="0" smtClean="0"/>
+          </a:p>
+          <a:p>
+            <a:r>
+              <a:rPr lang="en-US" altLang="zh-CN" dirty="0" smtClean="0"/>
+              <a:t>2:  </a:t>
+            </a:r>
+            <a:r>
+              <a:rPr lang="zh-CN" altLang="en-US" dirty="0" smtClean="0"/>
+              <a:t>对于</a:t>
+            </a:r>
+            <a:r>
+              <a:rPr lang="en-US" altLang="zh-CN" dirty="0" err="1" smtClean="0"/>
+              <a:t>baseapp</a:t>
+            </a:r>
+            <a:r>
+              <a:rPr lang="zh-CN" altLang="en-US" dirty="0" smtClean="0"/>
+              <a:t>入口模块中的入口则是</a:t>
+            </a:r>
+            <a:r>
+              <a:rPr lang="en-US" altLang="zh-CN" dirty="0" err="1" smtClean="0"/>
+              <a:t>onBaseAppReady</a:t>
+            </a:r>
+            <a:r>
+              <a:rPr lang="en-US" altLang="zh-CN" dirty="0" smtClean="0"/>
+              <a:t>(</a:t>
+            </a:r>
+            <a:r>
+              <a:rPr lang="en-US" altLang="zh-CN" dirty="0" err="1" smtClean="0"/>
+              <a:t>bootstrapIdx</a:t>
+            </a:r>
+            <a:r>
+              <a:rPr lang="en-US" altLang="zh-CN" dirty="0" smtClean="0"/>
+              <a:t>), </a:t>
+            </a:r>
+            <a:r>
+              <a:rPr lang="en-US" altLang="zh-CN" dirty="0" err="1" smtClean="0"/>
+              <a:t>bootstrapIdx</a:t>
+            </a:r>
+            <a:r>
+              <a:rPr lang="zh-CN" altLang="en-US" dirty="0" smtClean="0"/>
+              <a:t>表示这个组件的启动顺序</a:t>
+            </a:r>
+            <a:r>
+              <a:rPr lang="en-US" altLang="zh-CN" dirty="0" smtClean="0"/>
+              <a:t>(</a:t>
+            </a:r>
+            <a:r>
+              <a:rPr lang="zh-CN" altLang="en-US" dirty="0" smtClean="0"/>
+              <a:t>假如有多个</a:t>
+            </a:r>
+            <a:r>
+              <a:rPr lang="en-US" altLang="zh-CN" dirty="0" err="1" smtClean="0"/>
+              <a:t>baseapp</a:t>
+            </a:r>
+            <a:r>
+              <a:rPr lang="en-US" altLang="zh-CN" dirty="0" smtClean="0"/>
+              <a:t>)</a:t>
+            </a:r>
+            <a:endParaRPr lang="zh-CN" altLang="en-US" dirty="0"/>
+          </a:p>
+        </p:txBody>
+      </p:sp>
+    </p:spTree>
+  </p:cSld>
+  <p:clrMapOvr>
+    <a:masterClrMapping/>
+  </p:clrMapOvr>
+</p:sld>
+</file>
+
+<file path=ppt/slides/slide18.xml><?xml version="1.0" encoding="utf-8"?>
+<p:sld xmlns:a="http://schemas.openxmlformats.org/drawingml/2006/main" xmlns:r="http://schemas.openxmlformats.org/officeDocument/2006/relationships" xmlns:p="http://schemas.openxmlformats.org/presentationml/2006/main">
+  <p:cSld>
+    <p:spTree>
+      <p:nvGrpSpPr>
+        <p:cNvPr id="1" name=""/>
+        <p:cNvGrpSpPr/>
+        <p:nvPr/>
+      </p:nvGrpSpPr>
+      <p:grpSpPr>
+        <a:xfrm>
+          <a:off x="0" y="0"/>
+          <a:ext cx="0" cy="0"/>
+          <a:chOff x="0" y="0"/>
+          <a:chExt cx="0" cy="0"/>
+        </a:xfrm>
+      </p:grpSpPr>
+      <p:sp>
+        <p:nvSpPr>
+          <p:cNvPr id="2" name="标题 1"/>
+          <p:cNvSpPr>
+            <a:spLocks noGrp="1"/>
+          </p:cNvSpPr>
+          <p:nvPr>
+            <p:ph type="title"/>
+          </p:nvPr>
+        </p:nvSpPr>
+        <p:spPr/>
+        <p:txBody>
+          <a:bodyPr/>
+          <a:lstStyle/>
+          <a:p>
+            <a:r>
+              <a:rPr lang="zh-CN" altLang="en-US" dirty="0" smtClean="0"/>
               <a:t>入口模块可以做什么</a:t>
             </a:r>
             <a:endParaRPr lang="zh-CN" altLang="en-US" dirty="0"/>
@@ -5983,7 +6190,7 @@
     </p:spTree>
     <p:extLst>
       <p:ext uri="{BB962C8B-B14F-4D97-AF65-F5344CB8AC3E}">
-        <p14:creationId xmlns="" xmlns:p14="http://schemas.microsoft.com/office/powerpoint/2010/main" val="527084161"/>
+        <p14:creationId xmlns:p14="http://schemas.microsoft.com/office/powerpoint/2010/main" xmlns="" val="527084161"/>
       </p:ext>
     </p:extLst>
   </p:cSld>
@@ -6248,7 +6455,7 @@
     </p:spTree>
     <p:extLst>
       <p:ext uri="{BB962C8B-B14F-4D97-AF65-F5344CB8AC3E}">
-        <p14:creationId xmlns="" xmlns:p14="http://schemas.microsoft.com/office/powerpoint/2010/main" val="1032052829"/>
+        <p14:creationId xmlns:p14="http://schemas.microsoft.com/office/powerpoint/2010/main" xmlns="" val="1032052829"/>
       </p:ext>
     </p:extLst>
   </p:cSld>
@@ -7524,7 +7731,7 @@
     </p:spTree>
     <p:extLst>
       <p:ext uri="{BB962C8B-B14F-4D97-AF65-F5344CB8AC3E}">
-        <p14:creationId xmlns="" xmlns:p14="http://schemas.microsoft.com/office/powerpoint/2010/main" val="1715805136"/>
+        <p14:creationId xmlns:p14="http://schemas.microsoft.com/office/powerpoint/2010/main" xmlns="" val="1715805136"/>
       </p:ext>
     </p:extLst>
   </p:cSld>
@@ -7862,7 +8069,7 @@
     </p:spTree>
     <p:extLst>
       <p:ext uri="{BB962C8B-B14F-4D97-AF65-F5344CB8AC3E}">
-        <p14:creationId xmlns="" xmlns:p14="http://schemas.microsoft.com/office/powerpoint/2010/main" val="4003009976"/>
+        <p14:creationId xmlns:p14="http://schemas.microsoft.com/office/powerpoint/2010/main" xmlns="" val="4003009976"/>
       </p:ext>
     </p:extLst>
   </p:cSld>
@@ -8658,7 +8865,7 @@
     </p:spTree>
     <p:extLst>
       <p:ext uri="{BB962C8B-B14F-4D97-AF65-F5344CB8AC3E}">
-        <p14:creationId xmlns="" xmlns:p14="http://schemas.microsoft.com/office/powerpoint/2010/main" val="1450791034"/>
+        <p14:creationId xmlns:p14="http://schemas.microsoft.com/office/powerpoint/2010/main" xmlns="" val="1450791034"/>
       </p:ext>
     </p:extLst>
   </p:cSld>
@@ -8842,7 +9049,7 @@
           <a:blip r:embed="rId2">
             <a:extLst>
               <a:ext uri="{28A0092B-C50C-407E-A947-70E740481C1C}">
-                <a14:useLocalDpi xmlns="" xmlns:a14="http://schemas.microsoft.com/office/drawing/2010/main" val="0"/>
+                <a14:useLocalDpi xmlns:a14="http://schemas.microsoft.com/office/drawing/2010/main" xmlns="" val="0"/>
               </a:ext>
             </a:extLst>
           </a:blip>
@@ -8866,14 +9073,14 @@
           <a:effectLst/>
           <a:extLst>
             <a:ext uri="{909E8E84-426E-40DD-AFC4-6F175D3DCCD1}">
-              <a14:hiddenFill xmlns="" xmlns:a14="http://schemas.microsoft.com/office/drawing/2010/main">
+              <a14:hiddenFill xmlns:a14="http://schemas.microsoft.com/office/drawing/2010/main" xmlns="">
                 <a:solidFill>
                   <a:schemeClr val="accent1"/>
                 </a:solidFill>
               </a14:hiddenFill>
             </a:ext>
             <a:ext uri="{91240B29-F687-4F45-9708-019B960494DF}">
-              <a14:hiddenLine xmlns="" xmlns:a14="http://schemas.microsoft.com/office/drawing/2010/main" w="9525">
+              <a14:hiddenLine xmlns:a14="http://schemas.microsoft.com/office/drawing/2010/main" xmlns="" w="9525">
                 <a:solidFill>
                   <a:schemeClr val="tx1"/>
                 </a:solidFill>
@@ -8883,7 +9090,7 @@
               </a14:hiddenLine>
             </a:ext>
             <a:ext uri="{AF507438-7753-43E0-B8FC-AC1667EBCBE1}">
-              <a14:hiddenEffects xmlns="" xmlns:a14="http://schemas.microsoft.com/office/drawing/2010/main">
+              <a14:hiddenEffects xmlns:a14="http://schemas.microsoft.com/office/drawing/2010/main" xmlns="">
                 <a:effectLst>
                   <a:outerShdw dist="35921" dir="2700000" algn="ctr" rotWithShape="0">
                     <a:schemeClr val="bg2"/>
@@ -8897,7 +9104,7 @@
     </p:spTree>
     <p:extLst>
       <p:ext uri="{BB962C8B-B14F-4D97-AF65-F5344CB8AC3E}">
-        <p14:creationId xmlns="" xmlns:p14="http://schemas.microsoft.com/office/powerpoint/2010/main" val="1169619344"/>
+        <p14:creationId xmlns:p14="http://schemas.microsoft.com/office/powerpoint/2010/main" xmlns="" val="1169619344"/>
       </p:ext>
     </p:extLst>
   </p:cSld>
@@ -9119,7 +9326,7 @@
     </p:spTree>
     <p:extLst>
       <p:ext uri="{BB962C8B-B14F-4D97-AF65-F5344CB8AC3E}">
-        <p14:creationId xmlns="" xmlns:p14="http://schemas.microsoft.com/office/powerpoint/2010/main" val="3949283333"/>
+        <p14:creationId xmlns:p14="http://schemas.microsoft.com/office/powerpoint/2010/main" xmlns="" val="3949283333"/>
       </p:ext>
     </p:extLst>
   </p:cSld>

--- a/kbe/doc/server_overview.pptx
+++ b/kbe/doc/server_overview.pptx
@@ -3158,7 +3158,7 @@
     </p:spTree>
     <p:extLst>
       <p:ext uri="{BB962C8B-B14F-4D97-AF65-F5344CB8AC3E}">
-        <p14:creationId xmlns:p14="http://schemas.microsoft.com/office/powerpoint/2010/main" xmlns="" val="2274749693"/>
+        <p14:creationId xmlns="" xmlns:p14="http://schemas.microsoft.com/office/powerpoint/2010/main" val="2274749693"/>
       </p:ext>
     </p:extLst>
   </p:cSld>
@@ -3292,7 +3292,7 @@
     </p:spTree>
     <p:extLst>
       <p:ext uri="{BB962C8B-B14F-4D97-AF65-F5344CB8AC3E}">
-        <p14:creationId xmlns:p14="http://schemas.microsoft.com/office/powerpoint/2010/main" xmlns="" val="3681175402"/>
+        <p14:creationId xmlns="" xmlns:p14="http://schemas.microsoft.com/office/powerpoint/2010/main" val="3681175402"/>
       </p:ext>
     </p:extLst>
   </p:cSld>
@@ -3413,7 +3413,7 @@
     </p:spTree>
     <p:extLst>
       <p:ext uri="{BB962C8B-B14F-4D97-AF65-F5344CB8AC3E}">
-        <p14:creationId xmlns:p14="http://schemas.microsoft.com/office/powerpoint/2010/main" xmlns="" val="2876153112"/>
+        <p14:creationId xmlns="" xmlns:p14="http://schemas.microsoft.com/office/powerpoint/2010/main" val="2876153112"/>
       </p:ext>
     </p:extLst>
   </p:cSld>
@@ -3503,7 +3503,7 @@
     </p:spTree>
     <p:extLst>
       <p:ext uri="{BB962C8B-B14F-4D97-AF65-F5344CB8AC3E}">
-        <p14:creationId xmlns:p14="http://schemas.microsoft.com/office/powerpoint/2010/main" xmlns="" val="1014694900"/>
+        <p14:creationId xmlns="" xmlns:p14="http://schemas.microsoft.com/office/powerpoint/2010/main" val="1014694900"/>
       </p:ext>
     </p:extLst>
   </p:cSld>
@@ -4291,11 +4291,23 @@
             </a:r>
             <a:r>
               <a:rPr lang="en-US" altLang="zh-CN" dirty="0" err="1" smtClean="0"/>
-              <a:t>kbe@localhost</a:t>
-            </a:r>
-            <a:r>
-              <a:rPr lang="en-US" altLang="zh-CN" dirty="0" smtClean="0"/>
-              <a:t> IDENTIFIED BY '</a:t>
+              <a:t>kbe</a:t>
+            </a:r>
+            <a:r>
+              <a:rPr lang="en-US" altLang="zh-CN" dirty="0" smtClean="0"/>
+              <a:t>@</a:t>
+            </a:r>
+            <a:r>
+              <a:rPr lang="en-US" altLang="zh-CN" dirty="0" smtClean="0"/>
+              <a:t>"%"</a:t>
+            </a:r>
+            <a:r>
+              <a:rPr lang="en-US" altLang="zh-CN" dirty="0" smtClean="0"/>
+              <a:t> </a:t>
+            </a:r>
+            <a:r>
+              <a:rPr lang="en-US" altLang="zh-CN" dirty="0" smtClean="0"/>
+              <a:t>IDENTIFIED BY '</a:t>
             </a:r>
             <a:r>
               <a:rPr lang="en-US" altLang="zh-CN" dirty="0" err="1" smtClean="0"/>
@@ -6190,7 +6202,7 @@
     </p:spTree>
     <p:extLst>
       <p:ext uri="{BB962C8B-B14F-4D97-AF65-F5344CB8AC3E}">
-        <p14:creationId xmlns:p14="http://schemas.microsoft.com/office/powerpoint/2010/main" xmlns="" val="527084161"/>
+        <p14:creationId xmlns="" xmlns:p14="http://schemas.microsoft.com/office/powerpoint/2010/main" val="527084161"/>
       </p:ext>
     </p:extLst>
   </p:cSld>
@@ -6455,7 +6467,7 @@
     </p:spTree>
     <p:extLst>
       <p:ext uri="{BB962C8B-B14F-4D97-AF65-F5344CB8AC3E}">
-        <p14:creationId xmlns:p14="http://schemas.microsoft.com/office/powerpoint/2010/main" xmlns="" val="1032052829"/>
+        <p14:creationId xmlns="" xmlns:p14="http://schemas.microsoft.com/office/powerpoint/2010/main" val="1032052829"/>
       </p:ext>
     </p:extLst>
   </p:cSld>
@@ -7731,7 +7743,7 @@
     </p:spTree>
     <p:extLst>
       <p:ext uri="{BB962C8B-B14F-4D97-AF65-F5344CB8AC3E}">
-        <p14:creationId xmlns:p14="http://schemas.microsoft.com/office/powerpoint/2010/main" xmlns="" val="1715805136"/>
+        <p14:creationId xmlns="" xmlns:p14="http://schemas.microsoft.com/office/powerpoint/2010/main" val="1715805136"/>
       </p:ext>
     </p:extLst>
   </p:cSld>
@@ -8069,7 +8081,7 @@
     </p:spTree>
     <p:extLst>
       <p:ext uri="{BB962C8B-B14F-4D97-AF65-F5344CB8AC3E}">
-        <p14:creationId xmlns:p14="http://schemas.microsoft.com/office/powerpoint/2010/main" xmlns="" val="4003009976"/>
+        <p14:creationId xmlns="" xmlns:p14="http://schemas.microsoft.com/office/powerpoint/2010/main" val="4003009976"/>
       </p:ext>
     </p:extLst>
   </p:cSld>
@@ -8865,7 +8877,7 @@
     </p:spTree>
     <p:extLst>
       <p:ext uri="{BB962C8B-B14F-4D97-AF65-F5344CB8AC3E}">
-        <p14:creationId xmlns:p14="http://schemas.microsoft.com/office/powerpoint/2010/main" xmlns="" val="1450791034"/>
+        <p14:creationId xmlns="" xmlns:p14="http://schemas.microsoft.com/office/powerpoint/2010/main" val="1450791034"/>
       </p:ext>
     </p:extLst>
   </p:cSld>
@@ -9049,7 +9061,7 @@
           <a:blip r:embed="rId2">
             <a:extLst>
               <a:ext uri="{28A0092B-C50C-407E-A947-70E740481C1C}">
-                <a14:useLocalDpi xmlns:a14="http://schemas.microsoft.com/office/drawing/2010/main" xmlns="" val="0"/>
+                <a14:useLocalDpi xmlns="" xmlns:a14="http://schemas.microsoft.com/office/drawing/2010/main" val="0"/>
               </a:ext>
             </a:extLst>
           </a:blip>
@@ -9073,14 +9085,14 @@
           <a:effectLst/>
           <a:extLst>
             <a:ext uri="{909E8E84-426E-40DD-AFC4-6F175D3DCCD1}">
-              <a14:hiddenFill xmlns:a14="http://schemas.microsoft.com/office/drawing/2010/main" xmlns="">
+              <a14:hiddenFill xmlns="" xmlns:a14="http://schemas.microsoft.com/office/drawing/2010/main">
                 <a:solidFill>
                   <a:schemeClr val="accent1"/>
                 </a:solidFill>
               </a14:hiddenFill>
             </a:ext>
             <a:ext uri="{91240B29-F687-4F45-9708-019B960494DF}">
-              <a14:hiddenLine xmlns:a14="http://schemas.microsoft.com/office/drawing/2010/main" xmlns="" w="9525">
+              <a14:hiddenLine xmlns="" xmlns:a14="http://schemas.microsoft.com/office/drawing/2010/main" w="9525">
                 <a:solidFill>
                   <a:schemeClr val="tx1"/>
                 </a:solidFill>
@@ -9090,7 +9102,7 @@
               </a14:hiddenLine>
             </a:ext>
             <a:ext uri="{AF507438-7753-43E0-B8FC-AC1667EBCBE1}">
-              <a14:hiddenEffects xmlns:a14="http://schemas.microsoft.com/office/drawing/2010/main" xmlns="">
+              <a14:hiddenEffects xmlns="" xmlns:a14="http://schemas.microsoft.com/office/drawing/2010/main">
                 <a:effectLst>
                   <a:outerShdw dist="35921" dir="2700000" algn="ctr" rotWithShape="0">
                     <a:schemeClr val="bg2"/>
@@ -9104,7 +9116,7 @@
     </p:spTree>
     <p:extLst>
       <p:ext uri="{BB962C8B-B14F-4D97-AF65-F5344CB8AC3E}">
-        <p14:creationId xmlns:p14="http://schemas.microsoft.com/office/powerpoint/2010/main" xmlns="" val="1169619344"/>
+        <p14:creationId xmlns="" xmlns:p14="http://schemas.microsoft.com/office/powerpoint/2010/main" val="1169619344"/>
       </p:ext>
     </p:extLst>
   </p:cSld>
@@ -9326,7 +9338,7 @@
     </p:spTree>
     <p:extLst>
       <p:ext uri="{BB962C8B-B14F-4D97-AF65-F5344CB8AC3E}">
-        <p14:creationId xmlns:p14="http://schemas.microsoft.com/office/powerpoint/2010/main" xmlns="" val="3949283333"/>
+        <p14:creationId xmlns="" xmlns:p14="http://schemas.microsoft.com/office/powerpoint/2010/main" val="3949283333"/>
       </p:ext>
     </p:extLst>
   </p:cSld>

--- a/kbe/doc/server_overview.pptx
+++ b/kbe/doc/server_overview.pptx
@@ -306,7 +306,7 @@
             <a:fld id="{530820CF-B880-4189-942D-D702A7CBA730}" type="datetimeFigureOut">
               <a:rPr lang="zh-CN" altLang="en-US" smtClean="0"/>
               <a:pPr/>
-              <a:t>2012-8-20</a:t>
+              <a:t>2012-8-22</a:t>
             </a:fld>
             <a:endParaRPr lang="zh-CN" altLang="en-US"/>
           </a:p>
@@ -473,7 +473,7 @@
             <a:fld id="{530820CF-B880-4189-942D-D702A7CBA730}" type="datetimeFigureOut">
               <a:rPr lang="zh-CN" altLang="en-US" smtClean="0"/>
               <a:pPr/>
-              <a:t>2012-8-20</a:t>
+              <a:t>2012-8-22</a:t>
             </a:fld>
             <a:endParaRPr lang="zh-CN" altLang="en-US"/>
           </a:p>
@@ -650,7 +650,7 @@
             <a:fld id="{530820CF-B880-4189-942D-D702A7CBA730}" type="datetimeFigureOut">
               <a:rPr lang="zh-CN" altLang="en-US" smtClean="0"/>
               <a:pPr/>
-              <a:t>2012-8-20</a:t>
+              <a:t>2012-8-22</a:t>
             </a:fld>
             <a:endParaRPr lang="zh-CN" altLang="en-US"/>
           </a:p>
@@ -817,7 +817,7 @@
             <a:fld id="{530820CF-B880-4189-942D-D702A7CBA730}" type="datetimeFigureOut">
               <a:rPr lang="zh-CN" altLang="en-US" smtClean="0"/>
               <a:pPr/>
-              <a:t>2012-8-20</a:t>
+              <a:t>2012-8-22</a:t>
             </a:fld>
             <a:endParaRPr lang="zh-CN" altLang="en-US"/>
           </a:p>
@@ -1060,7 +1060,7 @@
             <a:fld id="{530820CF-B880-4189-942D-D702A7CBA730}" type="datetimeFigureOut">
               <a:rPr lang="zh-CN" altLang="en-US" smtClean="0"/>
               <a:pPr/>
-              <a:t>2012-8-20</a:t>
+              <a:t>2012-8-22</a:t>
             </a:fld>
             <a:endParaRPr lang="zh-CN" altLang="en-US"/>
           </a:p>
@@ -1345,7 +1345,7 @@
             <a:fld id="{530820CF-B880-4189-942D-D702A7CBA730}" type="datetimeFigureOut">
               <a:rPr lang="zh-CN" altLang="en-US" smtClean="0"/>
               <a:pPr/>
-              <a:t>2012-8-20</a:t>
+              <a:t>2012-8-22</a:t>
             </a:fld>
             <a:endParaRPr lang="zh-CN" altLang="en-US"/>
           </a:p>
@@ -1764,7 +1764,7 @@
             <a:fld id="{530820CF-B880-4189-942D-D702A7CBA730}" type="datetimeFigureOut">
               <a:rPr lang="zh-CN" altLang="en-US" smtClean="0"/>
               <a:pPr/>
-              <a:t>2012-8-20</a:t>
+              <a:t>2012-8-22</a:t>
             </a:fld>
             <a:endParaRPr lang="zh-CN" altLang="en-US"/>
           </a:p>
@@ -1879,7 +1879,7 @@
             <a:fld id="{530820CF-B880-4189-942D-D702A7CBA730}" type="datetimeFigureOut">
               <a:rPr lang="zh-CN" altLang="en-US" smtClean="0"/>
               <a:pPr/>
-              <a:t>2012-8-20</a:t>
+              <a:t>2012-8-22</a:t>
             </a:fld>
             <a:endParaRPr lang="zh-CN" altLang="en-US"/>
           </a:p>
@@ -1971,7 +1971,7 @@
             <a:fld id="{530820CF-B880-4189-942D-D702A7CBA730}" type="datetimeFigureOut">
               <a:rPr lang="zh-CN" altLang="en-US" smtClean="0"/>
               <a:pPr/>
-              <a:t>2012-8-20</a:t>
+              <a:t>2012-8-22</a:t>
             </a:fld>
             <a:endParaRPr lang="zh-CN" altLang="en-US"/>
           </a:p>
@@ -2245,7 +2245,7 @@
             <a:fld id="{530820CF-B880-4189-942D-D702A7CBA730}" type="datetimeFigureOut">
               <a:rPr lang="zh-CN" altLang="en-US" smtClean="0"/>
               <a:pPr/>
-              <a:t>2012-8-20</a:t>
+              <a:t>2012-8-22</a:t>
             </a:fld>
             <a:endParaRPr lang="zh-CN" altLang="en-US"/>
           </a:p>
@@ -2495,7 +2495,7 @@
             <a:fld id="{530820CF-B880-4189-942D-D702A7CBA730}" type="datetimeFigureOut">
               <a:rPr lang="zh-CN" altLang="en-US" smtClean="0"/>
               <a:pPr/>
-              <a:t>2012-8-20</a:t>
+              <a:t>2012-8-22</a:t>
             </a:fld>
             <a:endParaRPr lang="zh-CN" altLang="en-US"/>
           </a:p>
@@ -2705,7 +2705,7 @@
             <a:fld id="{530820CF-B880-4189-942D-D702A7CBA730}" type="datetimeFigureOut">
               <a:rPr lang="zh-CN" altLang="en-US" smtClean="0"/>
               <a:pPr/>
-              <a:t>2012-8-20</a:t>
+              <a:t>2012-8-22</a:t>
             </a:fld>
             <a:endParaRPr lang="zh-CN" altLang="en-US"/>
           </a:p>
@@ -3158,7 +3158,7 @@
     </p:spTree>
     <p:extLst>
       <p:ext uri="{BB962C8B-B14F-4D97-AF65-F5344CB8AC3E}">
-        <p14:creationId xmlns="" xmlns:p14="http://schemas.microsoft.com/office/powerpoint/2010/main" val="2274749693"/>
+        <p14:creationId xmlns:p14="http://schemas.microsoft.com/office/powerpoint/2010/main" xmlns="" val="2274749693"/>
       </p:ext>
     </p:extLst>
   </p:cSld>
@@ -3292,7 +3292,7 @@
     </p:spTree>
     <p:extLst>
       <p:ext uri="{BB962C8B-B14F-4D97-AF65-F5344CB8AC3E}">
-        <p14:creationId xmlns="" xmlns:p14="http://schemas.microsoft.com/office/powerpoint/2010/main" val="3681175402"/>
+        <p14:creationId xmlns:p14="http://schemas.microsoft.com/office/powerpoint/2010/main" xmlns="" val="3681175402"/>
       </p:ext>
     </p:extLst>
   </p:cSld>
@@ -3413,7 +3413,7 @@
     </p:spTree>
     <p:extLst>
       <p:ext uri="{BB962C8B-B14F-4D97-AF65-F5344CB8AC3E}">
-        <p14:creationId xmlns="" xmlns:p14="http://schemas.microsoft.com/office/powerpoint/2010/main" val="2876153112"/>
+        <p14:creationId xmlns:p14="http://schemas.microsoft.com/office/powerpoint/2010/main" xmlns="" val="2876153112"/>
       </p:ext>
     </p:extLst>
   </p:cSld>
@@ -3503,7 +3503,7 @@
     </p:spTree>
     <p:extLst>
       <p:ext uri="{BB962C8B-B14F-4D97-AF65-F5344CB8AC3E}">
-        <p14:creationId xmlns="" xmlns:p14="http://schemas.microsoft.com/office/powerpoint/2010/main" val="1014694900"/>
+        <p14:creationId xmlns:p14="http://schemas.microsoft.com/office/powerpoint/2010/main" xmlns="" val="1014694900"/>
       </p:ext>
     </p:extLst>
   </p:cSld>
@@ -4026,7 +4026,7 @@
         <p:spPr>
           <a:xfrm>
             <a:off x="0" y="4214819"/>
-            <a:ext cx="8429652" cy="2585323"/>
+            <a:ext cx="8429652" cy="2862322"/>
           </a:xfrm>
           <a:prstGeom prst="rect">
             <a:avLst/>
@@ -4145,6 +4145,25 @@
               <a:rPr lang="en-US" altLang="zh-CN" dirty="0" smtClean="0"/>
               <a:t>)</a:t>
             </a:r>
+          </a:p>
+          <a:p>
+            <a:r>
+              <a:rPr lang="en-US" dirty="0" smtClean="0"/>
+              <a:t>echo '%</a:t>
+            </a:r>
+            <a:r>
+              <a:rPr lang="en-US" dirty="0" err="1" smtClean="0"/>
+              <a:t>e.core.%p</a:t>
+            </a:r>
+            <a:r>
+              <a:rPr lang="en-US" dirty="0" smtClean="0"/>
+              <a:t>' &gt; /proc/sys/kernel/</a:t>
+            </a:r>
+            <a:r>
+              <a:rPr lang="en-US" smtClean="0"/>
+              <a:t>core_pattern</a:t>
+            </a:r>
+            <a:endParaRPr lang="en-US" altLang="zh-CN" dirty="0" smtClean="0"/>
           </a:p>
           <a:p>
             <a:endParaRPr lang="en-US" altLang="zh-CN" dirty="0" smtClean="0"/>
@@ -4295,19 +4314,7 @@
             </a:r>
             <a:r>
               <a:rPr lang="en-US" altLang="zh-CN" dirty="0" smtClean="0"/>
-              <a:t>@</a:t>
-            </a:r>
-            <a:r>
-              <a:rPr lang="en-US" altLang="zh-CN" dirty="0" smtClean="0"/>
-              <a:t>"%"</a:t>
-            </a:r>
-            <a:r>
-              <a:rPr lang="en-US" altLang="zh-CN" dirty="0" smtClean="0"/>
-              <a:t> </a:t>
-            </a:r>
-            <a:r>
-              <a:rPr lang="en-US" altLang="zh-CN" dirty="0" smtClean="0"/>
-              <a:t>IDENTIFIED BY '</a:t>
+              <a:t>@"%" IDENTIFIED BY '</a:t>
             </a:r>
             <a:r>
               <a:rPr lang="en-US" altLang="zh-CN" dirty="0" err="1" smtClean="0"/>
@@ -6202,7 +6209,7 @@
     </p:spTree>
     <p:extLst>
       <p:ext uri="{BB962C8B-B14F-4D97-AF65-F5344CB8AC3E}">
-        <p14:creationId xmlns="" xmlns:p14="http://schemas.microsoft.com/office/powerpoint/2010/main" val="527084161"/>
+        <p14:creationId xmlns:p14="http://schemas.microsoft.com/office/powerpoint/2010/main" xmlns="" val="527084161"/>
       </p:ext>
     </p:extLst>
   </p:cSld>
@@ -6467,7 +6474,7 @@
     </p:spTree>
     <p:extLst>
       <p:ext uri="{BB962C8B-B14F-4D97-AF65-F5344CB8AC3E}">
-        <p14:creationId xmlns="" xmlns:p14="http://schemas.microsoft.com/office/powerpoint/2010/main" val="1032052829"/>
+        <p14:creationId xmlns:p14="http://schemas.microsoft.com/office/powerpoint/2010/main" xmlns="" val="1032052829"/>
       </p:ext>
     </p:extLst>
   </p:cSld>
@@ -7743,7 +7750,7 @@
     </p:spTree>
     <p:extLst>
       <p:ext uri="{BB962C8B-B14F-4D97-AF65-F5344CB8AC3E}">
-        <p14:creationId xmlns="" xmlns:p14="http://schemas.microsoft.com/office/powerpoint/2010/main" val="1715805136"/>
+        <p14:creationId xmlns:p14="http://schemas.microsoft.com/office/powerpoint/2010/main" xmlns="" val="1715805136"/>
       </p:ext>
     </p:extLst>
   </p:cSld>
@@ -8081,7 +8088,7 @@
     </p:spTree>
     <p:extLst>
       <p:ext uri="{BB962C8B-B14F-4D97-AF65-F5344CB8AC3E}">
-        <p14:creationId xmlns="" xmlns:p14="http://schemas.microsoft.com/office/powerpoint/2010/main" val="4003009976"/>
+        <p14:creationId xmlns:p14="http://schemas.microsoft.com/office/powerpoint/2010/main" xmlns="" val="4003009976"/>
       </p:ext>
     </p:extLst>
   </p:cSld>
@@ -8877,7 +8884,7 @@
     </p:spTree>
     <p:extLst>
       <p:ext uri="{BB962C8B-B14F-4D97-AF65-F5344CB8AC3E}">
-        <p14:creationId xmlns="" xmlns:p14="http://schemas.microsoft.com/office/powerpoint/2010/main" val="1450791034"/>
+        <p14:creationId xmlns:p14="http://schemas.microsoft.com/office/powerpoint/2010/main" xmlns="" val="1450791034"/>
       </p:ext>
     </p:extLst>
   </p:cSld>
@@ -9061,7 +9068,7 @@
           <a:blip r:embed="rId2">
             <a:extLst>
               <a:ext uri="{28A0092B-C50C-407E-A947-70E740481C1C}">
-                <a14:useLocalDpi xmlns="" xmlns:a14="http://schemas.microsoft.com/office/drawing/2010/main" val="0"/>
+                <a14:useLocalDpi xmlns:a14="http://schemas.microsoft.com/office/drawing/2010/main" xmlns="" val="0"/>
               </a:ext>
             </a:extLst>
           </a:blip>
@@ -9085,14 +9092,14 @@
           <a:effectLst/>
           <a:extLst>
             <a:ext uri="{909E8E84-426E-40DD-AFC4-6F175D3DCCD1}">
-              <a14:hiddenFill xmlns="" xmlns:a14="http://schemas.microsoft.com/office/drawing/2010/main">
+              <a14:hiddenFill xmlns:a14="http://schemas.microsoft.com/office/drawing/2010/main" xmlns="">
                 <a:solidFill>
                   <a:schemeClr val="accent1"/>
                 </a:solidFill>
               </a14:hiddenFill>
             </a:ext>
             <a:ext uri="{91240B29-F687-4F45-9708-019B960494DF}">
-              <a14:hiddenLine xmlns="" xmlns:a14="http://schemas.microsoft.com/office/drawing/2010/main" w="9525">
+              <a14:hiddenLine xmlns:a14="http://schemas.microsoft.com/office/drawing/2010/main" xmlns="" w="9525">
                 <a:solidFill>
                   <a:schemeClr val="tx1"/>
                 </a:solidFill>
@@ -9102,7 +9109,7 @@
               </a14:hiddenLine>
             </a:ext>
             <a:ext uri="{AF507438-7753-43E0-B8FC-AC1667EBCBE1}">
-              <a14:hiddenEffects xmlns="" xmlns:a14="http://schemas.microsoft.com/office/drawing/2010/main">
+              <a14:hiddenEffects xmlns:a14="http://schemas.microsoft.com/office/drawing/2010/main" xmlns="">
                 <a:effectLst>
                   <a:outerShdw dist="35921" dir="2700000" algn="ctr" rotWithShape="0">
                     <a:schemeClr val="bg2"/>
@@ -9116,7 +9123,7 @@
     </p:spTree>
     <p:extLst>
       <p:ext uri="{BB962C8B-B14F-4D97-AF65-F5344CB8AC3E}">
-        <p14:creationId xmlns="" xmlns:p14="http://schemas.microsoft.com/office/powerpoint/2010/main" val="1169619344"/>
+        <p14:creationId xmlns:p14="http://schemas.microsoft.com/office/powerpoint/2010/main" xmlns="" val="1169619344"/>
       </p:ext>
     </p:extLst>
   </p:cSld>
@@ -9338,7 +9345,7 @@
     </p:spTree>
     <p:extLst>
       <p:ext uri="{BB962C8B-B14F-4D97-AF65-F5344CB8AC3E}">
-        <p14:creationId xmlns="" xmlns:p14="http://schemas.microsoft.com/office/powerpoint/2010/main" val="3949283333"/>
+        <p14:creationId xmlns:p14="http://schemas.microsoft.com/office/powerpoint/2010/main" xmlns="" val="3949283333"/>
       </p:ext>
     </p:extLst>
   </p:cSld>

--- a/kbe/doc/server_overview.pptx
+++ b/kbe/doc/server_overview.pptx
@@ -306,7 +306,7 @@
             <a:fld id="{530820CF-B880-4189-942D-D702A7CBA730}" type="datetimeFigureOut">
               <a:rPr lang="zh-CN" altLang="en-US" smtClean="0"/>
               <a:pPr/>
-              <a:t>2012-8-22</a:t>
+              <a:t>2013-1-21</a:t>
             </a:fld>
             <a:endParaRPr lang="zh-CN" altLang="en-US"/>
           </a:p>
@@ -473,7 +473,7 @@
             <a:fld id="{530820CF-B880-4189-942D-D702A7CBA730}" type="datetimeFigureOut">
               <a:rPr lang="zh-CN" altLang="en-US" smtClean="0"/>
               <a:pPr/>
-              <a:t>2012-8-22</a:t>
+              <a:t>2013-1-21</a:t>
             </a:fld>
             <a:endParaRPr lang="zh-CN" altLang="en-US"/>
           </a:p>
@@ -650,7 +650,7 @@
             <a:fld id="{530820CF-B880-4189-942D-D702A7CBA730}" type="datetimeFigureOut">
               <a:rPr lang="zh-CN" altLang="en-US" smtClean="0"/>
               <a:pPr/>
-              <a:t>2012-8-22</a:t>
+              <a:t>2013-1-21</a:t>
             </a:fld>
             <a:endParaRPr lang="zh-CN" altLang="en-US"/>
           </a:p>
@@ -817,7 +817,7 @@
             <a:fld id="{530820CF-B880-4189-942D-D702A7CBA730}" type="datetimeFigureOut">
               <a:rPr lang="zh-CN" altLang="en-US" smtClean="0"/>
               <a:pPr/>
-              <a:t>2012-8-22</a:t>
+              <a:t>2013-1-21</a:t>
             </a:fld>
             <a:endParaRPr lang="zh-CN" altLang="en-US"/>
           </a:p>
@@ -1060,7 +1060,7 @@
             <a:fld id="{530820CF-B880-4189-942D-D702A7CBA730}" type="datetimeFigureOut">
               <a:rPr lang="zh-CN" altLang="en-US" smtClean="0"/>
               <a:pPr/>
-              <a:t>2012-8-22</a:t>
+              <a:t>2013-1-21</a:t>
             </a:fld>
             <a:endParaRPr lang="zh-CN" altLang="en-US"/>
           </a:p>
@@ -1345,7 +1345,7 @@
             <a:fld id="{530820CF-B880-4189-942D-D702A7CBA730}" type="datetimeFigureOut">
               <a:rPr lang="zh-CN" altLang="en-US" smtClean="0"/>
               <a:pPr/>
-              <a:t>2012-8-22</a:t>
+              <a:t>2013-1-21</a:t>
             </a:fld>
             <a:endParaRPr lang="zh-CN" altLang="en-US"/>
           </a:p>
@@ -1764,7 +1764,7 @@
             <a:fld id="{530820CF-B880-4189-942D-D702A7CBA730}" type="datetimeFigureOut">
               <a:rPr lang="zh-CN" altLang="en-US" smtClean="0"/>
               <a:pPr/>
-              <a:t>2012-8-22</a:t>
+              <a:t>2013-1-21</a:t>
             </a:fld>
             <a:endParaRPr lang="zh-CN" altLang="en-US"/>
           </a:p>
@@ -1879,7 +1879,7 @@
             <a:fld id="{530820CF-B880-4189-942D-D702A7CBA730}" type="datetimeFigureOut">
               <a:rPr lang="zh-CN" altLang="en-US" smtClean="0"/>
               <a:pPr/>
-              <a:t>2012-8-22</a:t>
+              <a:t>2013-1-21</a:t>
             </a:fld>
             <a:endParaRPr lang="zh-CN" altLang="en-US"/>
           </a:p>
@@ -1971,7 +1971,7 @@
             <a:fld id="{530820CF-B880-4189-942D-D702A7CBA730}" type="datetimeFigureOut">
               <a:rPr lang="zh-CN" altLang="en-US" smtClean="0"/>
               <a:pPr/>
-              <a:t>2012-8-22</a:t>
+              <a:t>2013-1-21</a:t>
             </a:fld>
             <a:endParaRPr lang="zh-CN" altLang="en-US"/>
           </a:p>
@@ -2245,7 +2245,7 @@
             <a:fld id="{530820CF-B880-4189-942D-D702A7CBA730}" type="datetimeFigureOut">
               <a:rPr lang="zh-CN" altLang="en-US" smtClean="0"/>
               <a:pPr/>
-              <a:t>2012-8-22</a:t>
+              <a:t>2013-1-21</a:t>
             </a:fld>
             <a:endParaRPr lang="zh-CN" altLang="en-US"/>
           </a:p>
@@ -2495,7 +2495,7 @@
             <a:fld id="{530820CF-B880-4189-942D-D702A7CBA730}" type="datetimeFigureOut">
               <a:rPr lang="zh-CN" altLang="en-US" smtClean="0"/>
               <a:pPr/>
-              <a:t>2012-8-22</a:t>
+              <a:t>2013-1-21</a:t>
             </a:fld>
             <a:endParaRPr lang="zh-CN" altLang="en-US"/>
           </a:p>
@@ -2705,7 +2705,7 @@
             <a:fld id="{530820CF-B880-4189-942D-D702A7CBA730}" type="datetimeFigureOut">
               <a:rPr lang="zh-CN" altLang="en-US" smtClean="0"/>
               <a:pPr/>
-              <a:t>2012-8-22</a:t>
+              <a:t>2013-1-21</a:t>
             </a:fld>
             <a:endParaRPr lang="zh-CN" altLang="en-US"/>
           </a:p>
@@ -3155,10 +3155,36 @@
           </a:p>
         </p:txBody>
       </p:sp>
+      <p:pic>
+        <p:nvPicPr>
+          <p:cNvPr id="1026" name="Picture 2" descr="C:\Documents and Settings\Administrator\桌面\kbengine.png"/>
+          <p:cNvPicPr>
+            <a:picLocks noChangeAspect="1" noChangeArrowheads="1"/>
+          </p:cNvPicPr>
+          <p:nvPr/>
+        </p:nvPicPr>
+        <p:blipFill>
+          <a:blip r:embed="rId2"/>
+          <a:srcRect/>
+          <a:stretch>
+            <a:fillRect/>
+          </a:stretch>
+        </p:blipFill>
+        <p:spPr bwMode="auto">
+          <a:xfrm>
+            <a:off x="3643306" y="1571612"/>
+            <a:ext cx="1905000" cy="1143000"/>
+          </a:xfrm>
+          <a:prstGeom prst="rect">
+            <a:avLst/>
+          </a:prstGeom>
+          <a:noFill/>
+        </p:spPr>
+      </p:pic>
     </p:spTree>
     <p:extLst>
       <p:ext uri="{BB962C8B-B14F-4D97-AF65-F5344CB8AC3E}">
-        <p14:creationId xmlns:p14="http://schemas.microsoft.com/office/powerpoint/2010/main" xmlns="" val="2274749693"/>
+        <p14:creationId xmlns="" xmlns:p14="http://schemas.microsoft.com/office/powerpoint/2010/main" val="2274749693"/>
       </p:ext>
     </p:extLst>
   </p:cSld>
@@ -3292,7 +3318,7 @@
     </p:spTree>
     <p:extLst>
       <p:ext uri="{BB962C8B-B14F-4D97-AF65-F5344CB8AC3E}">
-        <p14:creationId xmlns:p14="http://schemas.microsoft.com/office/powerpoint/2010/main" xmlns="" val="3681175402"/>
+        <p14:creationId xmlns="" xmlns:p14="http://schemas.microsoft.com/office/powerpoint/2010/main" val="3681175402"/>
       </p:ext>
     </p:extLst>
   </p:cSld>
@@ -3413,7 +3439,7 @@
     </p:spTree>
     <p:extLst>
       <p:ext uri="{BB962C8B-B14F-4D97-AF65-F5344CB8AC3E}">
-        <p14:creationId xmlns:p14="http://schemas.microsoft.com/office/powerpoint/2010/main" xmlns="" val="2876153112"/>
+        <p14:creationId xmlns="" xmlns:p14="http://schemas.microsoft.com/office/powerpoint/2010/main" val="2876153112"/>
       </p:ext>
     </p:extLst>
   </p:cSld>
@@ -3503,7 +3529,7 @@
     </p:spTree>
     <p:extLst>
       <p:ext uri="{BB962C8B-B14F-4D97-AF65-F5344CB8AC3E}">
-        <p14:creationId xmlns:p14="http://schemas.microsoft.com/office/powerpoint/2010/main" xmlns="" val="1014694900"/>
+        <p14:creationId xmlns="" xmlns:p14="http://schemas.microsoft.com/office/powerpoint/2010/main" val="1014694900"/>
       </p:ext>
     </p:extLst>
   </p:cSld>
@@ -4160,7 +4186,7 @@
               <a:t>' &gt; /proc/sys/kernel/</a:t>
             </a:r>
             <a:r>
-              <a:rPr lang="en-US" smtClean="0"/>
+              <a:rPr lang="en-US" dirty="0" err="1" smtClean="0"/>
               <a:t>core_pattern</a:t>
             </a:r>
             <a:endParaRPr lang="en-US" altLang="zh-CN" dirty="0" smtClean="0"/>
@@ -6209,7 +6235,7 @@
     </p:spTree>
     <p:extLst>
       <p:ext uri="{BB962C8B-B14F-4D97-AF65-F5344CB8AC3E}">
-        <p14:creationId xmlns:p14="http://schemas.microsoft.com/office/powerpoint/2010/main" xmlns="" val="527084161"/>
+        <p14:creationId xmlns="" xmlns:p14="http://schemas.microsoft.com/office/powerpoint/2010/main" val="527084161"/>
       </p:ext>
     </p:extLst>
   </p:cSld>
@@ -6474,7 +6500,7 @@
     </p:spTree>
     <p:extLst>
       <p:ext uri="{BB962C8B-B14F-4D97-AF65-F5344CB8AC3E}">
-        <p14:creationId xmlns:p14="http://schemas.microsoft.com/office/powerpoint/2010/main" xmlns="" val="1032052829"/>
+        <p14:creationId xmlns="" xmlns:p14="http://schemas.microsoft.com/office/powerpoint/2010/main" val="1032052829"/>
       </p:ext>
     </p:extLst>
   </p:cSld>
@@ -7750,7 +7776,7 @@
     </p:spTree>
     <p:extLst>
       <p:ext uri="{BB962C8B-B14F-4D97-AF65-F5344CB8AC3E}">
-        <p14:creationId xmlns:p14="http://schemas.microsoft.com/office/powerpoint/2010/main" xmlns="" val="1715805136"/>
+        <p14:creationId xmlns="" xmlns:p14="http://schemas.microsoft.com/office/powerpoint/2010/main" val="1715805136"/>
       </p:ext>
     </p:extLst>
   </p:cSld>
@@ -8088,7 +8114,7 @@
     </p:spTree>
     <p:extLst>
       <p:ext uri="{BB962C8B-B14F-4D97-AF65-F5344CB8AC3E}">
-        <p14:creationId xmlns:p14="http://schemas.microsoft.com/office/powerpoint/2010/main" xmlns="" val="4003009976"/>
+        <p14:creationId xmlns="" xmlns:p14="http://schemas.microsoft.com/office/powerpoint/2010/main" val="4003009976"/>
       </p:ext>
     </p:extLst>
   </p:cSld>
@@ -8884,7 +8910,7 @@
     </p:spTree>
     <p:extLst>
       <p:ext uri="{BB962C8B-B14F-4D97-AF65-F5344CB8AC3E}">
-        <p14:creationId xmlns:p14="http://schemas.microsoft.com/office/powerpoint/2010/main" xmlns="" val="1450791034"/>
+        <p14:creationId xmlns="" xmlns:p14="http://schemas.microsoft.com/office/powerpoint/2010/main" val="1450791034"/>
       </p:ext>
     </p:extLst>
   </p:cSld>
@@ -9068,7 +9094,7 @@
           <a:blip r:embed="rId2">
             <a:extLst>
               <a:ext uri="{28A0092B-C50C-407E-A947-70E740481C1C}">
-                <a14:useLocalDpi xmlns:a14="http://schemas.microsoft.com/office/drawing/2010/main" xmlns="" val="0"/>
+                <a14:useLocalDpi xmlns="" xmlns:a14="http://schemas.microsoft.com/office/drawing/2010/main" val="0"/>
               </a:ext>
             </a:extLst>
           </a:blip>
@@ -9092,14 +9118,14 @@
           <a:effectLst/>
           <a:extLst>
             <a:ext uri="{909E8E84-426E-40DD-AFC4-6F175D3DCCD1}">
-              <a14:hiddenFill xmlns:a14="http://schemas.microsoft.com/office/drawing/2010/main" xmlns="">
+              <a14:hiddenFill xmlns="" xmlns:a14="http://schemas.microsoft.com/office/drawing/2010/main">
                 <a:solidFill>
                   <a:schemeClr val="accent1"/>
                 </a:solidFill>
               </a14:hiddenFill>
             </a:ext>
             <a:ext uri="{91240B29-F687-4F45-9708-019B960494DF}">
-              <a14:hiddenLine xmlns:a14="http://schemas.microsoft.com/office/drawing/2010/main" xmlns="" w="9525">
+              <a14:hiddenLine xmlns="" xmlns:a14="http://schemas.microsoft.com/office/drawing/2010/main" w="9525">
                 <a:solidFill>
                   <a:schemeClr val="tx1"/>
                 </a:solidFill>
@@ -9109,7 +9135,7 @@
               </a14:hiddenLine>
             </a:ext>
             <a:ext uri="{AF507438-7753-43E0-B8FC-AC1667EBCBE1}">
-              <a14:hiddenEffects xmlns:a14="http://schemas.microsoft.com/office/drawing/2010/main" xmlns="">
+              <a14:hiddenEffects xmlns="" xmlns:a14="http://schemas.microsoft.com/office/drawing/2010/main">
                 <a:effectLst>
                   <a:outerShdw dist="35921" dir="2700000" algn="ctr" rotWithShape="0">
                     <a:schemeClr val="bg2"/>
@@ -9123,7 +9149,7 @@
     </p:spTree>
     <p:extLst>
       <p:ext uri="{BB962C8B-B14F-4D97-AF65-F5344CB8AC3E}">
-        <p14:creationId xmlns:p14="http://schemas.microsoft.com/office/powerpoint/2010/main" xmlns="" val="1169619344"/>
+        <p14:creationId xmlns="" xmlns:p14="http://schemas.microsoft.com/office/powerpoint/2010/main" val="1169619344"/>
       </p:ext>
     </p:extLst>
   </p:cSld>
@@ -9345,7 +9371,7 @@
     </p:spTree>
     <p:extLst>
       <p:ext uri="{BB962C8B-B14F-4D97-AF65-F5344CB8AC3E}">
-        <p14:creationId xmlns:p14="http://schemas.microsoft.com/office/powerpoint/2010/main" xmlns="" val="3949283333"/>
+        <p14:creationId xmlns="" xmlns:p14="http://schemas.microsoft.com/office/powerpoint/2010/main" val="3949283333"/>
       </p:ext>
     </p:extLst>
   </p:cSld>
